--- a/Pictures/Schedule.pptx
+++ b/Pictures/Schedule.pptx
@@ -104,6 +104,11 @@
       </a:defRPr>
     </a:lvl9pPr>
   </p:defaultTextStyle>
+  <p:extLst>
+    <p:ext uri="{EFAFB233-063F-42B5-8137-9DF3F51BA10A}">
+      <p15:sldGuideLst xmlns:p15="http://schemas.microsoft.com/office/powerpoint/2012/main"/>
+    </p:ext>
+  </p:extLst>
 </p:presentation>
 </file>
 
@@ -149,10 +154,9 @@
           </a:lstStyle>
           <a:p>
             <a:r>
-              <a:rPr lang="fr-FR" smtClean="0"/>
+              <a:rPr lang="fr-FR"/>
               <a:t>Modifiez le style du titre</a:t>
             </a:r>
-            <a:endParaRPr lang="fr-FR"/>
           </a:p>
         </p:txBody>
       </p:sp>
@@ -214,10 +218,9 @@
           </a:lstStyle>
           <a:p>
             <a:r>
-              <a:rPr lang="fr-FR" smtClean="0"/>
+              <a:rPr lang="fr-FR"/>
               <a:t>Modifier le style des sous-titres du masque</a:t>
             </a:r>
-            <a:endParaRPr lang="fr-FR"/>
           </a:p>
         </p:txBody>
       </p:sp>
@@ -238,7 +241,7 @@
           <a:p>
             <a:fld id="{AE838A5E-F36F-4AC1-9778-6D8D7F5D5B8B}" type="datetimeFigureOut">
               <a:rPr lang="fr-FR" smtClean="0"/>
-              <a:t>16/06/2021</a:t>
+              <a:t>25/06/2021</a:t>
             </a:fld>
             <a:endParaRPr lang="fr-FR"/>
           </a:p>
@@ -280,7 +283,7 @@
           <a:p>
             <a:fld id="{8A2DA0C8-2C0F-40CF-8DDA-C2B273B090D3}" type="slidenum">
               <a:rPr lang="fr-FR" smtClean="0"/>
-              <a:t>‹N°›</a:t>
+              <a:t>‹#›</a:t>
             </a:fld>
             <a:endParaRPr lang="fr-FR"/>
           </a:p>
@@ -332,10 +335,9 @@
           <a:lstStyle/>
           <a:p>
             <a:r>
-              <a:rPr lang="fr-FR" smtClean="0"/>
+              <a:rPr lang="fr-FR"/>
               <a:t>Modifiez le style du titre</a:t>
             </a:r>
-            <a:endParaRPr lang="fr-FR"/>
           </a:p>
         </p:txBody>
       </p:sp>
@@ -356,38 +358,37 @@
           <a:p>
             <a:pPr lvl="0"/>
             <a:r>
-              <a:rPr lang="fr-FR" smtClean="0"/>
+              <a:rPr lang="fr-FR"/>
               <a:t>Modifier les styles du texte du masque</a:t>
             </a:r>
           </a:p>
           <a:p>
             <a:pPr lvl="1"/>
             <a:r>
-              <a:rPr lang="fr-FR" smtClean="0"/>
+              <a:rPr lang="fr-FR"/>
               <a:t>Deuxième niveau</a:t>
             </a:r>
           </a:p>
           <a:p>
             <a:pPr lvl="2"/>
             <a:r>
-              <a:rPr lang="fr-FR" smtClean="0"/>
+              <a:rPr lang="fr-FR"/>
               <a:t>Troisième niveau</a:t>
             </a:r>
           </a:p>
           <a:p>
             <a:pPr lvl="3"/>
             <a:r>
-              <a:rPr lang="fr-FR" smtClean="0"/>
+              <a:rPr lang="fr-FR"/>
               <a:t>Quatrième niveau</a:t>
             </a:r>
           </a:p>
           <a:p>
             <a:pPr lvl="4"/>
             <a:r>
-              <a:rPr lang="fr-FR" smtClean="0"/>
+              <a:rPr lang="fr-FR"/>
               <a:t>Cinquième niveau</a:t>
             </a:r>
-            <a:endParaRPr lang="fr-FR"/>
           </a:p>
         </p:txBody>
       </p:sp>
@@ -408,7 +409,7 @@
           <a:p>
             <a:fld id="{AE838A5E-F36F-4AC1-9778-6D8D7F5D5B8B}" type="datetimeFigureOut">
               <a:rPr lang="fr-FR" smtClean="0"/>
-              <a:t>16/06/2021</a:t>
+              <a:t>25/06/2021</a:t>
             </a:fld>
             <a:endParaRPr lang="fr-FR"/>
           </a:p>
@@ -450,7 +451,7 @@
           <a:p>
             <a:fld id="{8A2DA0C8-2C0F-40CF-8DDA-C2B273B090D3}" type="slidenum">
               <a:rPr lang="fr-FR" smtClean="0"/>
-              <a:t>‹N°›</a:t>
+              <a:t>‹#›</a:t>
             </a:fld>
             <a:endParaRPr lang="fr-FR"/>
           </a:p>
@@ -507,10 +508,9 @@
           <a:lstStyle/>
           <a:p>
             <a:r>
-              <a:rPr lang="fr-FR" smtClean="0"/>
+              <a:rPr lang="fr-FR"/>
               <a:t>Modifiez le style du titre</a:t>
             </a:r>
-            <a:endParaRPr lang="fr-FR"/>
           </a:p>
         </p:txBody>
       </p:sp>
@@ -536,38 +536,37 @@
           <a:p>
             <a:pPr lvl="0"/>
             <a:r>
-              <a:rPr lang="fr-FR" smtClean="0"/>
+              <a:rPr lang="fr-FR"/>
               <a:t>Modifier les styles du texte du masque</a:t>
             </a:r>
           </a:p>
           <a:p>
             <a:pPr lvl="1"/>
             <a:r>
-              <a:rPr lang="fr-FR" smtClean="0"/>
+              <a:rPr lang="fr-FR"/>
               <a:t>Deuxième niveau</a:t>
             </a:r>
           </a:p>
           <a:p>
             <a:pPr lvl="2"/>
             <a:r>
-              <a:rPr lang="fr-FR" smtClean="0"/>
+              <a:rPr lang="fr-FR"/>
               <a:t>Troisième niveau</a:t>
             </a:r>
           </a:p>
           <a:p>
             <a:pPr lvl="3"/>
             <a:r>
-              <a:rPr lang="fr-FR" smtClean="0"/>
+              <a:rPr lang="fr-FR"/>
               <a:t>Quatrième niveau</a:t>
             </a:r>
           </a:p>
           <a:p>
             <a:pPr lvl="4"/>
             <a:r>
-              <a:rPr lang="fr-FR" smtClean="0"/>
+              <a:rPr lang="fr-FR"/>
               <a:t>Cinquième niveau</a:t>
             </a:r>
-            <a:endParaRPr lang="fr-FR"/>
           </a:p>
         </p:txBody>
       </p:sp>
@@ -588,7 +587,7 @@
           <a:p>
             <a:fld id="{AE838A5E-F36F-4AC1-9778-6D8D7F5D5B8B}" type="datetimeFigureOut">
               <a:rPr lang="fr-FR" smtClean="0"/>
-              <a:t>16/06/2021</a:t>
+              <a:t>25/06/2021</a:t>
             </a:fld>
             <a:endParaRPr lang="fr-FR"/>
           </a:p>
@@ -630,7 +629,7 @@
           <a:p>
             <a:fld id="{8A2DA0C8-2C0F-40CF-8DDA-C2B273B090D3}" type="slidenum">
               <a:rPr lang="fr-FR" smtClean="0"/>
-              <a:t>‹N°›</a:t>
+              <a:t>‹#›</a:t>
             </a:fld>
             <a:endParaRPr lang="fr-FR"/>
           </a:p>
@@ -682,10 +681,9 @@
           <a:lstStyle/>
           <a:p>
             <a:r>
-              <a:rPr lang="fr-FR" smtClean="0"/>
+              <a:rPr lang="fr-FR"/>
               <a:t>Modifiez le style du titre</a:t>
             </a:r>
-            <a:endParaRPr lang="fr-FR"/>
           </a:p>
         </p:txBody>
       </p:sp>
@@ -706,38 +704,37 @@
           <a:p>
             <a:pPr lvl="0"/>
             <a:r>
-              <a:rPr lang="fr-FR" smtClean="0"/>
+              <a:rPr lang="fr-FR"/>
               <a:t>Modifier les styles du texte du masque</a:t>
             </a:r>
           </a:p>
           <a:p>
             <a:pPr lvl="1"/>
             <a:r>
-              <a:rPr lang="fr-FR" smtClean="0"/>
+              <a:rPr lang="fr-FR"/>
               <a:t>Deuxième niveau</a:t>
             </a:r>
           </a:p>
           <a:p>
             <a:pPr lvl="2"/>
             <a:r>
-              <a:rPr lang="fr-FR" smtClean="0"/>
+              <a:rPr lang="fr-FR"/>
               <a:t>Troisième niveau</a:t>
             </a:r>
           </a:p>
           <a:p>
             <a:pPr lvl="3"/>
             <a:r>
-              <a:rPr lang="fr-FR" smtClean="0"/>
+              <a:rPr lang="fr-FR"/>
               <a:t>Quatrième niveau</a:t>
             </a:r>
           </a:p>
           <a:p>
             <a:pPr lvl="4"/>
             <a:r>
-              <a:rPr lang="fr-FR" smtClean="0"/>
+              <a:rPr lang="fr-FR"/>
               <a:t>Cinquième niveau</a:t>
             </a:r>
-            <a:endParaRPr lang="fr-FR"/>
           </a:p>
         </p:txBody>
       </p:sp>
@@ -758,7 +755,7 @@
           <a:p>
             <a:fld id="{AE838A5E-F36F-4AC1-9778-6D8D7F5D5B8B}" type="datetimeFigureOut">
               <a:rPr lang="fr-FR" smtClean="0"/>
-              <a:t>16/06/2021</a:t>
+              <a:t>25/06/2021</a:t>
             </a:fld>
             <a:endParaRPr lang="fr-FR"/>
           </a:p>
@@ -800,7 +797,7 @@
           <a:p>
             <a:fld id="{8A2DA0C8-2C0F-40CF-8DDA-C2B273B090D3}" type="slidenum">
               <a:rPr lang="fr-FR" smtClean="0"/>
-              <a:t>‹N°›</a:t>
+              <a:t>‹#›</a:t>
             </a:fld>
             <a:endParaRPr lang="fr-FR"/>
           </a:p>
@@ -861,10 +858,9 @@
           </a:lstStyle>
           <a:p>
             <a:r>
-              <a:rPr lang="fr-FR" smtClean="0"/>
+              <a:rPr lang="fr-FR"/>
               <a:t>Modifiez le style du titre</a:t>
             </a:r>
-            <a:endParaRPr lang="fr-FR"/>
           </a:p>
         </p:txBody>
       </p:sp>
@@ -981,7 +977,7 @@
           <a:p>
             <a:pPr lvl="0"/>
             <a:r>
-              <a:rPr lang="fr-FR" smtClean="0"/>
+              <a:rPr lang="fr-FR"/>
               <a:t>Modifier les styles du texte du masque</a:t>
             </a:r>
           </a:p>
@@ -1004,7 +1000,7 @@
           <a:p>
             <a:fld id="{AE838A5E-F36F-4AC1-9778-6D8D7F5D5B8B}" type="datetimeFigureOut">
               <a:rPr lang="fr-FR" smtClean="0"/>
-              <a:t>16/06/2021</a:t>
+              <a:t>25/06/2021</a:t>
             </a:fld>
             <a:endParaRPr lang="fr-FR"/>
           </a:p>
@@ -1046,7 +1042,7 @@
           <a:p>
             <a:fld id="{8A2DA0C8-2C0F-40CF-8DDA-C2B273B090D3}" type="slidenum">
               <a:rPr lang="fr-FR" smtClean="0"/>
-              <a:t>‹N°›</a:t>
+              <a:t>‹#›</a:t>
             </a:fld>
             <a:endParaRPr lang="fr-FR"/>
           </a:p>
@@ -1098,10 +1094,9 @@
           <a:lstStyle/>
           <a:p>
             <a:r>
-              <a:rPr lang="fr-FR" smtClean="0"/>
+              <a:rPr lang="fr-FR"/>
               <a:t>Modifiez le style du titre</a:t>
             </a:r>
-            <a:endParaRPr lang="fr-FR"/>
           </a:p>
         </p:txBody>
       </p:sp>
@@ -1127,38 +1122,37 @@
           <a:p>
             <a:pPr lvl="0"/>
             <a:r>
-              <a:rPr lang="fr-FR" smtClean="0"/>
+              <a:rPr lang="fr-FR"/>
               <a:t>Modifier les styles du texte du masque</a:t>
             </a:r>
           </a:p>
           <a:p>
             <a:pPr lvl="1"/>
             <a:r>
-              <a:rPr lang="fr-FR" smtClean="0"/>
+              <a:rPr lang="fr-FR"/>
               <a:t>Deuxième niveau</a:t>
             </a:r>
           </a:p>
           <a:p>
             <a:pPr lvl="2"/>
             <a:r>
-              <a:rPr lang="fr-FR" smtClean="0"/>
+              <a:rPr lang="fr-FR"/>
               <a:t>Troisième niveau</a:t>
             </a:r>
           </a:p>
           <a:p>
             <a:pPr lvl="3"/>
             <a:r>
-              <a:rPr lang="fr-FR" smtClean="0"/>
+              <a:rPr lang="fr-FR"/>
               <a:t>Quatrième niveau</a:t>
             </a:r>
           </a:p>
           <a:p>
             <a:pPr lvl="4"/>
             <a:r>
-              <a:rPr lang="fr-FR" smtClean="0"/>
+              <a:rPr lang="fr-FR"/>
               <a:t>Cinquième niveau</a:t>
             </a:r>
-            <a:endParaRPr lang="fr-FR"/>
           </a:p>
         </p:txBody>
       </p:sp>
@@ -1184,38 +1178,37 @@
           <a:p>
             <a:pPr lvl="0"/>
             <a:r>
-              <a:rPr lang="fr-FR" smtClean="0"/>
+              <a:rPr lang="fr-FR"/>
               <a:t>Modifier les styles du texte du masque</a:t>
             </a:r>
           </a:p>
           <a:p>
             <a:pPr lvl="1"/>
             <a:r>
-              <a:rPr lang="fr-FR" smtClean="0"/>
+              <a:rPr lang="fr-FR"/>
               <a:t>Deuxième niveau</a:t>
             </a:r>
           </a:p>
           <a:p>
             <a:pPr lvl="2"/>
             <a:r>
-              <a:rPr lang="fr-FR" smtClean="0"/>
+              <a:rPr lang="fr-FR"/>
               <a:t>Troisième niveau</a:t>
             </a:r>
           </a:p>
           <a:p>
             <a:pPr lvl="3"/>
             <a:r>
-              <a:rPr lang="fr-FR" smtClean="0"/>
+              <a:rPr lang="fr-FR"/>
               <a:t>Quatrième niveau</a:t>
             </a:r>
           </a:p>
           <a:p>
             <a:pPr lvl="4"/>
             <a:r>
-              <a:rPr lang="fr-FR" smtClean="0"/>
+              <a:rPr lang="fr-FR"/>
               <a:t>Cinquième niveau</a:t>
             </a:r>
-            <a:endParaRPr lang="fr-FR"/>
           </a:p>
         </p:txBody>
       </p:sp>
@@ -1236,7 +1229,7 @@
           <a:p>
             <a:fld id="{AE838A5E-F36F-4AC1-9778-6D8D7F5D5B8B}" type="datetimeFigureOut">
               <a:rPr lang="fr-FR" smtClean="0"/>
-              <a:t>16/06/2021</a:t>
+              <a:t>25/06/2021</a:t>
             </a:fld>
             <a:endParaRPr lang="fr-FR"/>
           </a:p>
@@ -1278,7 +1271,7 @@
           <a:p>
             <a:fld id="{8A2DA0C8-2C0F-40CF-8DDA-C2B273B090D3}" type="slidenum">
               <a:rPr lang="fr-FR" smtClean="0"/>
-              <a:t>‹N°›</a:t>
+              <a:t>‹#›</a:t>
             </a:fld>
             <a:endParaRPr lang="fr-FR"/>
           </a:p>
@@ -1335,10 +1328,9 @@
           <a:lstStyle/>
           <a:p>
             <a:r>
-              <a:rPr lang="fr-FR" smtClean="0"/>
+              <a:rPr lang="fr-FR"/>
               <a:t>Modifiez le style du titre</a:t>
             </a:r>
-            <a:endParaRPr lang="fr-FR"/>
           </a:p>
         </p:txBody>
       </p:sp>
@@ -1401,7 +1393,7 @@
           <a:p>
             <a:pPr lvl="0"/>
             <a:r>
-              <a:rPr lang="fr-FR" smtClean="0"/>
+              <a:rPr lang="fr-FR"/>
               <a:t>Modifier les styles du texte du masque</a:t>
             </a:r>
           </a:p>
@@ -1429,38 +1421,37 @@
           <a:p>
             <a:pPr lvl="0"/>
             <a:r>
-              <a:rPr lang="fr-FR" smtClean="0"/>
+              <a:rPr lang="fr-FR"/>
               <a:t>Modifier les styles du texte du masque</a:t>
             </a:r>
           </a:p>
           <a:p>
             <a:pPr lvl="1"/>
             <a:r>
-              <a:rPr lang="fr-FR" smtClean="0"/>
+              <a:rPr lang="fr-FR"/>
               <a:t>Deuxième niveau</a:t>
             </a:r>
           </a:p>
           <a:p>
             <a:pPr lvl="2"/>
             <a:r>
-              <a:rPr lang="fr-FR" smtClean="0"/>
+              <a:rPr lang="fr-FR"/>
               <a:t>Troisième niveau</a:t>
             </a:r>
           </a:p>
           <a:p>
             <a:pPr lvl="3"/>
             <a:r>
-              <a:rPr lang="fr-FR" smtClean="0"/>
+              <a:rPr lang="fr-FR"/>
               <a:t>Quatrième niveau</a:t>
             </a:r>
           </a:p>
           <a:p>
             <a:pPr lvl="4"/>
             <a:r>
-              <a:rPr lang="fr-FR" smtClean="0"/>
+              <a:rPr lang="fr-FR"/>
               <a:t>Cinquième niveau</a:t>
             </a:r>
-            <a:endParaRPr lang="fr-FR"/>
           </a:p>
         </p:txBody>
       </p:sp>
@@ -1523,7 +1514,7 @@
           <a:p>
             <a:pPr lvl="0"/>
             <a:r>
-              <a:rPr lang="fr-FR" smtClean="0"/>
+              <a:rPr lang="fr-FR"/>
               <a:t>Modifier les styles du texte du masque</a:t>
             </a:r>
           </a:p>
@@ -1551,38 +1542,37 @@
           <a:p>
             <a:pPr lvl="0"/>
             <a:r>
-              <a:rPr lang="fr-FR" smtClean="0"/>
+              <a:rPr lang="fr-FR"/>
               <a:t>Modifier les styles du texte du masque</a:t>
             </a:r>
           </a:p>
           <a:p>
             <a:pPr lvl="1"/>
             <a:r>
-              <a:rPr lang="fr-FR" smtClean="0"/>
+              <a:rPr lang="fr-FR"/>
               <a:t>Deuxième niveau</a:t>
             </a:r>
           </a:p>
           <a:p>
             <a:pPr lvl="2"/>
             <a:r>
-              <a:rPr lang="fr-FR" smtClean="0"/>
+              <a:rPr lang="fr-FR"/>
               <a:t>Troisième niveau</a:t>
             </a:r>
           </a:p>
           <a:p>
             <a:pPr lvl="3"/>
             <a:r>
-              <a:rPr lang="fr-FR" smtClean="0"/>
+              <a:rPr lang="fr-FR"/>
               <a:t>Quatrième niveau</a:t>
             </a:r>
           </a:p>
           <a:p>
             <a:pPr lvl="4"/>
             <a:r>
-              <a:rPr lang="fr-FR" smtClean="0"/>
+              <a:rPr lang="fr-FR"/>
               <a:t>Cinquième niveau</a:t>
             </a:r>
-            <a:endParaRPr lang="fr-FR"/>
           </a:p>
         </p:txBody>
       </p:sp>
@@ -1603,7 +1593,7 @@
           <a:p>
             <a:fld id="{AE838A5E-F36F-4AC1-9778-6D8D7F5D5B8B}" type="datetimeFigureOut">
               <a:rPr lang="fr-FR" smtClean="0"/>
-              <a:t>16/06/2021</a:t>
+              <a:t>25/06/2021</a:t>
             </a:fld>
             <a:endParaRPr lang="fr-FR"/>
           </a:p>
@@ -1645,7 +1635,7 @@
           <a:p>
             <a:fld id="{8A2DA0C8-2C0F-40CF-8DDA-C2B273B090D3}" type="slidenum">
               <a:rPr lang="fr-FR" smtClean="0"/>
-              <a:t>‹N°›</a:t>
+              <a:t>‹#›</a:t>
             </a:fld>
             <a:endParaRPr lang="fr-FR"/>
           </a:p>
@@ -1697,10 +1687,9 @@
           <a:lstStyle/>
           <a:p>
             <a:r>
-              <a:rPr lang="fr-FR" smtClean="0"/>
+              <a:rPr lang="fr-FR"/>
               <a:t>Modifiez le style du titre</a:t>
             </a:r>
-            <a:endParaRPr lang="fr-FR"/>
           </a:p>
         </p:txBody>
       </p:sp>
@@ -1721,7 +1710,7 @@
           <a:p>
             <a:fld id="{AE838A5E-F36F-4AC1-9778-6D8D7F5D5B8B}" type="datetimeFigureOut">
               <a:rPr lang="fr-FR" smtClean="0"/>
-              <a:t>16/06/2021</a:t>
+              <a:t>25/06/2021</a:t>
             </a:fld>
             <a:endParaRPr lang="fr-FR"/>
           </a:p>
@@ -1763,7 +1752,7 @@
           <a:p>
             <a:fld id="{8A2DA0C8-2C0F-40CF-8DDA-C2B273B090D3}" type="slidenum">
               <a:rPr lang="fr-FR" smtClean="0"/>
-              <a:t>‹N°›</a:t>
+              <a:t>‹#›</a:t>
             </a:fld>
             <a:endParaRPr lang="fr-FR"/>
           </a:p>
@@ -1816,7 +1805,7 @@
           <a:p>
             <a:fld id="{AE838A5E-F36F-4AC1-9778-6D8D7F5D5B8B}" type="datetimeFigureOut">
               <a:rPr lang="fr-FR" smtClean="0"/>
-              <a:t>16/06/2021</a:t>
+              <a:t>25/06/2021</a:t>
             </a:fld>
             <a:endParaRPr lang="fr-FR"/>
           </a:p>
@@ -1858,7 +1847,7 @@
           <a:p>
             <a:fld id="{8A2DA0C8-2C0F-40CF-8DDA-C2B273B090D3}" type="slidenum">
               <a:rPr lang="fr-FR" smtClean="0"/>
-              <a:t>‹N°›</a:t>
+              <a:t>‹#›</a:t>
             </a:fld>
             <a:endParaRPr lang="fr-FR"/>
           </a:p>
@@ -1919,10 +1908,9 @@
           </a:lstStyle>
           <a:p>
             <a:r>
-              <a:rPr lang="fr-FR" smtClean="0"/>
+              <a:rPr lang="fr-FR"/>
               <a:t>Modifiez le style du titre</a:t>
             </a:r>
-            <a:endParaRPr lang="fr-FR"/>
           </a:p>
         </p:txBody>
       </p:sp>
@@ -1976,38 +1964,37 @@
           <a:p>
             <a:pPr lvl="0"/>
             <a:r>
-              <a:rPr lang="fr-FR" smtClean="0"/>
+              <a:rPr lang="fr-FR"/>
               <a:t>Modifier les styles du texte du masque</a:t>
             </a:r>
           </a:p>
           <a:p>
             <a:pPr lvl="1"/>
             <a:r>
-              <a:rPr lang="fr-FR" smtClean="0"/>
+              <a:rPr lang="fr-FR"/>
               <a:t>Deuxième niveau</a:t>
             </a:r>
           </a:p>
           <a:p>
             <a:pPr lvl="2"/>
             <a:r>
-              <a:rPr lang="fr-FR" smtClean="0"/>
+              <a:rPr lang="fr-FR"/>
               <a:t>Troisième niveau</a:t>
             </a:r>
           </a:p>
           <a:p>
             <a:pPr lvl="3"/>
             <a:r>
-              <a:rPr lang="fr-FR" smtClean="0"/>
+              <a:rPr lang="fr-FR"/>
               <a:t>Quatrième niveau</a:t>
             </a:r>
           </a:p>
           <a:p>
             <a:pPr lvl="4"/>
             <a:r>
-              <a:rPr lang="fr-FR" smtClean="0"/>
+              <a:rPr lang="fr-FR"/>
               <a:t>Cinquième niveau</a:t>
             </a:r>
-            <a:endParaRPr lang="fr-FR"/>
           </a:p>
         </p:txBody>
       </p:sp>
@@ -2070,7 +2057,7 @@
           <a:p>
             <a:pPr lvl="0"/>
             <a:r>
-              <a:rPr lang="fr-FR" smtClean="0"/>
+              <a:rPr lang="fr-FR"/>
               <a:t>Modifier les styles du texte du masque</a:t>
             </a:r>
           </a:p>
@@ -2093,7 +2080,7 @@
           <a:p>
             <a:fld id="{AE838A5E-F36F-4AC1-9778-6D8D7F5D5B8B}" type="datetimeFigureOut">
               <a:rPr lang="fr-FR" smtClean="0"/>
-              <a:t>16/06/2021</a:t>
+              <a:t>25/06/2021</a:t>
             </a:fld>
             <a:endParaRPr lang="fr-FR"/>
           </a:p>
@@ -2135,7 +2122,7 @@
           <a:p>
             <a:fld id="{8A2DA0C8-2C0F-40CF-8DDA-C2B273B090D3}" type="slidenum">
               <a:rPr lang="fr-FR" smtClean="0"/>
-              <a:t>‹N°›</a:t>
+              <a:t>‹#›</a:t>
             </a:fld>
             <a:endParaRPr lang="fr-FR"/>
           </a:p>
@@ -2196,10 +2183,9 @@
           </a:lstStyle>
           <a:p>
             <a:r>
-              <a:rPr lang="fr-FR" smtClean="0"/>
+              <a:rPr lang="fr-FR"/>
               <a:t>Modifiez le style du titre</a:t>
             </a:r>
-            <a:endParaRPr lang="fr-FR"/>
           </a:p>
         </p:txBody>
       </p:sp>
@@ -2323,7 +2309,7 @@
           <a:p>
             <a:pPr lvl="0"/>
             <a:r>
-              <a:rPr lang="fr-FR" smtClean="0"/>
+              <a:rPr lang="fr-FR"/>
               <a:t>Modifier les styles du texte du masque</a:t>
             </a:r>
           </a:p>
@@ -2346,7 +2332,7 @@
           <a:p>
             <a:fld id="{AE838A5E-F36F-4AC1-9778-6D8D7F5D5B8B}" type="datetimeFigureOut">
               <a:rPr lang="fr-FR" smtClean="0"/>
-              <a:t>16/06/2021</a:t>
+              <a:t>25/06/2021</a:t>
             </a:fld>
             <a:endParaRPr lang="fr-FR"/>
           </a:p>
@@ -2388,7 +2374,7 @@
           <a:p>
             <a:fld id="{8A2DA0C8-2C0F-40CF-8DDA-C2B273B090D3}" type="slidenum">
               <a:rPr lang="fr-FR" smtClean="0"/>
-              <a:t>‹N°›</a:t>
+              <a:t>‹#›</a:t>
             </a:fld>
             <a:endParaRPr lang="fr-FR"/>
           </a:p>
@@ -2455,10 +2441,9 @@
           <a:lstStyle/>
           <a:p>
             <a:r>
-              <a:rPr lang="fr-FR" smtClean="0"/>
+              <a:rPr lang="fr-FR"/>
               <a:t>Modifiez le style du titre</a:t>
             </a:r>
-            <a:endParaRPr lang="fr-FR"/>
           </a:p>
         </p:txBody>
       </p:sp>
@@ -2489,38 +2474,37 @@
           <a:p>
             <a:pPr lvl="0"/>
             <a:r>
-              <a:rPr lang="fr-FR" smtClean="0"/>
+              <a:rPr lang="fr-FR"/>
               <a:t>Modifier les styles du texte du masque</a:t>
             </a:r>
           </a:p>
           <a:p>
             <a:pPr lvl="1"/>
             <a:r>
-              <a:rPr lang="fr-FR" smtClean="0"/>
+              <a:rPr lang="fr-FR"/>
               <a:t>Deuxième niveau</a:t>
             </a:r>
           </a:p>
           <a:p>
             <a:pPr lvl="2"/>
             <a:r>
-              <a:rPr lang="fr-FR" smtClean="0"/>
+              <a:rPr lang="fr-FR"/>
               <a:t>Troisième niveau</a:t>
             </a:r>
           </a:p>
           <a:p>
             <a:pPr lvl="3"/>
             <a:r>
-              <a:rPr lang="fr-FR" smtClean="0"/>
+              <a:rPr lang="fr-FR"/>
               <a:t>Quatrième niveau</a:t>
             </a:r>
           </a:p>
           <a:p>
             <a:pPr lvl="4"/>
             <a:r>
-              <a:rPr lang="fr-FR" smtClean="0"/>
+              <a:rPr lang="fr-FR"/>
               <a:t>Cinquième niveau</a:t>
             </a:r>
-            <a:endParaRPr lang="fr-FR"/>
           </a:p>
         </p:txBody>
       </p:sp>
@@ -2559,7 +2543,7 @@
           <a:p>
             <a:fld id="{AE838A5E-F36F-4AC1-9778-6D8D7F5D5B8B}" type="datetimeFigureOut">
               <a:rPr lang="fr-FR" smtClean="0"/>
-              <a:t>16/06/2021</a:t>
+              <a:t>25/06/2021</a:t>
             </a:fld>
             <a:endParaRPr lang="fr-FR"/>
           </a:p>
@@ -2637,7 +2621,7 @@
           <a:p>
             <a:fld id="{8A2DA0C8-2C0F-40CF-8DDA-C2B273B090D3}" type="slidenum">
               <a:rPr lang="fr-FR" smtClean="0"/>
-              <a:t>‹N°›</a:t>
+              <a:t>‹#›</a:t>
             </a:fld>
             <a:endParaRPr lang="fr-FR"/>
           </a:p>
@@ -2972,7 +2956,7 @@
         </p:nvSpPr>
         <p:spPr>
           <a:xfrm>
-            <a:off x="3359021" y="550506"/>
+            <a:off x="937368" y="640941"/>
             <a:ext cx="363894" cy="989045"/>
           </a:xfrm>
           <a:prstGeom prst="rect">
@@ -3006,7 +2990,7 @@
           <a:p>
             <a:pPr algn="ctr"/>
             <a:r>
-              <a:rPr lang="fr-FR" sz="2400" b="1" dirty="0" smtClean="0">
+              <a:rPr lang="fr-FR" sz="2400" b="1" dirty="0">
                 <a:solidFill>
                   <a:schemeClr val="bg2">
                     <a:lumMod val="75000"/>
@@ -3015,13 +2999,6 @@
               </a:rPr>
               <a:t>Day 1</a:t>
             </a:r>
-            <a:endParaRPr lang="fr-FR" sz="2400" b="1" dirty="0">
-              <a:solidFill>
-                <a:schemeClr val="bg2">
-                  <a:lumMod val="75000"/>
-                </a:schemeClr>
-              </a:solidFill>
-            </a:endParaRPr>
           </a:p>
         </p:txBody>
       </p:sp>
@@ -3033,7 +3010,7 @@
         </p:nvSpPr>
         <p:spPr>
           <a:xfrm>
-            <a:off x="3359021" y="1607976"/>
+            <a:off x="937368" y="1698411"/>
             <a:ext cx="363894" cy="989045"/>
           </a:xfrm>
           <a:prstGeom prst="rect">
@@ -3067,7 +3044,7 @@
           <a:p>
             <a:pPr algn="ctr"/>
             <a:r>
-              <a:rPr lang="fr-FR" sz="2400" b="1" dirty="0" smtClean="0">
+              <a:rPr lang="fr-FR" sz="2400" b="1" dirty="0">
                 <a:solidFill>
                   <a:schemeClr val="bg2">
                     <a:lumMod val="75000"/>
@@ -3076,13 +3053,6 @@
               </a:rPr>
               <a:t>Day 2</a:t>
             </a:r>
-            <a:endParaRPr lang="fr-FR" sz="2400" b="1" dirty="0">
-              <a:solidFill>
-                <a:schemeClr val="bg2">
-                  <a:lumMod val="75000"/>
-                </a:schemeClr>
-              </a:solidFill>
-            </a:endParaRPr>
           </a:p>
         </p:txBody>
       </p:sp>
@@ -3094,7 +3064,7 @@
         </p:nvSpPr>
         <p:spPr>
           <a:xfrm>
-            <a:off x="3359021" y="2665446"/>
+            <a:off x="937368" y="2755881"/>
             <a:ext cx="363894" cy="989045"/>
           </a:xfrm>
           <a:prstGeom prst="rect">
@@ -3129,16 +3099,6 @@
           <a:p>
             <a:pPr algn="ctr"/>
             <a:r>
-              <a:rPr lang="fr-FR" sz="2400" b="1" dirty="0" smtClean="0">
-                <a:solidFill>
-                  <a:schemeClr val="bg2">
-                    <a:lumMod val="75000"/>
-                  </a:schemeClr>
-                </a:solidFill>
-              </a:rPr>
-              <a:t>Day </a:t>
-            </a:r>
-            <a:r>
               <a:rPr lang="fr-FR" sz="2400" b="1" dirty="0">
                 <a:solidFill>
                   <a:schemeClr val="bg2">
@@ -3146,15 +3106,8 @@
                   </a:schemeClr>
                 </a:solidFill>
               </a:rPr>
-              <a:t> 3</a:t>
-            </a:r>
-            <a:endParaRPr lang="fr-FR" sz="2400" b="1" dirty="0" smtClean="0">
-              <a:solidFill>
-                <a:schemeClr val="bg2">
-                  <a:lumMod val="75000"/>
-                </a:schemeClr>
-              </a:solidFill>
-            </a:endParaRPr>
+              <a:t>Day  3</a:t>
+            </a:r>
           </a:p>
         </p:txBody>
       </p:sp>
@@ -3166,7 +3119,7 @@
         </p:nvSpPr>
         <p:spPr>
           <a:xfrm>
-            <a:off x="3359021" y="3722916"/>
+            <a:off x="937368" y="3813351"/>
             <a:ext cx="363894" cy="989045"/>
           </a:xfrm>
           <a:prstGeom prst="rect">
@@ -3201,7 +3154,7 @@
           <a:p>
             <a:pPr algn="ctr"/>
             <a:r>
-              <a:rPr lang="fr-FR" sz="2400" b="1" dirty="0" smtClean="0">
+              <a:rPr lang="fr-FR" sz="2400" b="1" dirty="0">
                 <a:solidFill>
                   <a:schemeClr val="bg2">
                     <a:lumMod val="75000"/>
@@ -3210,13 +3163,6 @@
               </a:rPr>
               <a:t>Day 4</a:t>
             </a:r>
-            <a:endParaRPr lang="fr-FR" sz="2400" b="1" dirty="0">
-              <a:solidFill>
-                <a:schemeClr val="bg2">
-                  <a:lumMod val="75000"/>
-                </a:schemeClr>
-              </a:solidFill>
-            </a:endParaRPr>
           </a:p>
         </p:txBody>
       </p:sp>
@@ -3228,7 +3174,7 @@
         </p:nvSpPr>
         <p:spPr>
           <a:xfrm>
-            <a:off x="3359021" y="4780386"/>
+            <a:off x="937368" y="4870821"/>
             <a:ext cx="363894" cy="989045"/>
           </a:xfrm>
           <a:prstGeom prst="rect">
@@ -3263,7 +3209,7 @@
           <a:p>
             <a:pPr algn="ctr"/>
             <a:r>
-              <a:rPr lang="fr-FR" sz="2400" b="1" dirty="0" smtClean="0">
+              <a:rPr lang="fr-FR" sz="2400" b="1" dirty="0">
                 <a:solidFill>
                   <a:schemeClr val="bg2">
                     <a:lumMod val="75000"/>
@@ -3272,31 +3218,240 @@
               </a:rPr>
               <a:t>Day 5</a:t>
             </a:r>
-            <a:endParaRPr lang="fr-FR" sz="2400" b="1" dirty="0">
-              <a:solidFill>
-                <a:schemeClr val="bg2">
-                  <a:lumMod val="75000"/>
-                </a:schemeClr>
-              </a:solidFill>
-            </a:endParaRPr>
-          </a:p>
-        </p:txBody>
-      </p:sp>
-      <p:sp>
-        <p:nvSpPr>
-          <p:cNvPr id="9" name="ZoneTexte 8"/>
+          </a:p>
+        </p:txBody>
+      </p:sp>
+      <p:cxnSp>
+        <p:nvCxnSpPr>
+          <p:cNvPr id="3" name="Straight Connector 2">
+            <a:extLst>
+              <a:ext uri="{FF2B5EF4-FFF2-40B4-BE49-F238E27FC236}">
+                <a16:creationId xmlns:a16="http://schemas.microsoft.com/office/drawing/2014/main" id="{444DAE20-E280-2A4B-95F5-3B569FAAFCF0}"/>
+              </a:ext>
+            </a:extLst>
+          </p:cNvPr>
+          <p:cNvCxnSpPr>
+            <a:cxnSpLocks/>
+          </p:cNvCxnSpPr>
+          <p:nvPr/>
+        </p:nvCxnSpPr>
+        <p:spPr>
+          <a:xfrm>
+            <a:off x="1386672" y="1145512"/>
+            <a:ext cx="7355394" cy="0"/>
+          </a:xfrm>
+          <a:prstGeom prst="line">
+            <a:avLst/>
+          </a:prstGeom>
+          <a:ln>
+            <a:prstDash val="dash"/>
+          </a:ln>
+        </p:spPr>
+        <p:style>
+          <a:lnRef idx="1">
+            <a:schemeClr val="dk1"/>
+          </a:lnRef>
+          <a:fillRef idx="0">
+            <a:schemeClr val="dk1"/>
+          </a:fillRef>
+          <a:effectRef idx="0">
+            <a:schemeClr val="dk1"/>
+          </a:effectRef>
+          <a:fontRef idx="minor">
+            <a:schemeClr val="tx1"/>
+          </a:fontRef>
+        </p:style>
+      </p:cxnSp>
+      <p:cxnSp>
+        <p:nvCxnSpPr>
+          <p:cNvPr id="14" name="Straight Connector 13">
+            <a:extLst>
+              <a:ext uri="{FF2B5EF4-FFF2-40B4-BE49-F238E27FC236}">
+                <a16:creationId xmlns:a16="http://schemas.microsoft.com/office/drawing/2014/main" id="{242F37F8-D132-F54B-B5BC-E60A1662E04B}"/>
+              </a:ext>
+            </a:extLst>
+          </p:cNvPr>
+          <p:cNvCxnSpPr>
+            <a:cxnSpLocks/>
+          </p:cNvCxnSpPr>
+          <p:nvPr/>
+        </p:nvCxnSpPr>
+        <p:spPr>
+          <a:xfrm>
+            <a:off x="1386672" y="2162070"/>
+            <a:ext cx="7395587" cy="0"/>
+          </a:xfrm>
+          <a:prstGeom prst="line">
+            <a:avLst/>
+          </a:prstGeom>
+          <a:ln>
+            <a:prstDash val="dash"/>
+          </a:ln>
+        </p:spPr>
+        <p:style>
+          <a:lnRef idx="1">
+            <a:schemeClr val="dk1"/>
+          </a:lnRef>
+          <a:fillRef idx="0">
+            <a:schemeClr val="dk1"/>
+          </a:fillRef>
+          <a:effectRef idx="0">
+            <a:schemeClr val="dk1"/>
+          </a:effectRef>
+          <a:fontRef idx="minor">
+            <a:schemeClr val="tx1"/>
+          </a:fontRef>
+        </p:style>
+      </p:cxnSp>
+      <p:cxnSp>
+        <p:nvCxnSpPr>
+          <p:cNvPr id="15" name="Straight Connector 14">
+            <a:extLst>
+              <a:ext uri="{FF2B5EF4-FFF2-40B4-BE49-F238E27FC236}">
+                <a16:creationId xmlns:a16="http://schemas.microsoft.com/office/drawing/2014/main" id="{7D279375-A8EE-5245-8211-FC5FC2924CCF}"/>
+              </a:ext>
+            </a:extLst>
+          </p:cNvPr>
+          <p:cNvCxnSpPr>
+            <a:cxnSpLocks/>
+          </p:cNvCxnSpPr>
+          <p:nvPr/>
+        </p:nvCxnSpPr>
+        <p:spPr>
+          <a:xfrm>
+            <a:off x="1386672" y="3238919"/>
+            <a:ext cx="7405636" cy="0"/>
+          </a:xfrm>
+          <a:prstGeom prst="line">
+            <a:avLst/>
+          </a:prstGeom>
+          <a:ln>
+            <a:prstDash val="dash"/>
+          </a:ln>
+        </p:spPr>
+        <p:style>
+          <a:lnRef idx="1">
+            <a:schemeClr val="dk1"/>
+          </a:lnRef>
+          <a:fillRef idx="0">
+            <a:schemeClr val="dk1"/>
+          </a:fillRef>
+          <a:effectRef idx="0">
+            <a:schemeClr val="dk1"/>
+          </a:effectRef>
+          <a:fontRef idx="minor">
+            <a:schemeClr val="tx1"/>
+          </a:fontRef>
+        </p:style>
+      </p:cxnSp>
+      <p:cxnSp>
+        <p:nvCxnSpPr>
+          <p:cNvPr id="16" name="Straight Connector 15">
+            <a:extLst>
+              <a:ext uri="{FF2B5EF4-FFF2-40B4-BE49-F238E27FC236}">
+                <a16:creationId xmlns:a16="http://schemas.microsoft.com/office/drawing/2014/main" id="{9225E387-39E7-DD40-A338-BB1B6DA94079}"/>
+              </a:ext>
+            </a:extLst>
+          </p:cNvPr>
+          <p:cNvCxnSpPr>
+            <a:cxnSpLocks/>
+          </p:cNvCxnSpPr>
+          <p:nvPr/>
+        </p:nvCxnSpPr>
+        <p:spPr>
+          <a:xfrm>
+            <a:off x="1386672" y="4325815"/>
+            <a:ext cx="7405636" cy="0"/>
+          </a:xfrm>
+          <a:prstGeom prst="line">
+            <a:avLst/>
+          </a:prstGeom>
+          <a:ln>
+            <a:prstDash val="dash"/>
+          </a:ln>
+        </p:spPr>
+        <p:style>
+          <a:lnRef idx="1">
+            <a:schemeClr val="dk1"/>
+          </a:lnRef>
+          <a:fillRef idx="0">
+            <a:schemeClr val="dk1"/>
+          </a:fillRef>
+          <a:effectRef idx="0">
+            <a:schemeClr val="dk1"/>
+          </a:effectRef>
+          <a:fontRef idx="minor">
+            <a:schemeClr val="tx1"/>
+          </a:fontRef>
+        </p:style>
+      </p:cxnSp>
+      <p:cxnSp>
+        <p:nvCxnSpPr>
+          <p:cNvPr id="17" name="Straight Connector 16">
+            <a:extLst>
+              <a:ext uri="{FF2B5EF4-FFF2-40B4-BE49-F238E27FC236}">
+                <a16:creationId xmlns:a16="http://schemas.microsoft.com/office/drawing/2014/main" id="{77CA69F7-460B-9D46-95C6-7E6482DB7A07}"/>
+              </a:ext>
+            </a:extLst>
+          </p:cNvPr>
+          <p:cNvCxnSpPr>
+            <a:cxnSpLocks/>
+          </p:cNvCxnSpPr>
+          <p:nvPr/>
+        </p:nvCxnSpPr>
+        <p:spPr>
+          <a:xfrm>
+            <a:off x="1386672" y="5352421"/>
+            <a:ext cx="7385539" cy="0"/>
+          </a:xfrm>
+          <a:prstGeom prst="line">
+            <a:avLst/>
+          </a:prstGeom>
+          <a:ln>
+            <a:prstDash val="dash"/>
+          </a:ln>
+        </p:spPr>
+        <p:style>
+          <a:lnRef idx="1">
+            <a:schemeClr val="dk1"/>
+          </a:lnRef>
+          <a:fillRef idx="0">
+            <a:schemeClr val="dk1"/>
+          </a:fillRef>
+          <a:effectRef idx="0">
+            <a:schemeClr val="dk1"/>
+          </a:effectRef>
+          <a:fontRef idx="minor">
+            <a:schemeClr val="tx1"/>
+          </a:fontRef>
+        </p:style>
+      </p:cxnSp>
+      <p:sp>
+        <p:nvSpPr>
+          <p:cNvPr id="18" name="TextBox 17">
+            <a:extLst>
+              <a:ext uri="{FF2B5EF4-FFF2-40B4-BE49-F238E27FC236}">
+                <a16:creationId xmlns:a16="http://schemas.microsoft.com/office/drawing/2014/main" id="{65F44907-F2D5-A846-8857-21AE0A1EC118}"/>
+              </a:ext>
+            </a:extLst>
+          </p:cNvPr>
           <p:cNvSpPr txBox="1"/>
           <p:nvPr/>
         </p:nvSpPr>
         <p:spPr>
           <a:xfrm>
-            <a:off x="3918857" y="671804"/>
-            <a:ext cx="961053" cy="646331"/>
+            <a:off x="1380421" y="602720"/>
+            <a:ext cx="7391790" cy="276999"/>
           </a:xfrm>
           <a:prstGeom prst="rect">
             <a:avLst/>
           </a:prstGeom>
           <a:noFill/>
+          <a:ln>
+            <a:solidFill>
+              <a:schemeClr val="tx1"/>
+            </a:solidFill>
+          </a:ln>
         </p:spPr>
         <p:txBody>
           <a:bodyPr wrap="square" rtlCol="0">
@@ -3304,30 +3459,33 @@
           </a:bodyPr>
           <a:lstStyle/>
           <a:p>
-            <a:r>
-              <a:rPr lang="fr-FR" dirty="0" smtClean="0"/>
-              <a:t>BLA</a:t>
-            </a:r>
-          </a:p>
-          <a:p>
-            <a:r>
-              <a:rPr lang="fr-FR" dirty="0" smtClean="0"/>
-              <a:t>BLA</a:t>
-            </a:r>
-            <a:endParaRPr lang="fr-FR" dirty="0"/>
-          </a:p>
-        </p:txBody>
-      </p:sp>
-      <p:sp>
-        <p:nvSpPr>
-          <p:cNvPr id="10" name="ZoneTexte 9"/>
+            <a:pPr algn="ctr"/>
+            <a:r>
+              <a:rPr lang="en-US" sz="1200" dirty="0">
+                <a:latin typeface="Arial" panose="020B0604020202020204" pitchFamily="34" charset="0"/>
+                <a:cs typeface="Arial" panose="020B0604020202020204" pitchFamily="34" charset="0"/>
+              </a:rPr>
+              <a:t>General Introduction</a:t>
+            </a:r>
+          </a:p>
+        </p:txBody>
+      </p:sp>
+      <p:sp>
+        <p:nvSpPr>
+          <p:cNvPr id="19" name="TextBox 18">
+            <a:extLst>
+              <a:ext uri="{FF2B5EF4-FFF2-40B4-BE49-F238E27FC236}">
+                <a16:creationId xmlns:a16="http://schemas.microsoft.com/office/drawing/2014/main" id="{77547958-DC19-AA4A-B272-0F43CA5124A1}"/>
+              </a:ext>
+            </a:extLst>
+          </p:cNvPr>
           <p:cNvSpPr txBox="1"/>
           <p:nvPr/>
         </p:nvSpPr>
         <p:spPr>
           <a:xfrm>
-            <a:off x="3918857" y="1698171"/>
-            <a:ext cx="961053" cy="646331"/>
+            <a:off x="1386672" y="864091"/>
+            <a:ext cx="1010213" cy="276999"/>
           </a:xfrm>
           <a:prstGeom prst="rect">
             <a:avLst/>
@@ -3335,35 +3493,37 @@
           <a:noFill/>
         </p:spPr>
         <p:txBody>
-          <a:bodyPr wrap="square" rtlCol="0">
+          <a:bodyPr wrap="none" rtlCol="0">
             <a:spAutoFit/>
           </a:bodyPr>
           <a:lstStyle/>
           <a:p>
             <a:r>
-              <a:rPr lang="fr-FR" dirty="0" smtClean="0"/>
-              <a:t>BLA</a:t>
-            </a:r>
-          </a:p>
-          <a:p>
-            <a:r>
-              <a:rPr lang="fr-FR" dirty="0" smtClean="0"/>
-              <a:t>BLA</a:t>
-            </a:r>
-            <a:endParaRPr lang="fr-FR" dirty="0"/>
-          </a:p>
-        </p:txBody>
-      </p:sp>
-      <p:sp>
-        <p:nvSpPr>
-          <p:cNvPr id="11" name="ZoneTexte 10"/>
+              <a:rPr lang="en-US" sz="1200" dirty="0">
+                <a:latin typeface="Arial" panose="020B0604020202020204" pitchFamily="34" charset="0"/>
+                <a:cs typeface="Arial" panose="020B0604020202020204" pitchFamily="34" charset="0"/>
+              </a:rPr>
+              <a:t>Pre-clearing</a:t>
+            </a:r>
+          </a:p>
+        </p:txBody>
+      </p:sp>
+      <p:sp>
+        <p:nvSpPr>
+          <p:cNvPr id="20" name="TextBox 19">
+            <a:extLst>
+              <a:ext uri="{FF2B5EF4-FFF2-40B4-BE49-F238E27FC236}">
+                <a16:creationId xmlns:a16="http://schemas.microsoft.com/office/drawing/2014/main" id="{9DF25631-25A4-8A4A-B2E4-01DD9A16D106}"/>
+              </a:ext>
+            </a:extLst>
+          </p:cNvPr>
           <p:cNvSpPr txBox="1"/>
           <p:nvPr/>
         </p:nvSpPr>
         <p:spPr>
           <a:xfrm>
-            <a:off x="3918857" y="2665446"/>
-            <a:ext cx="961053" cy="646331"/>
+            <a:off x="1386672" y="1179364"/>
+            <a:ext cx="1088311" cy="276999"/>
           </a:xfrm>
           <a:prstGeom prst="rect">
             <a:avLst/>
@@ -3371,35 +3531,37 @@
           <a:noFill/>
         </p:spPr>
         <p:txBody>
-          <a:bodyPr wrap="square" rtlCol="0">
+          <a:bodyPr wrap="none" rtlCol="0">
             <a:spAutoFit/>
           </a:bodyPr>
           <a:lstStyle/>
           <a:p>
             <a:r>
-              <a:rPr lang="fr-FR" dirty="0" smtClean="0"/>
-              <a:t>BLA</a:t>
-            </a:r>
-          </a:p>
-          <a:p>
-            <a:r>
-              <a:rPr lang="fr-FR" dirty="0" smtClean="0"/>
-              <a:t>BLA</a:t>
-            </a:r>
-            <a:endParaRPr lang="fr-FR" dirty="0"/>
-          </a:p>
-        </p:txBody>
-      </p:sp>
-      <p:sp>
-        <p:nvSpPr>
-          <p:cNvPr id="12" name="ZoneTexte 11"/>
+              <a:rPr lang="en-US" sz="1200" dirty="0">
+                <a:latin typeface="Arial" panose="020B0604020202020204" pitchFamily="34" charset="0"/>
+                <a:cs typeface="Arial" panose="020B0604020202020204" pitchFamily="34" charset="0"/>
+              </a:rPr>
+              <a:t>Add Antibody</a:t>
+            </a:r>
+          </a:p>
+        </p:txBody>
+      </p:sp>
+      <p:sp>
+        <p:nvSpPr>
+          <p:cNvPr id="21" name="TextBox 20">
+            <a:extLst>
+              <a:ext uri="{FF2B5EF4-FFF2-40B4-BE49-F238E27FC236}">
+                <a16:creationId xmlns:a16="http://schemas.microsoft.com/office/drawing/2014/main" id="{3407A6C5-19FD-8847-915C-9455A94D2499}"/>
+              </a:ext>
+            </a:extLst>
+          </p:cNvPr>
           <p:cNvSpPr txBox="1"/>
           <p:nvPr/>
         </p:nvSpPr>
         <p:spPr>
           <a:xfrm>
-            <a:off x="3918857" y="3700554"/>
-            <a:ext cx="961053" cy="646331"/>
+            <a:off x="1386672" y="1657498"/>
+            <a:ext cx="917239" cy="276999"/>
           </a:xfrm>
           <a:prstGeom prst="rect">
             <a:avLst/>
@@ -3407,35 +3569,37 @@
           <a:noFill/>
         </p:spPr>
         <p:txBody>
-          <a:bodyPr wrap="square" rtlCol="0">
+          <a:bodyPr wrap="none" rtlCol="0">
             <a:spAutoFit/>
           </a:bodyPr>
           <a:lstStyle/>
           <a:p>
             <a:r>
-              <a:rPr lang="fr-FR" dirty="0" smtClean="0"/>
-              <a:t>BLA</a:t>
-            </a:r>
-          </a:p>
-          <a:p>
-            <a:r>
-              <a:rPr lang="fr-FR" dirty="0" smtClean="0"/>
-              <a:t>BLA</a:t>
-            </a:r>
-            <a:endParaRPr lang="fr-FR" dirty="0"/>
-          </a:p>
-        </p:txBody>
-      </p:sp>
-      <p:sp>
-        <p:nvSpPr>
-          <p:cNvPr id="13" name="ZoneTexte 12"/>
+              <a:rPr lang="en-US" sz="1200" dirty="0">
+                <a:latin typeface="Arial" panose="020B0604020202020204" pitchFamily="34" charset="0"/>
+                <a:cs typeface="Arial" panose="020B0604020202020204" pitchFamily="34" charset="0"/>
+              </a:rPr>
+              <a:t>Add beads</a:t>
+            </a:r>
+          </a:p>
+        </p:txBody>
+      </p:sp>
+      <p:sp>
+        <p:nvSpPr>
+          <p:cNvPr id="22" name="TextBox 21">
+            <a:extLst>
+              <a:ext uri="{FF2B5EF4-FFF2-40B4-BE49-F238E27FC236}">
+                <a16:creationId xmlns:a16="http://schemas.microsoft.com/office/drawing/2014/main" id="{2BE645F2-367F-A74F-ACDB-2EC112DBC10D}"/>
+              </a:ext>
+            </a:extLst>
+          </p:cNvPr>
           <p:cNvSpPr txBox="1"/>
           <p:nvPr/>
         </p:nvSpPr>
         <p:spPr>
           <a:xfrm>
-            <a:off x="3918857" y="4780386"/>
-            <a:ext cx="961053" cy="646331"/>
+            <a:off x="1386672" y="2104173"/>
+            <a:ext cx="733599" cy="276999"/>
           </a:xfrm>
           <a:prstGeom prst="rect">
             <a:avLst/>
@@ -3443,22 +3607,875 @@
           <a:noFill/>
         </p:spPr>
         <p:txBody>
-          <a:bodyPr wrap="square" rtlCol="0">
+          <a:bodyPr wrap="none" rtlCol="0">
             <a:spAutoFit/>
           </a:bodyPr>
           <a:lstStyle/>
           <a:p>
             <a:r>
-              <a:rPr lang="fr-FR" dirty="0" smtClean="0"/>
-              <a:t>BLA</a:t>
-            </a:r>
-          </a:p>
-          <a:p>
-            <a:r>
-              <a:rPr lang="fr-FR" dirty="0" smtClean="0"/>
-              <a:t>BLA</a:t>
-            </a:r>
-            <a:endParaRPr lang="fr-FR" dirty="0"/>
+              <a:rPr lang="en-US" sz="1200" dirty="0">
+                <a:latin typeface="Arial" panose="020B0604020202020204" pitchFamily="34" charset="0"/>
+                <a:cs typeface="Arial" panose="020B0604020202020204" pitchFamily="34" charset="0"/>
+              </a:rPr>
+              <a:t>Washes</a:t>
+            </a:r>
+          </a:p>
+        </p:txBody>
+      </p:sp>
+      <p:sp>
+        <p:nvSpPr>
+          <p:cNvPr id="23" name="TextBox 22">
+            <a:extLst>
+              <a:ext uri="{FF2B5EF4-FFF2-40B4-BE49-F238E27FC236}">
+                <a16:creationId xmlns:a16="http://schemas.microsoft.com/office/drawing/2014/main" id="{9CF543D1-9093-494E-A6DD-257AD6C6F8E7}"/>
+              </a:ext>
+            </a:extLst>
+          </p:cNvPr>
+          <p:cNvSpPr txBox="1"/>
+          <p:nvPr/>
+        </p:nvSpPr>
+        <p:spPr>
+          <a:xfrm>
+            <a:off x="1967472" y="2501"/>
+            <a:ext cx="583814" cy="307777"/>
+          </a:xfrm>
+          <a:prstGeom prst="rect">
+            <a:avLst/>
+          </a:prstGeom>
+          <a:noFill/>
+        </p:spPr>
+        <p:txBody>
+          <a:bodyPr wrap="none" rtlCol="0">
+            <a:spAutoFit/>
+          </a:bodyPr>
+          <a:lstStyle/>
+          <a:p>
+            <a:r>
+              <a:rPr lang="en-US" sz="1400" dirty="0" err="1">
+                <a:latin typeface="Arial" panose="020B0604020202020204" pitchFamily="34" charset="0"/>
+                <a:cs typeface="Arial" panose="020B0604020202020204" pitchFamily="34" charset="0"/>
+              </a:rPr>
+              <a:t>ChIP</a:t>
+            </a:r>
+            <a:endParaRPr lang="en-US" sz="1400" dirty="0">
+              <a:latin typeface="Arial" panose="020B0604020202020204" pitchFamily="34" charset="0"/>
+              <a:cs typeface="Arial" panose="020B0604020202020204" pitchFamily="34" charset="0"/>
+            </a:endParaRPr>
+          </a:p>
+        </p:txBody>
+      </p:sp>
+      <p:sp>
+        <p:nvSpPr>
+          <p:cNvPr id="24" name="TextBox 23">
+            <a:extLst>
+              <a:ext uri="{FF2B5EF4-FFF2-40B4-BE49-F238E27FC236}">
+                <a16:creationId xmlns:a16="http://schemas.microsoft.com/office/drawing/2014/main" id="{61DAEAED-EE2D-FD41-8B83-C0CF09452E36}"/>
+              </a:ext>
+            </a:extLst>
+          </p:cNvPr>
+          <p:cNvSpPr txBox="1"/>
+          <p:nvPr/>
+        </p:nvSpPr>
+        <p:spPr>
+          <a:xfrm>
+            <a:off x="3479613" y="0"/>
+            <a:ext cx="1109599" cy="523220"/>
+          </a:xfrm>
+          <a:prstGeom prst="rect">
+            <a:avLst/>
+          </a:prstGeom>
+          <a:noFill/>
+        </p:spPr>
+        <p:txBody>
+          <a:bodyPr wrap="none" rtlCol="0">
+            <a:spAutoFit/>
+          </a:bodyPr>
+          <a:lstStyle/>
+          <a:p>
+            <a:r>
+              <a:rPr lang="en-US" sz="1400" dirty="0">
+                <a:latin typeface="Arial" panose="020B0604020202020204" pitchFamily="34" charset="0"/>
+                <a:cs typeface="Arial" panose="020B0604020202020204" pitchFamily="34" charset="0"/>
+              </a:rPr>
+              <a:t>Chromatin</a:t>
+            </a:r>
+          </a:p>
+          <a:p>
+            <a:r>
+              <a:rPr lang="en-US" sz="1400" dirty="0">
+                <a:latin typeface="Arial" panose="020B0604020202020204" pitchFamily="34" charset="0"/>
+                <a:cs typeface="Arial" panose="020B0604020202020204" pitchFamily="34" charset="0"/>
+              </a:rPr>
+              <a:t>Preparation</a:t>
+            </a:r>
+          </a:p>
+        </p:txBody>
+      </p:sp>
+      <p:sp>
+        <p:nvSpPr>
+          <p:cNvPr id="25" name="TextBox 24">
+            <a:extLst>
+              <a:ext uri="{FF2B5EF4-FFF2-40B4-BE49-F238E27FC236}">
+                <a16:creationId xmlns:a16="http://schemas.microsoft.com/office/drawing/2014/main" id="{BA334AFA-51E3-8A47-BDDA-17CD2958020A}"/>
+              </a:ext>
+            </a:extLst>
+          </p:cNvPr>
+          <p:cNvSpPr txBox="1"/>
+          <p:nvPr/>
+        </p:nvSpPr>
+        <p:spPr>
+          <a:xfrm>
+            <a:off x="5361965" y="8165"/>
+            <a:ext cx="663964" cy="307777"/>
+          </a:xfrm>
+          <a:prstGeom prst="rect">
+            <a:avLst/>
+          </a:prstGeom>
+          <a:noFill/>
+        </p:spPr>
+        <p:txBody>
+          <a:bodyPr wrap="none" rtlCol="0">
+            <a:spAutoFit/>
+          </a:bodyPr>
+          <a:lstStyle/>
+          <a:p>
+            <a:r>
+              <a:rPr lang="en-US" sz="1400" dirty="0">
+                <a:latin typeface="Arial" panose="020B0604020202020204" pitchFamily="34" charset="0"/>
+                <a:cs typeface="Arial" panose="020B0604020202020204" pitchFamily="34" charset="0"/>
+              </a:rPr>
+              <a:t>qPCR</a:t>
+            </a:r>
+          </a:p>
+        </p:txBody>
+      </p:sp>
+      <p:sp>
+        <p:nvSpPr>
+          <p:cNvPr id="26" name="TextBox 25">
+            <a:extLst>
+              <a:ext uri="{FF2B5EF4-FFF2-40B4-BE49-F238E27FC236}">
+                <a16:creationId xmlns:a16="http://schemas.microsoft.com/office/drawing/2014/main" id="{B25CE6DD-6CF0-1347-B427-2AD55B2430F9}"/>
+              </a:ext>
+            </a:extLst>
+          </p:cNvPr>
+          <p:cNvSpPr txBox="1"/>
+          <p:nvPr/>
+        </p:nvSpPr>
+        <p:spPr>
+          <a:xfrm>
+            <a:off x="1386672" y="2244328"/>
+            <a:ext cx="652743" cy="276999"/>
+          </a:xfrm>
+          <a:prstGeom prst="rect">
+            <a:avLst/>
+          </a:prstGeom>
+          <a:noFill/>
+        </p:spPr>
+        <p:txBody>
+          <a:bodyPr wrap="none" rtlCol="0">
+            <a:spAutoFit/>
+          </a:bodyPr>
+          <a:lstStyle/>
+          <a:p>
+            <a:r>
+              <a:rPr lang="en-US" sz="1200" dirty="0">
+                <a:latin typeface="Arial" panose="020B0604020202020204" pitchFamily="34" charset="0"/>
+                <a:cs typeface="Arial" panose="020B0604020202020204" pitchFamily="34" charset="0"/>
+              </a:rPr>
+              <a:t>Elution</a:t>
+            </a:r>
+          </a:p>
+        </p:txBody>
+      </p:sp>
+      <p:sp>
+        <p:nvSpPr>
+          <p:cNvPr id="27" name="TextBox 26">
+            <a:extLst>
+              <a:ext uri="{FF2B5EF4-FFF2-40B4-BE49-F238E27FC236}">
+                <a16:creationId xmlns:a16="http://schemas.microsoft.com/office/drawing/2014/main" id="{20A4088B-7248-664E-9D51-EC5917C6C1CF}"/>
+              </a:ext>
+            </a:extLst>
+          </p:cNvPr>
+          <p:cNvSpPr txBox="1"/>
+          <p:nvPr/>
+        </p:nvSpPr>
+        <p:spPr>
+          <a:xfrm>
+            <a:off x="1386671" y="2384577"/>
+            <a:ext cx="1454244" cy="276999"/>
+          </a:xfrm>
+          <a:prstGeom prst="rect">
+            <a:avLst/>
+          </a:prstGeom>
+          <a:noFill/>
+        </p:spPr>
+        <p:txBody>
+          <a:bodyPr wrap="none" rtlCol="0">
+            <a:spAutoFit/>
+          </a:bodyPr>
+          <a:lstStyle/>
+          <a:p>
+            <a:r>
+              <a:rPr lang="en-US" sz="1200" dirty="0">
+                <a:latin typeface="Arial" panose="020B0604020202020204" pitchFamily="34" charset="0"/>
+                <a:cs typeface="Arial" panose="020B0604020202020204" pitchFamily="34" charset="0"/>
+              </a:rPr>
+              <a:t>Cross-link reversal</a:t>
+            </a:r>
+          </a:p>
+        </p:txBody>
+      </p:sp>
+      <p:sp>
+        <p:nvSpPr>
+          <p:cNvPr id="28" name="TextBox 27">
+            <a:extLst>
+              <a:ext uri="{FF2B5EF4-FFF2-40B4-BE49-F238E27FC236}">
+                <a16:creationId xmlns:a16="http://schemas.microsoft.com/office/drawing/2014/main" id="{70E0303A-84D8-6E46-B008-DFF93613671F}"/>
+              </a:ext>
+            </a:extLst>
+          </p:cNvPr>
+          <p:cNvSpPr txBox="1"/>
+          <p:nvPr/>
+        </p:nvSpPr>
+        <p:spPr>
+          <a:xfrm>
+            <a:off x="1373017" y="2734346"/>
+            <a:ext cx="670376" cy="276999"/>
+          </a:xfrm>
+          <a:prstGeom prst="rect">
+            <a:avLst/>
+          </a:prstGeom>
+          <a:noFill/>
+        </p:spPr>
+        <p:txBody>
+          <a:bodyPr wrap="none" rtlCol="0">
+            <a:spAutoFit/>
+          </a:bodyPr>
+          <a:lstStyle/>
+          <a:p>
+            <a:r>
+              <a:rPr lang="en-US" sz="1200" dirty="0">
+                <a:latin typeface="Arial" panose="020B0604020202020204" pitchFamily="34" charset="0"/>
+                <a:cs typeface="Arial" panose="020B0604020202020204" pitchFamily="34" charset="0"/>
+              </a:rPr>
+              <a:t>RNAse</a:t>
+            </a:r>
+          </a:p>
+        </p:txBody>
+      </p:sp>
+      <p:sp>
+        <p:nvSpPr>
+          <p:cNvPr id="29" name="TextBox 28">
+            <a:extLst>
+              <a:ext uri="{FF2B5EF4-FFF2-40B4-BE49-F238E27FC236}">
+                <a16:creationId xmlns:a16="http://schemas.microsoft.com/office/drawing/2014/main" id="{5EDE04CD-1FF5-0A4C-95FF-851F0DD911BC}"/>
+              </a:ext>
+            </a:extLst>
+          </p:cNvPr>
+          <p:cNvSpPr txBox="1"/>
+          <p:nvPr/>
+        </p:nvSpPr>
+        <p:spPr>
+          <a:xfrm>
+            <a:off x="1369039" y="2990346"/>
+            <a:ext cx="798617" cy="276999"/>
+          </a:xfrm>
+          <a:prstGeom prst="rect">
+            <a:avLst/>
+          </a:prstGeom>
+          <a:noFill/>
+        </p:spPr>
+        <p:txBody>
+          <a:bodyPr wrap="none" rtlCol="0">
+            <a:spAutoFit/>
+          </a:bodyPr>
+          <a:lstStyle/>
+          <a:p>
+            <a:r>
+              <a:rPr lang="en-US" sz="1200" dirty="0">
+                <a:latin typeface="Arial" panose="020B0604020202020204" pitchFamily="34" charset="0"/>
+                <a:cs typeface="Arial" panose="020B0604020202020204" pitchFamily="34" charset="0"/>
+              </a:rPr>
+              <a:t>Protease</a:t>
+            </a:r>
+          </a:p>
+        </p:txBody>
+      </p:sp>
+      <p:sp>
+        <p:nvSpPr>
+          <p:cNvPr id="30" name="TextBox 29">
+            <a:extLst>
+              <a:ext uri="{FF2B5EF4-FFF2-40B4-BE49-F238E27FC236}">
+                <a16:creationId xmlns:a16="http://schemas.microsoft.com/office/drawing/2014/main" id="{9D66A511-9DF1-CF4A-91EF-19E812B925BD}"/>
+              </a:ext>
+            </a:extLst>
+          </p:cNvPr>
+          <p:cNvSpPr txBox="1"/>
+          <p:nvPr/>
+        </p:nvSpPr>
+        <p:spPr>
+          <a:xfrm>
+            <a:off x="3232407" y="1753033"/>
+            <a:ext cx="1283878" cy="276999"/>
+          </a:xfrm>
+          <a:prstGeom prst="rect">
+            <a:avLst/>
+          </a:prstGeom>
+          <a:noFill/>
+        </p:spPr>
+        <p:txBody>
+          <a:bodyPr wrap="none" rtlCol="0">
+            <a:spAutoFit/>
+          </a:bodyPr>
+          <a:lstStyle/>
+          <a:p>
+            <a:r>
+              <a:rPr lang="en-US" sz="1200" dirty="0">
+                <a:latin typeface="Arial" panose="020B0604020202020204" pitchFamily="34" charset="0"/>
+                <a:cs typeface="Arial" panose="020B0604020202020204" pitchFamily="34" charset="0"/>
+              </a:rPr>
+              <a:t>DNA purification</a:t>
+            </a:r>
+          </a:p>
+        </p:txBody>
+      </p:sp>
+      <p:sp>
+        <p:nvSpPr>
+          <p:cNvPr id="31" name="TextBox 30">
+            <a:extLst>
+              <a:ext uri="{FF2B5EF4-FFF2-40B4-BE49-F238E27FC236}">
+                <a16:creationId xmlns:a16="http://schemas.microsoft.com/office/drawing/2014/main" id="{07B7F186-DB38-E942-8719-64E6B6E04263}"/>
+              </a:ext>
+            </a:extLst>
+          </p:cNvPr>
+          <p:cNvSpPr txBox="1"/>
+          <p:nvPr/>
+        </p:nvSpPr>
+        <p:spPr>
+          <a:xfrm>
+            <a:off x="1341736" y="3799310"/>
+            <a:ext cx="1325556" cy="276999"/>
+          </a:xfrm>
+          <a:prstGeom prst="rect">
+            <a:avLst/>
+          </a:prstGeom>
+          <a:noFill/>
+        </p:spPr>
+        <p:txBody>
+          <a:bodyPr wrap="none" rtlCol="0">
+            <a:spAutoFit/>
+          </a:bodyPr>
+          <a:lstStyle/>
+          <a:p>
+            <a:r>
+              <a:rPr lang="en-US" sz="1200" dirty="0">
+                <a:latin typeface="Arial" panose="020B0604020202020204" pitchFamily="34" charset="0"/>
+                <a:cs typeface="Arial" panose="020B0604020202020204" pitchFamily="34" charset="0"/>
+              </a:rPr>
+              <a:t>DNA </a:t>
+            </a:r>
+            <a:r>
+              <a:rPr lang="en-US" sz="1200" dirty="0" err="1">
+                <a:latin typeface="Arial" panose="020B0604020202020204" pitchFamily="34" charset="0"/>
+                <a:cs typeface="Arial" panose="020B0604020202020204" pitchFamily="34" charset="0"/>
+              </a:rPr>
+              <a:t>precipiation</a:t>
+            </a:r>
+            <a:endParaRPr lang="en-US" sz="1200" dirty="0">
+              <a:latin typeface="Arial" panose="020B0604020202020204" pitchFamily="34" charset="0"/>
+              <a:cs typeface="Arial" panose="020B0604020202020204" pitchFamily="34" charset="0"/>
+            </a:endParaRPr>
+          </a:p>
+        </p:txBody>
+      </p:sp>
+      <p:sp>
+        <p:nvSpPr>
+          <p:cNvPr id="32" name="TextBox 31">
+            <a:extLst>
+              <a:ext uri="{FF2B5EF4-FFF2-40B4-BE49-F238E27FC236}">
+                <a16:creationId xmlns:a16="http://schemas.microsoft.com/office/drawing/2014/main" id="{D1EFAC6B-395E-B34E-891D-2C210AF85F68}"/>
+              </a:ext>
+            </a:extLst>
+          </p:cNvPr>
+          <p:cNvSpPr txBox="1"/>
+          <p:nvPr/>
+        </p:nvSpPr>
+        <p:spPr>
+          <a:xfrm>
+            <a:off x="1341721" y="4092664"/>
+            <a:ext cx="1445780" cy="276999"/>
+          </a:xfrm>
+          <a:prstGeom prst="rect">
+            <a:avLst/>
+          </a:prstGeom>
+          <a:noFill/>
+        </p:spPr>
+        <p:txBody>
+          <a:bodyPr wrap="none" rtlCol="0">
+            <a:spAutoFit/>
+          </a:bodyPr>
+          <a:lstStyle/>
+          <a:p>
+            <a:r>
+              <a:rPr lang="en-US" sz="1200" dirty="0">
+                <a:latin typeface="Arial" panose="020B0604020202020204" pitchFamily="34" charset="0"/>
+                <a:cs typeface="Arial" panose="020B0604020202020204" pitchFamily="34" charset="0"/>
+              </a:rPr>
+              <a:t>DNA quantification</a:t>
+            </a:r>
+          </a:p>
+        </p:txBody>
+      </p:sp>
+      <p:sp>
+        <p:nvSpPr>
+          <p:cNvPr id="33" name="TextBox 32">
+            <a:extLst>
+              <a:ext uri="{FF2B5EF4-FFF2-40B4-BE49-F238E27FC236}">
+                <a16:creationId xmlns:a16="http://schemas.microsoft.com/office/drawing/2014/main" id="{574CB7E2-51A6-304A-B4BD-ABE3598174AB}"/>
+              </a:ext>
+            </a:extLst>
+          </p:cNvPr>
+          <p:cNvSpPr txBox="1"/>
+          <p:nvPr/>
+        </p:nvSpPr>
+        <p:spPr>
+          <a:xfrm>
+            <a:off x="5103080" y="4369663"/>
+            <a:ext cx="1181734" cy="276999"/>
+          </a:xfrm>
+          <a:prstGeom prst="rect">
+            <a:avLst/>
+          </a:prstGeom>
+          <a:noFill/>
+        </p:spPr>
+        <p:txBody>
+          <a:bodyPr wrap="none" rtlCol="0">
+            <a:spAutoFit/>
+          </a:bodyPr>
+          <a:lstStyle/>
+          <a:p>
+            <a:r>
+              <a:rPr lang="en-US" sz="1200" dirty="0">
+                <a:latin typeface="Arial" panose="020B0604020202020204" pitchFamily="34" charset="0"/>
+                <a:cs typeface="Arial" panose="020B0604020202020204" pitchFamily="34" charset="0"/>
+              </a:rPr>
+              <a:t>qPCR reaction</a:t>
+            </a:r>
+          </a:p>
+        </p:txBody>
+      </p:sp>
+      <p:sp>
+        <p:nvSpPr>
+          <p:cNvPr id="34" name="TextBox 33">
+            <a:extLst>
+              <a:ext uri="{FF2B5EF4-FFF2-40B4-BE49-F238E27FC236}">
+                <a16:creationId xmlns:a16="http://schemas.microsoft.com/office/drawing/2014/main" id="{FE8C1880-3D81-A44F-8838-6B658BEFBAAC}"/>
+              </a:ext>
+            </a:extLst>
+          </p:cNvPr>
+          <p:cNvSpPr txBox="1"/>
+          <p:nvPr/>
+        </p:nvSpPr>
+        <p:spPr>
+          <a:xfrm>
+            <a:off x="5099072" y="5031575"/>
+            <a:ext cx="1189749" cy="276999"/>
+          </a:xfrm>
+          <a:prstGeom prst="rect">
+            <a:avLst/>
+          </a:prstGeom>
+          <a:noFill/>
+        </p:spPr>
+        <p:txBody>
+          <a:bodyPr wrap="none" rtlCol="0">
+            <a:spAutoFit/>
+          </a:bodyPr>
+          <a:lstStyle/>
+          <a:p>
+            <a:r>
+              <a:rPr lang="en-US" sz="1200" dirty="0">
+                <a:latin typeface="Arial" panose="020B0604020202020204" pitchFamily="34" charset="0"/>
+                <a:cs typeface="Arial" panose="020B0604020202020204" pitchFamily="34" charset="0"/>
+              </a:rPr>
+              <a:t>qPCR analysis</a:t>
+            </a:r>
+          </a:p>
+        </p:txBody>
+      </p:sp>
+      <p:sp>
+        <p:nvSpPr>
+          <p:cNvPr id="35" name="TextBox 34">
+            <a:extLst>
+              <a:ext uri="{FF2B5EF4-FFF2-40B4-BE49-F238E27FC236}">
+                <a16:creationId xmlns:a16="http://schemas.microsoft.com/office/drawing/2014/main" id="{B9E25A91-2088-8749-88EA-DD782440448F}"/>
+              </a:ext>
+            </a:extLst>
+          </p:cNvPr>
+          <p:cNvSpPr txBox="1"/>
+          <p:nvPr/>
+        </p:nvSpPr>
+        <p:spPr>
+          <a:xfrm>
+            <a:off x="7102324" y="5365343"/>
+            <a:ext cx="899605" cy="276999"/>
+          </a:xfrm>
+          <a:prstGeom prst="rect">
+            <a:avLst/>
+          </a:prstGeom>
+          <a:noFill/>
+        </p:spPr>
+        <p:txBody>
+          <a:bodyPr wrap="none" rtlCol="0">
+            <a:spAutoFit/>
+          </a:bodyPr>
+          <a:lstStyle/>
+          <a:p>
+            <a:r>
+              <a:rPr lang="en-US" sz="1200" dirty="0">
+                <a:latin typeface="Arial" panose="020B0604020202020204" pitchFamily="34" charset="0"/>
+                <a:cs typeface="Arial" panose="020B0604020202020204" pitchFamily="34" charset="0"/>
+              </a:rPr>
+              <a:t>End-repair</a:t>
+            </a:r>
+          </a:p>
+        </p:txBody>
+      </p:sp>
+      <p:sp>
+        <p:nvSpPr>
+          <p:cNvPr id="36" name="TextBox 35">
+            <a:extLst>
+              <a:ext uri="{FF2B5EF4-FFF2-40B4-BE49-F238E27FC236}">
+                <a16:creationId xmlns:a16="http://schemas.microsoft.com/office/drawing/2014/main" id="{FE6DA01C-79D0-2D43-A724-E98B54328526}"/>
+              </a:ext>
+            </a:extLst>
+          </p:cNvPr>
+          <p:cNvSpPr txBox="1"/>
+          <p:nvPr/>
+        </p:nvSpPr>
+        <p:spPr>
+          <a:xfrm>
+            <a:off x="6699169" y="8165"/>
+            <a:ext cx="1705916" cy="307777"/>
+          </a:xfrm>
+          <a:prstGeom prst="rect">
+            <a:avLst/>
+          </a:prstGeom>
+          <a:noFill/>
+        </p:spPr>
+        <p:txBody>
+          <a:bodyPr wrap="none" rtlCol="0">
+            <a:spAutoFit/>
+          </a:bodyPr>
+          <a:lstStyle/>
+          <a:p>
+            <a:r>
+              <a:rPr lang="en-US" sz="1400" dirty="0">
+                <a:latin typeface="Arial" panose="020B0604020202020204" pitchFamily="34" charset="0"/>
+                <a:cs typeface="Arial" panose="020B0604020202020204" pitchFamily="34" charset="0"/>
+              </a:rPr>
+              <a:t>Library Preparation</a:t>
+            </a:r>
+          </a:p>
+        </p:txBody>
+      </p:sp>
+      <p:sp>
+        <p:nvSpPr>
+          <p:cNvPr id="62" name="TextBox 61">
+            <a:extLst>
+              <a:ext uri="{FF2B5EF4-FFF2-40B4-BE49-F238E27FC236}">
+                <a16:creationId xmlns:a16="http://schemas.microsoft.com/office/drawing/2014/main" id="{6C4D451F-6F95-D94E-AE2E-5CE5E0D6D9A9}"/>
+              </a:ext>
+            </a:extLst>
+          </p:cNvPr>
+          <p:cNvSpPr txBox="1"/>
+          <p:nvPr/>
+        </p:nvSpPr>
+        <p:spPr>
+          <a:xfrm>
+            <a:off x="7183275" y="5588084"/>
+            <a:ext cx="737702" cy="276999"/>
+          </a:xfrm>
+          <a:prstGeom prst="rect">
+            <a:avLst/>
+          </a:prstGeom>
+          <a:noFill/>
+        </p:spPr>
+        <p:txBody>
+          <a:bodyPr wrap="none" rtlCol="0">
+            <a:spAutoFit/>
+          </a:bodyPr>
+          <a:lstStyle/>
+          <a:p>
+            <a:r>
+              <a:rPr lang="en-US" sz="1200" dirty="0">
+                <a:latin typeface="Arial" panose="020B0604020202020204" pitchFamily="34" charset="0"/>
+                <a:cs typeface="Arial" panose="020B0604020202020204" pitchFamily="34" charset="0"/>
+              </a:rPr>
+              <a:t>A-tailing</a:t>
+            </a:r>
+          </a:p>
+        </p:txBody>
+      </p:sp>
+      <p:sp>
+        <p:nvSpPr>
+          <p:cNvPr id="63" name="TextBox 62">
+            <a:extLst>
+              <a:ext uri="{FF2B5EF4-FFF2-40B4-BE49-F238E27FC236}">
+                <a16:creationId xmlns:a16="http://schemas.microsoft.com/office/drawing/2014/main" id="{EC9CB1FB-2093-9744-AE66-5646A3121033}"/>
+              </a:ext>
+            </a:extLst>
+          </p:cNvPr>
+          <p:cNvSpPr txBox="1"/>
+          <p:nvPr/>
+        </p:nvSpPr>
+        <p:spPr>
+          <a:xfrm>
+            <a:off x="7183275" y="5829947"/>
+            <a:ext cx="720069" cy="276999"/>
+          </a:xfrm>
+          <a:prstGeom prst="rect">
+            <a:avLst/>
+          </a:prstGeom>
+          <a:noFill/>
+        </p:spPr>
+        <p:txBody>
+          <a:bodyPr wrap="none" rtlCol="0">
+            <a:spAutoFit/>
+          </a:bodyPr>
+          <a:lstStyle/>
+          <a:p>
+            <a:r>
+              <a:rPr lang="en-US" sz="1200" dirty="0">
+                <a:latin typeface="Arial" panose="020B0604020202020204" pitchFamily="34" charset="0"/>
+                <a:cs typeface="Arial" panose="020B0604020202020204" pitchFamily="34" charset="0"/>
+              </a:rPr>
+              <a:t>Ligation</a:t>
+            </a:r>
+          </a:p>
+        </p:txBody>
+      </p:sp>
+      <p:sp>
+        <p:nvSpPr>
+          <p:cNvPr id="64" name="TextBox 63">
+            <a:extLst>
+              <a:ext uri="{FF2B5EF4-FFF2-40B4-BE49-F238E27FC236}">
+                <a16:creationId xmlns:a16="http://schemas.microsoft.com/office/drawing/2014/main" id="{890E9BAA-B1EC-E349-8AEC-CBFD3FD047F4}"/>
+              </a:ext>
+            </a:extLst>
+          </p:cNvPr>
+          <p:cNvSpPr txBox="1"/>
+          <p:nvPr/>
+        </p:nvSpPr>
+        <p:spPr>
+          <a:xfrm>
+            <a:off x="2983479" y="1141090"/>
+            <a:ext cx="2080121" cy="276999"/>
+          </a:xfrm>
+          <a:prstGeom prst="rect">
+            <a:avLst/>
+          </a:prstGeom>
+          <a:noFill/>
+        </p:spPr>
+        <p:txBody>
+          <a:bodyPr wrap="none" rtlCol="0">
+            <a:spAutoFit/>
+          </a:bodyPr>
+          <a:lstStyle/>
+          <a:p>
+            <a:r>
+              <a:rPr lang="en-US" sz="1200" dirty="0">
+                <a:latin typeface="Arial" panose="020B0604020202020204" pitchFamily="34" charset="0"/>
+                <a:cs typeface="Arial" panose="020B0604020202020204" pitchFamily="34" charset="0"/>
+              </a:rPr>
+              <a:t>Lysis &amp; Chromatin digestion</a:t>
+            </a:r>
+          </a:p>
+        </p:txBody>
+      </p:sp>
+      <p:sp>
+        <p:nvSpPr>
+          <p:cNvPr id="65" name="TextBox 64">
+            <a:extLst>
+              <a:ext uri="{FF2B5EF4-FFF2-40B4-BE49-F238E27FC236}">
+                <a16:creationId xmlns:a16="http://schemas.microsoft.com/office/drawing/2014/main" id="{092BD24B-607B-CF4A-9322-6397A668708F}"/>
+              </a:ext>
+            </a:extLst>
+          </p:cNvPr>
+          <p:cNvSpPr txBox="1"/>
+          <p:nvPr/>
+        </p:nvSpPr>
+        <p:spPr>
+          <a:xfrm>
+            <a:off x="3147224" y="1333116"/>
+            <a:ext cx="1454244" cy="276999"/>
+          </a:xfrm>
+          <a:prstGeom prst="rect">
+            <a:avLst/>
+          </a:prstGeom>
+          <a:noFill/>
+        </p:spPr>
+        <p:txBody>
+          <a:bodyPr wrap="none" rtlCol="0">
+            <a:spAutoFit/>
+          </a:bodyPr>
+          <a:lstStyle/>
+          <a:p>
+            <a:r>
+              <a:rPr lang="en-US" sz="1200" dirty="0">
+                <a:latin typeface="Arial" panose="020B0604020202020204" pitchFamily="34" charset="0"/>
+                <a:cs typeface="Arial" panose="020B0604020202020204" pitchFamily="34" charset="0"/>
+              </a:rPr>
+              <a:t>Cross-link reversal</a:t>
+            </a:r>
+          </a:p>
+        </p:txBody>
+      </p:sp>
+      <p:sp>
+        <p:nvSpPr>
+          <p:cNvPr id="66" name="TextBox 65">
+            <a:extLst>
+              <a:ext uri="{FF2B5EF4-FFF2-40B4-BE49-F238E27FC236}">
+                <a16:creationId xmlns:a16="http://schemas.microsoft.com/office/drawing/2014/main" id="{718B96E9-7485-354A-AB59-688A448D5786}"/>
+              </a:ext>
+            </a:extLst>
+          </p:cNvPr>
+          <p:cNvSpPr txBox="1"/>
+          <p:nvPr/>
+        </p:nvSpPr>
+        <p:spPr>
+          <a:xfrm>
+            <a:off x="3121576" y="2205918"/>
+            <a:ext cx="1505540" cy="276999"/>
+          </a:xfrm>
+          <a:prstGeom prst="rect">
+            <a:avLst/>
+          </a:prstGeom>
+          <a:noFill/>
+        </p:spPr>
+        <p:txBody>
+          <a:bodyPr wrap="none" rtlCol="0">
+            <a:spAutoFit/>
+          </a:bodyPr>
+          <a:lstStyle/>
+          <a:p>
+            <a:r>
+              <a:rPr lang="en-US" sz="1200" dirty="0">
+                <a:latin typeface="Arial" panose="020B0604020202020204" pitchFamily="34" charset="0"/>
+                <a:cs typeface="Arial" panose="020B0604020202020204" pitchFamily="34" charset="0"/>
+              </a:rPr>
+              <a:t>Gel electrophoresis</a:t>
+            </a:r>
+          </a:p>
+        </p:txBody>
+      </p:sp>
+      <p:sp>
+        <p:nvSpPr>
+          <p:cNvPr id="67" name="TextBox 66">
+            <a:extLst>
+              <a:ext uri="{FF2B5EF4-FFF2-40B4-BE49-F238E27FC236}">
+                <a16:creationId xmlns:a16="http://schemas.microsoft.com/office/drawing/2014/main" id="{79EC1B93-F9F3-364A-A30D-9A31C14A5A9A}"/>
+              </a:ext>
+            </a:extLst>
+          </p:cNvPr>
+          <p:cNvSpPr txBox="1"/>
+          <p:nvPr/>
+        </p:nvSpPr>
+        <p:spPr>
+          <a:xfrm>
+            <a:off x="1341721" y="3342082"/>
+            <a:ext cx="1129989" cy="276999"/>
+          </a:xfrm>
+          <a:prstGeom prst="rect">
+            <a:avLst/>
+          </a:prstGeom>
+          <a:noFill/>
+        </p:spPr>
+        <p:txBody>
+          <a:bodyPr wrap="none" rtlCol="0">
+            <a:spAutoFit/>
+          </a:bodyPr>
+          <a:lstStyle/>
+          <a:p>
+            <a:r>
+              <a:rPr lang="en-US" sz="1200" dirty="0">
+                <a:latin typeface="Arial" panose="020B0604020202020204" pitchFamily="34" charset="0"/>
+                <a:cs typeface="Arial" panose="020B0604020202020204" pitchFamily="34" charset="0"/>
+              </a:rPr>
+              <a:t>DNA clean-up</a:t>
+            </a:r>
+          </a:p>
+        </p:txBody>
+      </p:sp>
+      <p:sp>
+        <p:nvSpPr>
+          <p:cNvPr id="68" name="TextBox 67">
+            <a:extLst>
+              <a:ext uri="{FF2B5EF4-FFF2-40B4-BE49-F238E27FC236}">
+                <a16:creationId xmlns:a16="http://schemas.microsoft.com/office/drawing/2014/main" id="{C6AA50BC-5FAA-D849-A5E7-CAA06BFE14E1}"/>
+              </a:ext>
+            </a:extLst>
+          </p:cNvPr>
+          <p:cNvSpPr txBox="1"/>
+          <p:nvPr/>
+        </p:nvSpPr>
+        <p:spPr>
+          <a:xfrm>
+            <a:off x="5109404" y="2867778"/>
+            <a:ext cx="1111651" cy="276999"/>
+          </a:xfrm>
+          <a:prstGeom prst="rect">
+            <a:avLst/>
+          </a:prstGeom>
+          <a:noFill/>
+        </p:spPr>
+        <p:txBody>
+          <a:bodyPr wrap="none" rtlCol="0">
+            <a:spAutoFit/>
+          </a:bodyPr>
+          <a:lstStyle/>
+          <a:p>
+            <a:r>
+              <a:rPr lang="en-US" sz="1200" dirty="0">
+                <a:latin typeface="Arial" panose="020B0604020202020204" pitchFamily="34" charset="0"/>
+                <a:cs typeface="Arial" panose="020B0604020202020204" pitchFamily="34" charset="0"/>
+              </a:rPr>
+              <a:t>qPCR Theory</a:t>
+            </a:r>
+          </a:p>
+        </p:txBody>
+      </p:sp>
+      <p:sp>
+        <p:nvSpPr>
+          <p:cNvPr id="69" name="TextBox 68">
+            <a:extLst>
+              <a:ext uri="{FF2B5EF4-FFF2-40B4-BE49-F238E27FC236}">
+                <a16:creationId xmlns:a16="http://schemas.microsoft.com/office/drawing/2014/main" id="{C241B91F-35DC-E74C-8626-A4FA0A531DB7}"/>
+              </a:ext>
+            </a:extLst>
+          </p:cNvPr>
+          <p:cNvSpPr txBox="1"/>
+          <p:nvPr/>
+        </p:nvSpPr>
+        <p:spPr>
+          <a:xfrm>
+            <a:off x="2551286" y="6488668"/>
+            <a:ext cx="4587603" cy="369332"/>
+          </a:xfrm>
+          <a:prstGeom prst="rect">
+            <a:avLst/>
+          </a:prstGeom>
+          <a:noFill/>
+        </p:spPr>
+        <p:txBody>
+          <a:bodyPr wrap="none" rtlCol="0">
+            <a:spAutoFit/>
+          </a:bodyPr>
+          <a:lstStyle/>
+          <a:p>
+            <a:r>
+              <a:rPr lang="en-US" dirty="0"/>
+              <a:t>Proposition de planning (25/06/2021)  [Benoit]</a:t>
+            </a:r>
           </a:p>
         </p:txBody>
       </p:sp>

--- a/Pictures/Schedule.pptx
+++ b/Pictures/Schedule.pptx
@@ -241,7 +241,7 @@
           <a:p>
             <a:fld id="{AE838A5E-F36F-4AC1-9778-6D8D7F5D5B8B}" type="datetimeFigureOut">
               <a:rPr lang="fr-FR" smtClean="0"/>
-              <a:t>25/06/2021</a:t>
+              <a:t>31/08/2021</a:t>
             </a:fld>
             <a:endParaRPr lang="fr-FR"/>
           </a:p>
@@ -283,7 +283,7 @@
           <a:p>
             <a:fld id="{8A2DA0C8-2C0F-40CF-8DDA-C2B273B090D3}" type="slidenum">
               <a:rPr lang="fr-FR" smtClean="0"/>
-              <a:t>‹#›</a:t>
+              <a:t>‹N°›</a:t>
             </a:fld>
             <a:endParaRPr lang="fr-FR"/>
           </a:p>
@@ -409,7 +409,7 @@
           <a:p>
             <a:fld id="{AE838A5E-F36F-4AC1-9778-6D8D7F5D5B8B}" type="datetimeFigureOut">
               <a:rPr lang="fr-FR" smtClean="0"/>
-              <a:t>25/06/2021</a:t>
+              <a:t>31/08/2021</a:t>
             </a:fld>
             <a:endParaRPr lang="fr-FR"/>
           </a:p>
@@ -451,7 +451,7 @@
           <a:p>
             <a:fld id="{8A2DA0C8-2C0F-40CF-8DDA-C2B273B090D3}" type="slidenum">
               <a:rPr lang="fr-FR" smtClean="0"/>
-              <a:t>‹#›</a:t>
+              <a:t>‹N°›</a:t>
             </a:fld>
             <a:endParaRPr lang="fr-FR"/>
           </a:p>
@@ -587,7 +587,7 @@
           <a:p>
             <a:fld id="{AE838A5E-F36F-4AC1-9778-6D8D7F5D5B8B}" type="datetimeFigureOut">
               <a:rPr lang="fr-FR" smtClean="0"/>
-              <a:t>25/06/2021</a:t>
+              <a:t>31/08/2021</a:t>
             </a:fld>
             <a:endParaRPr lang="fr-FR"/>
           </a:p>
@@ -629,7 +629,7 @@
           <a:p>
             <a:fld id="{8A2DA0C8-2C0F-40CF-8DDA-C2B273B090D3}" type="slidenum">
               <a:rPr lang="fr-FR" smtClean="0"/>
-              <a:t>‹#›</a:t>
+              <a:t>‹N°›</a:t>
             </a:fld>
             <a:endParaRPr lang="fr-FR"/>
           </a:p>
@@ -755,7 +755,7 @@
           <a:p>
             <a:fld id="{AE838A5E-F36F-4AC1-9778-6D8D7F5D5B8B}" type="datetimeFigureOut">
               <a:rPr lang="fr-FR" smtClean="0"/>
-              <a:t>25/06/2021</a:t>
+              <a:t>31/08/2021</a:t>
             </a:fld>
             <a:endParaRPr lang="fr-FR"/>
           </a:p>
@@ -797,7 +797,7 @@
           <a:p>
             <a:fld id="{8A2DA0C8-2C0F-40CF-8DDA-C2B273B090D3}" type="slidenum">
               <a:rPr lang="fr-FR" smtClean="0"/>
-              <a:t>‹#›</a:t>
+              <a:t>‹N°›</a:t>
             </a:fld>
             <a:endParaRPr lang="fr-FR"/>
           </a:p>
@@ -1000,7 +1000,7 @@
           <a:p>
             <a:fld id="{AE838A5E-F36F-4AC1-9778-6D8D7F5D5B8B}" type="datetimeFigureOut">
               <a:rPr lang="fr-FR" smtClean="0"/>
-              <a:t>25/06/2021</a:t>
+              <a:t>31/08/2021</a:t>
             </a:fld>
             <a:endParaRPr lang="fr-FR"/>
           </a:p>
@@ -1042,7 +1042,7 @@
           <a:p>
             <a:fld id="{8A2DA0C8-2C0F-40CF-8DDA-C2B273B090D3}" type="slidenum">
               <a:rPr lang="fr-FR" smtClean="0"/>
-              <a:t>‹#›</a:t>
+              <a:t>‹N°›</a:t>
             </a:fld>
             <a:endParaRPr lang="fr-FR"/>
           </a:p>
@@ -1229,7 +1229,7 @@
           <a:p>
             <a:fld id="{AE838A5E-F36F-4AC1-9778-6D8D7F5D5B8B}" type="datetimeFigureOut">
               <a:rPr lang="fr-FR" smtClean="0"/>
-              <a:t>25/06/2021</a:t>
+              <a:t>31/08/2021</a:t>
             </a:fld>
             <a:endParaRPr lang="fr-FR"/>
           </a:p>
@@ -1271,7 +1271,7 @@
           <a:p>
             <a:fld id="{8A2DA0C8-2C0F-40CF-8DDA-C2B273B090D3}" type="slidenum">
               <a:rPr lang="fr-FR" smtClean="0"/>
-              <a:t>‹#›</a:t>
+              <a:t>‹N°›</a:t>
             </a:fld>
             <a:endParaRPr lang="fr-FR"/>
           </a:p>
@@ -1593,7 +1593,7 @@
           <a:p>
             <a:fld id="{AE838A5E-F36F-4AC1-9778-6D8D7F5D5B8B}" type="datetimeFigureOut">
               <a:rPr lang="fr-FR" smtClean="0"/>
-              <a:t>25/06/2021</a:t>
+              <a:t>31/08/2021</a:t>
             </a:fld>
             <a:endParaRPr lang="fr-FR"/>
           </a:p>
@@ -1635,7 +1635,7 @@
           <a:p>
             <a:fld id="{8A2DA0C8-2C0F-40CF-8DDA-C2B273B090D3}" type="slidenum">
               <a:rPr lang="fr-FR" smtClean="0"/>
-              <a:t>‹#›</a:t>
+              <a:t>‹N°›</a:t>
             </a:fld>
             <a:endParaRPr lang="fr-FR"/>
           </a:p>
@@ -1710,7 +1710,7 @@
           <a:p>
             <a:fld id="{AE838A5E-F36F-4AC1-9778-6D8D7F5D5B8B}" type="datetimeFigureOut">
               <a:rPr lang="fr-FR" smtClean="0"/>
-              <a:t>25/06/2021</a:t>
+              <a:t>31/08/2021</a:t>
             </a:fld>
             <a:endParaRPr lang="fr-FR"/>
           </a:p>
@@ -1752,7 +1752,7 @@
           <a:p>
             <a:fld id="{8A2DA0C8-2C0F-40CF-8DDA-C2B273B090D3}" type="slidenum">
               <a:rPr lang="fr-FR" smtClean="0"/>
-              <a:t>‹#›</a:t>
+              <a:t>‹N°›</a:t>
             </a:fld>
             <a:endParaRPr lang="fr-FR"/>
           </a:p>
@@ -1805,7 +1805,7 @@
           <a:p>
             <a:fld id="{AE838A5E-F36F-4AC1-9778-6D8D7F5D5B8B}" type="datetimeFigureOut">
               <a:rPr lang="fr-FR" smtClean="0"/>
-              <a:t>25/06/2021</a:t>
+              <a:t>31/08/2021</a:t>
             </a:fld>
             <a:endParaRPr lang="fr-FR"/>
           </a:p>
@@ -1847,7 +1847,7 @@
           <a:p>
             <a:fld id="{8A2DA0C8-2C0F-40CF-8DDA-C2B273B090D3}" type="slidenum">
               <a:rPr lang="fr-FR" smtClean="0"/>
-              <a:t>‹#›</a:t>
+              <a:t>‹N°›</a:t>
             </a:fld>
             <a:endParaRPr lang="fr-FR"/>
           </a:p>
@@ -2080,7 +2080,7 @@
           <a:p>
             <a:fld id="{AE838A5E-F36F-4AC1-9778-6D8D7F5D5B8B}" type="datetimeFigureOut">
               <a:rPr lang="fr-FR" smtClean="0"/>
-              <a:t>25/06/2021</a:t>
+              <a:t>31/08/2021</a:t>
             </a:fld>
             <a:endParaRPr lang="fr-FR"/>
           </a:p>
@@ -2122,7 +2122,7 @@
           <a:p>
             <a:fld id="{8A2DA0C8-2C0F-40CF-8DDA-C2B273B090D3}" type="slidenum">
               <a:rPr lang="fr-FR" smtClean="0"/>
-              <a:t>‹#›</a:t>
+              <a:t>‹N°›</a:t>
             </a:fld>
             <a:endParaRPr lang="fr-FR"/>
           </a:p>
@@ -2332,7 +2332,7 @@
           <a:p>
             <a:fld id="{AE838A5E-F36F-4AC1-9778-6D8D7F5D5B8B}" type="datetimeFigureOut">
               <a:rPr lang="fr-FR" smtClean="0"/>
-              <a:t>25/06/2021</a:t>
+              <a:t>31/08/2021</a:t>
             </a:fld>
             <a:endParaRPr lang="fr-FR"/>
           </a:p>
@@ -2374,7 +2374,7 @@
           <a:p>
             <a:fld id="{8A2DA0C8-2C0F-40CF-8DDA-C2B273B090D3}" type="slidenum">
               <a:rPr lang="fr-FR" smtClean="0"/>
-              <a:t>‹#›</a:t>
+              <a:t>‹N°›</a:t>
             </a:fld>
             <a:endParaRPr lang="fr-FR"/>
           </a:p>
@@ -2543,7 +2543,7 @@
           <a:p>
             <a:fld id="{AE838A5E-F36F-4AC1-9778-6D8D7F5D5B8B}" type="datetimeFigureOut">
               <a:rPr lang="fr-FR" smtClean="0"/>
-              <a:t>25/06/2021</a:t>
+              <a:t>31/08/2021</a:t>
             </a:fld>
             <a:endParaRPr lang="fr-FR"/>
           </a:p>
@@ -2621,7 +2621,7 @@
           <a:p>
             <a:fld id="{8A2DA0C8-2C0F-40CF-8DDA-C2B273B090D3}" type="slidenum">
               <a:rPr lang="fr-FR" smtClean="0"/>
-              <a:t>‹#›</a:t>
+              <a:t>‹N°›</a:t>
             </a:fld>
             <a:endParaRPr lang="fr-FR"/>
           </a:p>
@@ -4444,41 +4444,6 @@
           </a:p>
         </p:txBody>
       </p:sp>
-      <p:sp>
-        <p:nvSpPr>
-          <p:cNvPr id="69" name="TextBox 68">
-            <a:extLst>
-              <a:ext uri="{FF2B5EF4-FFF2-40B4-BE49-F238E27FC236}">
-                <a16:creationId xmlns:a16="http://schemas.microsoft.com/office/drawing/2014/main" id="{C241B91F-35DC-E74C-8626-A4FA0A531DB7}"/>
-              </a:ext>
-            </a:extLst>
-          </p:cNvPr>
-          <p:cNvSpPr txBox="1"/>
-          <p:nvPr/>
-        </p:nvSpPr>
-        <p:spPr>
-          <a:xfrm>
-            <a:off x="2551286" y="6488668"/>
-            <a:ext cx="4587603" cy="369332"/>
-          </a:xfrm>
-          <a:prstGeom prst="rect">
-            <a:avLst/>
-          </a:prstGeom>
-          <a:noFill/>
-        </p:spPr>
-        <p:txBody>
-          <a:bodyPr wrap="none" rtlCol="0">
-            <a:spAutoFit/>
-          </a:bodyPr>
-          <a:lstStyle/>
-          <a:p>
-            <a:r>
-              <a:rPr lang="en-US" dirty="0"/>
-              <a:t>Proposition de planning (25/06/2021)  [Benoit]</a:t>
-            </a:r>
-          </a:p>
-        </p:txBody>
-      </p:sp>
     </p:spTree>
     <p:extLst>
       <p:ext uri="{BB962C8B-B14F-4D97-AF65-F5344CB8AC3E}">

--- a/Pictures/Schedule.pptx
+++ b/Pictures/Schedule.pptx
@@ -2,18 +2,18 @@
 <file path=ppt/presentation.xml><?xml version="1.0" encoding="utf-8"?>
 <p:presentation xmlns:a="http://schemas.openxmlformats.org/drawingml/2006/main" xmlns:r="http://schemas.openxmlformats.org/officeDocument/2006/relationships" xmlns:p="http://schemas.openxmlformats.org/presentationml/2006/main" saveSubsetFonts="1">
   <p:sldMasterIdLst>
-    <p:sldMasterId id="2147483648" r:id="rId1"/>
+    <p:sldMasterId id="2147483672" r:id="rId1"/>
   </p:sldMasterIdLst>
   <p:sldIdLst>
     <p:sldId id="256" r:id="rId2"/>
   </p:sldIdLst>
-  <p:sldSz cx="12192000" cy="6858000"/>
+  <p:sldSz cx="8640763" cy="6858000"/>
   <p:notesSz cx="6858000" cy="9144000"/>
   <p:defaultTextStyle>
     <a:defPPr>
-      <a:defRPr lang="fr-FR"/>
+      <a:defRPr lang="en-US"/>
     </a:defPPr>
-    <a:lvl1pPr marL="0" algn="l" defTabSz="914400" rtl="0" eaLnBrk="1" latinLnBrk="0" hangingPunct="1">
+    <a:lvl1pPr marL="0" algn="l" defTabSz="457200" rtl="0" eaLnBrk="1" latinLnBrk="0" hangingPunct="1">
       <a:defRPr sz="1800" kern="1200">
         <a:solidFill>
           <a:schemeClr val="tx1"/>
@@ -23,7 +23,7 @@
         <a:cs typeface="+mn-cs"/>
       </a:defRPr>
     </a:lvl1pPr>
-    <a:lvl2pPr marL="457200" algn="l" defTabSz="914400" rtl="0" eaLnBrk="1" latinLnBrk="0" hangingPunct="1">
+    <a:lvl2pPr marL="457200" algn="l" defTabSz="457200" rtl="0" eaLnBrk="1" latinLnBrk="0" hangingPunct="1">
       <a:defRPr sz="1800" kern="1200">
         <a:solidFill>
           <a:schemeClr val="tx1"/>
@@ -33,7 +33,7 @@
         <a:cs typeface="+mn-cs"/>
       </a:defRPr>
     </a:lvl2pPr>
-    <a:lvl3pPr marL="914400" algn="l" defTabSz="914400" rtl="0" eaLnBrk="1" latinLnBrk="0" hangingPunct="1">
+    <a:lvl3pPr marL="914400" algn="l" defTabSz="457200" rtl="0" eaLnBrk="1" latinLnBrk="0" hangingPunct="1">
       <a:defRPr sz="1800" kern="1200">
         <a:solidFill>
           <a:schemeClr val="tx1"/>
@@ -43,7 +43,7 @@
         <a:cs typeface="+mn-cs"/>
       </a:defRPr>
     </a:lvl3pPr>
-    <a:lvl4pPr marL="1371600" algn="l" defTabSz="914400" rtl="0" eaLnBrk="1" latinLnBrk="0" hangingPunct="1">
+    <a:lvl4pPr marL="1371600" algn="l" defTabSz="457200" rtl="0" eaLnBrk="1" latinLnBrk="0" hangingPunct="1">
       <a:defRPr sz="1800" kern="1200">
         <a:solidFill>
           <a:schemeClr val="tx1"/>
@@ -53,7 +53,7 @@
         <a:cs typeface="+mn-cs"/>
       </a:defRPr>
     </a:lvl4pPr>
-    <a:lvl5pPr marL="1828800" algn="l" defTabSz="914400" rtl="0" eaLnBrk="1" latinLnBrk="0" hangingPunct="1">
+    <a:lvl5pPr marL="1828800" algn="l" defTabSz="457200" rtl="0" eaLnBrk="1" latinLnBrk="0" hangingPunct="1">
       <a:defRPr sz="1800" kern="1200">
         <a:solidFill>
           <a:schemeClr val="tx1"/>
@@ -63,7 +63,7 @@
         <a:cs typeface="+mn-cs"/>
       </a:defRPr>
     </a:lvl5pPr>
-    <a:lvl6pPr marL="2286000" algn="l" defTabSz="914400" rtl="0" eaLnBrk="1" latinLnBrk="0" hangingPunct="1">
+    <a:lvl6pPr marL="2286000" algn="l" defTabSz="457200" rtl="0" eaLnBrk="1" latinLnBrk="0" hangingPunct="1">
       <a:defRPr sz="1800" kern="1200">
         <a:solidFill>
           <a:schemeClr val="tx1"/>
@@ -73,7 +73,7 @@
         <a:cs typeface="+mn-cs"/>
       </a:defRPr>
     </a:lvl6pPr>
-    <a:lvl7pPr marL="2743200" algn="l" defTabSz="914400" rtl="0" eaLnBrk="1" latinLnBrk="0" hangingPunct="1">
+    <a:lvl7pPr marL="2743200" algn="l" defTabSz="457200" rtl="0" eaLnBrk="1" latinLnBrk="0" hangingPunct="1">
       <a:defRPr sz="1800" kern="1200">
         <a:solidFill>
           <a:schemeClr val="tx1"/>
@@ -83,7 +83,7 @@
         <a:cs typeface="+mn-cs"/>
       </a:defRPr>
     </a:lvl7pPr>
-    <a:lvl8pPr marL="3200400" algn="l" defTabSz="914400" rtl="0" eaLnBrk="1" latinLnBrk="0" hangingPunct="1">
+    <a:lvl8pPr marL="3200400" algn="l" defTabSz="457200" rtl="0" eaLnBrk="1" latinLnBrk="0" hangingPunct="1">
       <a:defRPr sz="1800" kern="1200">
         <a:solidFill>
           <a:schemeClr val="tx1"/>
@@ -93,7 +93,7 @@
         <a:cs typeface="+mn-cs"/>
       </a:defRPr>
     </a:lvl8pPr>
-    <a:lvl9pPr marL="3657600" algn="l" defTabSz="914400" rtl="0" eaLnBrk="1" latinLnBrk="0" hangingPunct="1">
+    <a:lvl9pPr marL="3657600" algn="l" defTabSz="457200" rtl="0" eaLnBrk="1" latinLnBrk="0" hangingPunct="1">
       <a:defRPr sz="1800" kern="1200">
         <a:solidFill>
           <a:schemeClr val="tx1"/>
@@ -131,7 +131,7 @@
       </p:grpSpPr>
       <p:sp>
         <p:nvSpPr>
-          <p:cNvPr id="2" name="Titre 1"/>
+          <p:cNvPr id="2" name="Title 1"/>
           <p:cNvSpPr>
             <a:spLocks noGrp="1"/>
           </p:cNvSpPr>
@@ -141,15 +141,15 @@
         </p:nvSpPr>
         <p:spPr>
           <a:xfrm>
-            <a:off x="1524000" y="1122363"/>
-            <a:ext cx="9144000" cy="2387600"/>
+            <a:off x="648057" y="1122363"/>
+            <a:ext cx="7344649" cy="2387600"/>
           </a:xfrm>
         </p:spPr>
         <p:txBody>
           <a:bodyPr anchor="b"/>
           <a:lstStyle>
             <a:lvl1pPr algn="ctr">
-              <a:defRPr sz="6000"/>
+              <a:defRPr sz="5670"/>
             </a:lvl1pPr>
           </a:lstStyle>
           <a:p>
@@ -157,12 +157,13 @@
               <a:rPr lang="fr-FR"/>
               <a:t>Modifiez le style du titre</a:t>
             </a:r>
-          </a:p>
-        </p:txBody>
-      </p:sp>
-      <p:sp>
-        <p:nvSpPr>
-          <p:cNvPr id="3" name="Sous-titre 2"/>
+            <a:endParaRPr lang="en-US" dirty="0"/>
+          </a:p>
+        </p:txBody>
+      </p:sp>
+      <p:sp>
+        <p:nvSpPr>
+          <p:cNvPr id="3" name="Subtitle 2"/>
           <p:cNvSpPr>
             <a:spLocks noGrp="1"/>
           </p:cNvSpPr>
@@ -172,8 +173,8 @@
         </p:nvSpPr>
         <p:spPr>
           <a:xfrm>
-            <a:off x="1524000" y="3602038"/>
-            <a:ext cx="9144000" cy="1655762"/>
+            <a:off x="1080096" y="3602038"/>
+            <a:ext cx="6480572" cy="1655762"/>
           </a:xfrm>
         </p:spPr>
         <p:txBody>
@@ -181,52 +182,53 @@
           <a:lstStyle>
             <a:lvl1pPr marL="0" indent="0" algn="ctr">
               <a:buNone/>
-              <a:defRPr sz="2400"/>
+              <a:defRPr sz="2268"/>
             </a:lvl1pPr>
-            <a:lvl2pPr marL="457200" indent="0" algn="ctr">
-              <a:buNone/>
-              <a:defRPr sz="2000"/>
+            <a:lvl2pPr marL="432054" indent="0" algn="ctr">
+              <a:buNone/>
+              <a:defRPr sz="1890"/>
             </a:lvl2pPr>
-            <a:lvl3pPr marL="914400" indent="0" algn="ctr">
-              <a:buNone/>
-              <a:defRPr sz="1800"/>
+            <a:lvl3pPr marL="864108" indent="0" algn="ctr">
+              <a:buNone/>
+              <a:defRPr sz="1701"/>
             </a:lvl3pPr>
-            <a:lvl4pPr marL="1371600" indent="0" algn="ctr">
-              <a:buNone/>
-              <a:defRPr sz="1600"/>
+            <a:lvl4pPr marL="1296162" indent="0" algn="ctr">
+              <a:buNone/>
+              <a:defRPr sz="1512"/>
             </a:lvl4pPr>
-            <a:lvl5pPr marL="1828800" indent="0" algn="ctr">
-              <a:buNone/>
-              <a:defRPr sz="1600"/>
+            <a:lvl5pPr marL="1728216" indent="0" algn="ctr">
+              <a:buNone/>
+              <a:defRPr sz="1512"/>
             </a:lvl5pPr>
-            <a:lvl6pPr marL="2286000" indent="0" algn="ctr">
-              <a:buNone/>
-              <a:defRPr sz="1600"/>
+            <a:lvl6pPr marL="2160270" indent="0" algn="ctr">
+              <a:buNone/>
+              <a:defRPr sz="1512"/>
             </a:lvl6pPr>
-            <a:lvl7pPr marL="2743200" indent="0" algn="ctr">
-              <a:buNone/>
-              <a:defRPr sz="1600"/>
+            <a:lvl7pPr marL="2592324" indent="0" algn="ctr">
+              <a:buNone/>
+              <a:defRPr sz="1512"/>
             </a:lvl7pPr>
-            <a:lvl8pPr marL="3200400" indent="0" algn="ctr">
-              <a:buNone/>
-              <a:defRPr sz="1600"/>
+            <a:lvl8pPr marL="3024378" indent="0" algn="ctr">
+              <a:buNone/>
+              <a:defRPr sz="1512"/>
             </a:lvl8pPr>
-            <a:lvl9pPr marL="3657600" indent="0" algn="ctr">
-              <a:buNone/>
-              <a:defRPr sz="1600"/>
+            <a:lvl9pPr marL="3456432" indent="0" algn="ctr">
+              <a:buNone/>
+              <a:defRPr sz="1512"/>
             </a:lvl9pPr>
           </a:lstStyle>
           <a:p>
             <a:r>
               <a:rPr lang="fr-FR"/>
-              <a:t>Modifier le style des sous-titres du masque</a:t>
-            </a:r>
-          </a:p>
-        </p:txBody>
-      </p:sp>
-      <p:sp>
-        <p:nvSpPr>
-          <p:cNvPr id="4" name="Espace réservé de la date 3"/>
+              <a:t>Modifiez le style des sous-titres du masque</a:t>
+            </a:r>
+            <a:endParaRPr lang="en-US" dirty="0"/>
+          </a:p>
+        </p:txBody>
+      </p:sp>
+      <p:sp>
+        <p:nvSpPr>
+          <p:cNvPr id="4" name="Date Placeholder 3"/>
           <p:cNvSpPr>
             <a:spLocks noGrp="1"/>
           </p:cNvSpPr>
@@ -241,7 +243,7 @@
           <a:p>
             <a:fld id="{AE838A5E-F36F-4AC1-9778-6D8D7F5D5B8B}" type="datetimeFigureOut">
               <a:rPr lang="fr-FR" smtClean="0"/>
-              <a:t>31/08/2021</a:t>
+              <a:t>20/07/2022</a:t>
             </a:fld>
             <a:endParaRPr lang="fr-FR"/>
           </a:p>
@@ -249,7 +251,7 @@
       </p:sp>
       <p:sp>
         <p:nvSpPr>
-          <p:cNvPr id="5" name="Espace réservé du pied de page 4"/>
+          <p:cNvPr id="5" name="Footer Placeholder 4"/>
           <p:cNvSpPr>
             <a:spLocks noGrp="1"/>
           </p:cNvSpPr>
@@ -268,7 +270,7 @@
       </p:sp>
       <p:sp>
         <p:nvSpPr>
-          <p:cNvPr id="6" name="Espace réservé du numéro de diapositive 5"/>
+          <p:cNvPr id="6" name="Slide Number Placeholder 5"/>
           <p:cNvSpPr>
             <a:spLocks noGrp="1"/>
           </p:cNvSpPr>
@@ -292,7 +294,7 @@
     </p:spTree>
     <p:extLst>
       <p:ext uri="{BB962C8B-B14F-4D97-AF65-F5344CB8AC3E}">
-        <p14:creationId xmlns:p14="http://schemas.microsoft.com/office/powerpoint/2010/main" val="3575822817"/>
+        <p14:creationId xmlns:p14="http://schemas.microsoft.com/office/powerpoint/2010/main" val="194936932"/>
       </p:ext>
     </p:extLst>
   </p:cSld>
@@ -321,7 +323,7 @@
       </p:grpSpPr>
       <p:sp>
         <p:nvSpPr>
-          <p:cNvPr id="2" name="Titre 1"/>
+          <p:cNvPr id="2" name="Title 1"/>
           <p:cNvSpPr>
             <a:spLocks noGrp="1"/>
           </p:cNvSpPr>
@@ -338,12 +340,13 @@
               <a:rPr lang="fr-FR"/>
               <a:t>Modifiez le style du titre</a:t>
             </a:r>
-          </a:p>
-        </p:txBody>
-      </p:sp>
-      <p:sp>
-        <p:nvSpPr>
-          <p:cNvPr id="3" name="Espace réservé du texte vertical 2"/>
+            <a:endParaRPr lang="en-US" dirty="0"/>
+          </a:p>
+        </p:txBody>
+      </p:sp>
+      <p:sp>
+        <p:nvSpPr>
+          <p:cNvPr id="3" name="Vertical Text Placeholder 2"/>
           <p:cNvSpPr>
             <a:spLocks noGrp="1"/>
           </p:cNvSpPr>
@@ -359,7 +362,7 @@
             <a:pPr lvl="0"/>
             <a:r>
               <a:rPr lang="fr-FR"/>
-              <a:t>Modifier les styles du texte du masque</a:t>
+              <a:t>Cliquez pour modifier les styles du texte du masque</a:t>
             </a:r>
           </a:p>
           <a:p>
@@ -389,12 +392,13 @@
               <a:rPr lang="fr-FR"/>
               <a:t>Cinquième niveau</a:t>
             </a:r>
-          </a:p>
-        </p:txBody>
-      </p:sp>
-      <p:sp>
-        <p:nvSpPr>
-          <p:cNvPr id="4" name="Espace réservé de la date 3"/>
+            <a:endParaRPr lang="en-US" dirty="0"/>
+          </a:p>
+        </p:txBody>
+      </p:sp>
+      <p:sp>
+        <p:nvSpPr>
+          <p:cNvPr id="4" name="Date Placeholder 3"/>
           <p:cNvSpPr>
             <a:spLocks noGrp="1"/>
           </p:cNvSpPr>
@@ -409,7 +413,7 @@
           <a:p>
             <a:fld id="{AE838A5E-F36F-4AC1-9778-6D8D7F5D5B8B}" type="datetimeFigureOut">
               <a:rPr lang="fr-FR" smtClean="0"/>
-              <a:t>31/08/2021</a:t>
+              <a:t>20/07/2022</a:t>
             </a:fld>
             <a:endParaRPr lang="fr-FR"/>
           </a:p>
@@ -417,7 +421,7 @@
       </p:sp>
       <p:sp>
         <p:nvSpPr>
-          <p:cNvPr id="5" name="Espace réservé du pied de page 4"/>
+          <p:cNvPr id="5" name="Footer Placeholder 4"/>
           <p:cNvSpPr>
             <a:spLocks noGrp="1"/>
           </p:cNvSpPr>
@@ -436,7 +440,7 @@
       </p:sp>
       <p:sp>
         <p:nvSpPr>
-          <p:cNvPr id="6" name="Espace réservé du numéro de diapositive 5"/>
+          <p:cNvPr id="6" name="Slide Number Placeholder 5"/>
           <p:cNvSpPr>
             <a:spLocks noGrp="1"/>
           </p:cNvSpPr>
@@ -460,7 +464,7 @@
     </p:spTree>
     <p:extLst>
       <p:ext uri="{BB962C8B-B14F-4D97-AF65-F5344CB8AC3E}">
-        <p14:creationId xmlns:p14="http://schemas.microsoft.com/office/powerpoint/2010/main" val="3245211520"/>
+        <p14:creationId xmlns:p14="http://schemas.microsoft.com/office/powerpoint/2010/main" val="2783700658"/>
       </p:ext>
     </p:extLst>
   </p:cSld>
@@ -489,7 +493,7 @@
       </p:grpSpPr>
       <p:sp>
         <p:nvSpPr>
-          <p:cNvPr id="2" name="Titre vertical 1"/>
+          <p:cNvPr id="2" name="Vertical Title 1"/>
           <p:cNvSpPr>
             <a:spLocks noGrp="1"/>
           </p:cNvSpPr>
@@ -499,8 +503,8 @@
         </p:nvSpPr>
         <p:spPr>
           <a:xfrm>
-            <a:off x="8724900" y="365125"/>
-            <a:ext cx="2628900" cy="5811838"/>
+            <a:off x="6183546" y="365125"/>
+            <a:ext cx="1863165" cy="5811838"/>
           </a:xfrm>
         </p:spPr>
         <p:txBody>
@@ -511,12 +515,13 @@
               <a:rPr lang="fr-FR"/>
               <a:t>Modifiez le style du titre</a:t>
             </a:r>
-          </a:p>
-        </p:txBody>
-      </p:sp>
-      <p:sp>
-        <p:nvSpPr>
-          <p:cNvPr id="3" name="Espace réservé du texte vertical 2"/>
+            <a:endParaRPr lang="en-US" dirty="0"/>
+          </a:p>
+        </p:txBody>
+      </p:sp>
+      <p:sp>
+        <p:nvSpPr>
+          <p:cNvPr id="3" name="Vertical Text Placeholder 2"/>
           <p:cNvSpPr>
             <a:spLocks noGrp="1"/>
           </p:cNvSpPr>
@@ -526,8 +531,8 @@
         </p:nvSpPr>
         <p:spPr>
           <a:xfrm>
-            <a:off x="838200" y="365125"/>
-            <a:ext cx="7734300" cy="5811838"/>
+            <a:off x="594053" y="365125"/>
+            <a:ext cx="5481484" cy="5811838"/>
           </a:xfrm>
         </p:spPr>
         <p:txBody>
@@ -537,7 +542,7 @@
             <a:pPr lvl="0"/>
             <a:r>
               <a:rPr lang="fr-FR"/>
-              <a:t>Modifier les styles du texte du masque</a:t>
+              <a:t>Cliquez pour modifier les styles du texte du masque</a:t>
             </a:r>
           </a:p>
           <a:p>
@@ -567,12 +572,13 @@
               <a:rPr lang="fr-FR"/>
               <a:t>Cinquième niveau</a:t>
             </a:r>
-          </a:p>
-        </p:txBody>
-      </p:sp>
-      <p:sp>
-        <p:nvSpPr>
-          <p:cNvPr id="4" name="Espace réservé de la date 3"/>
+            <a:endParaRPr lang="en-US" dirty="0"/>
+          </a:p>
+        </p:txBody>
+      </p:sp>
+      <p:sp>
+        <p:nvSpPr>
+          <p:cNvPr id="4" name="Date Placeholder 3"/>
           <p:cNvSpPr>
             <a:spLocks noGrp="1"/>
           </p:cNvSpPr>
@@ -587,7 +593,7 @@
           <a:p>
             <a:fld id="{AE838A5E-F36F-4AC1-9778-6D8D7F5D5B8B}" type="datetimeFigureOut">
               <a:rPr lang="fr-FR" smtClean="0"/>
-              <a:t>31/08/2021</a:t>
+              <a:t>20/07/2022</a:t>
             </a:fld>
             <a:endParaRPr lang="fr-FR"/>
           </a:p>
@@ -595,7 +601,7 @@
       </p:sp>
       <p:sp>
         <p:nvSpPr>
-          <p:cNvPr id="5" name="Espace réservé du pied de page 4"/>
+          <p:cNvPr id="5" name="Footer Placeholder 4"/>
           <p:cNvSpPr>
             <a:spLocks noGrp="1"/>
           </p:cNvSpPr>
@@ -614,7 +620,7 @@
       </p:sp>
       <p:sp>
         <p:nvSpPr>
-          <p:cNvPr id="6" name="Espace réservé du numéro de diapositive 5"/>
+          <p:cNvPr id="6" name="Slide Number Placeholder 5"/>
           <p:cNvSpPr>
             <a:spLocks noGrp="1"/>
           </p:cNvSpPr>
@@ -638,7 +644,7 @@
     </p:spTree>
     <p:extLst>
       <p:ext uri="{BB962C8B-B14F-4D97-AF65-F5344CB8AC3E}">
-        <p14:creationId xmlns:p14="http://schemas.microsoft.com/office/powerpoint/2010/main" val="2291242985"/>
+        <p14:creationId xmlns:p14="http://schemas.microsoft.com/office/powerpoint/2010/main" val="3996473541"/>
       </p:ext>
     </p:extLst>
   </p:cSld>
@@ -667,7 +673,7 @@
       </p:grpSpPr>
       <p:sp>
         <p:nvSpPr>
-          <p:cNvPr id="2" name="Titre 1"/>
+          <p:cNvPr id="2" name="Title 1"/>
           <p:cNvSpPr>
             <a:spLocks noGrp="1"/>
           </p:cNvSpPr>
@@ -684,12 +690,13 @@
               <a:rPr lang="fr-FR"/>
               <a:t>Modifiez le style du titre</a:t>
             </a:r>
-          </a:p>
-        </p:txBody>
-      </p:sp>
-      <p:sp>
-        <p:nvSpPr>
-          <p:cNvPr id="3" name="Espace réservé du contenu 2"/>
+            <a:endParaRPr lang="en-US" dirty="0"/>
+          </a:p>
+        </p:txBody>
+      </p:sp>
+      <p:sp>
+        <p:nvSpPr>
+          <p:cNvPr id="3" name="Content Placeholder 2"/>
           <p:cNvSpPr>
             <a:spLocks noGrp="1"/>
           </p:cNvSpPr>
@@ -705,7 +712,7 @@
             <a:pPr lvl="0"/>
             <a:r>
               <a:rPr lang="fr-FR"/>
-              <a:t>Modifier les styles du texte du masque</a:t>
+              <a:t>Cliquez pour modifier les styles du texte du masque</a:t>
             </a:r>
           </a:p>
           <a:p>
@@ -735,12 +742,13 @@
               <a:rPr lang="fr-FR"/>
               <a:t>Cinquième niveau</a:t>
             </a:r>
-          </a:p>
-        </p:txBody>
-      </p:sp>
-      <p:sp>
-        <p:nvSpPr>
-          <p:cNvPr id="4" name="Espace réservé de la date 3"/>
+            <a:endParaRPr lang="en-US" dirty="0"/>
+          </a:p>
+        </p:txBody>
+      </p:sp>
+      <p:sp>
+        <p:nvSpPr>
+          <p:cNvPr id="4" name="Date Placeholder 3"/>
           <p:cNvSpPr>
             <a:spLocks noGrp="1"/>
           </p:cNvSpPr>
@@ -755,7 +763,7 @@
           <a:p>
             <a:fld id="{AE838A5E-F36F-4AC1-9778-6D8D7F5D5B8B}" type="datetimeFigureOut">
               <a:rPr lang="fr-FR" smtClean="0"/>
-              <a:t>31/08/2021</a:t>
+              <a:t>20/07/2022</a:t>
             </a:fld>
             <a:endParaRPr lang="fr-FR"/>
           </a:p>
@@ -763,7 +771,7 @@
       </p:sp>
       <p:sp>
         <p:nvSpPr>
-          <p:cNvPr id="5" name="Espace réservé du pied de page 4"/>
+          <p:cNvPr id="5" name="Footer Placeholder 4"/>
           <p:cNvSpPr>
             <a:spLocks noGrp="1"/>
           </p:cNvSpPr>
@@ -782,7 +790,7 @@
       </p:sp>
       <p:sp>
         <p:nvSpPr>
-          <p:cNvPr id="6" name="Espace réservé du numéro de diapositive 5"/>
+          <p:cNvPr id="6" name="Slide Number Placeholder 5"/>
           <p:cNvSpPr>
             <a:spLocks noGrp="1"/>
           </p:cNvSpPr>
@@ -806,7 +814,7 @@
     </p:spTree>
     <p:extLst>
       <p:ext uri="{BB962C8B-B14F-4D97-AF65-F5344CB8AC3E}">
-        <p14:creationId xmlns:p14="http://schemas.microsoft.com/office/powerpoint/2010/main" val="521571090"/>
+        <p14:creationId xmlns:p14="http://schemas.microsoft.com/office/powerpoint/2010/main" val="1267919310"/>
       </p:ext>
     </p:extLst>
   </p:cSld>
@@ -835,7 +843,7 @@
       </p:grpSpPr>
       <p:sp>
         <p:nvSpPr>
-          <p:cNvPr id="2" name="Titre 1"/>
+          <p:cNvPr id="2" name="Title 1"/>
           <p:cNvSpPr>
             <a:spLocks noGrp="1"/>
           </p:cNvSpPr>
@@ -845,15 +853,15 @@
         </p:nvSpPr>
         <p:spPr>
           <a:xfrm>
-            <a:off x="831850" y="1709738"/>
-            <a:ext cx="10515600" cy="2852737"/>
+            <a:off x="589553" y="1709740"/>
+            <a:ext cx="7452658" cy="2852737"/>
           </a:xfrm>
         </p:spPr>
         <p:txBody>
           <a:bodyPr anchor="b"/>
           <a:lstStyle>
             <a:lvl1pPr>
-              <a:defRPr sz="6000"/>
+              <a:defRPr sz="5670"/>
             </a:lvl1pPr>
           </a:lstStyle>
           <a:p>
@@ -861,12 +869,13 @@
               <a:rPr lang="fr-FR"/>
               <a:t>Modifiez le style du titre</a:t>
             </a:r>
-          </a:p>
-        </p:txBody>
-      </p:sp>
-      <p:sp>
-        <p:nvSpPr>
-          <p:cNvPr id="3" name="Espace réservé du texte 2"/>
+            <a:endParaRPr lang="en-US" dirty="0"/>
+          </a:p>
+        </p:txBody>
+      </p:sp>
+      <p:sp>
+        <p:nvSpPr>
+          <p:cNvPr id="3" name="Text Placeholder 2"/>
           <p:cNvSpPr>
             <a:spLocks noGrp="1"/>
           </p:cNvSpPr>
@@ -876,8 +885,8 @@
         </p:nvSpPr>
         <p:spPr>
           <a:xfrm>
-            <a:off x="831850" y="4589463"/>
-            <a:ext cx="10515600" cy="1500187"/>
+            <a:off x="589553" y="4589465"/>
+            <a:ext cx="7452658" cy="1500187"/>
           </a:xfrm>
         </p:spPr>
         <p:txBody>
@@ -885,17 +894,15 @@
           <a:lstStyle>
             <a:lvl1pPr marL="0" indent="0">
               <a:buNone/>
-              <a:defRPr sz="2400">
+              <a:defRPr sz="2268">
                 <a:solidFill>
-                  <a:schemeClr val="tx1">
-                    <a:tint val="75000"/>
-                  </a:schemeClr>
+                  <a:schemeClr val="tx1"/>
                 </a:solidFill>
               </a:defRPr>
             </a:lvl1pPr>
-            <a:lvl2pPr marL="457200" indent="0">
-              <a:buNone/>
-              <a:defRPr sz="2000">
+            <a:lvl2pPr marL="432054" indent="0">
+              <a:buNone/>
+              <a:defRPr sz="1890">
                 <a:solidFill>
                   <a:schemeClr val="tx1">
                     <a:tint val="75000"/>
@@ -903,9 +910,9 @@
                 </a:solidFill>
               </a:defRPr>
             </a:lvl2pPr>
-            <a:lvl3pPr marL="914400" indent="0">
-              <a:buNone/>
-              <a:defRPr sz="1800">
+            <a:lvl3pPr marL="864108" indent="0">
+              <a:buNone/>
+              <a:defRPr sz="1701">
                 <a:solidFill>
                   <a:schemeClr val="tx1">
                     <a:tint val="75000"/>
@@ -913,9 +920,9 @@
                 </a:solidFill>
               </a:defRPr>
             </a:lvl3pPr>
-            <a:lvl4pPr marL="1371600" indent="0">
-              <a:buNone/>
-              <a:defRPr sz="1600">
+            <a:lvl4pPr marL="1296162" indent="0">
+              <a:buNone/>
+              <a:defRPr sz="1512">
                 <a:solidFill>
                   <a:schemeClr val="tx1">
                     <a:tint val="75000"/>
@@ -923,9 +930,9 @@
                 </a:solidFill>
               </a:defRPr>
             </a:lvl4pPr>
-            <a:lvl5pPr marL="1828800" indent="0">
-              <a:buNone/>
-              <a:defRPr sz="1600">
+            <a:lvl5pPr marL="1728216" indent="0">
+              <a:buNone/>
+              <a:defRPr sz="1512">
                 <a:solidFill>
                   <a:schemeClr val="tx1">
                     <a:tint val="75000"/>
@@ -933,9 +940,9 @@
                 </a:solidFill>
               </a:defRPr>
             </a:lvl5pPr>
-            <a:lvl6pPr marL="2286000" indent="0">
-              <a:buNone/>
-              <a:defRPr sz="1600">
+            <a:lvl6pPr marL="2160270" indent="0">
+              <a:buNone/>
+              <a:defRPr sz="1512">
                 <a:solidFill>
                   <a:schemeClr val="tx1">
                     <a:tint val="75000"/>
@@ -943,9 +950,9 @@
                 </a:solidFill>
               </a:defRPr>
             </a:lvl6pPr>
-            <a:lvl7pPr marL="2743200" indent="0">
-              <a:buNone/>
-              <a:defRPr sz="1600">
+            <a:lvl7pPr marL="2592324" indent="0">
+              <a:buNone/>
+              <a:defRPr sz="1512">
                 <a:solidFill>
                   <a:schemeClr val="tx1">
                     <a:tint val="75000"/>
@@ -953,9 +960,9 @@
                 </a:solidFill>
               </a:defRPr>
             </a:lvl7pPr>
-            <a:lvl8pPr marL="3200400" indent="0">
-              <a:buNone/>
-              <a:defRPr sz="1600">
+            <a:lvl8pPr marL="3024378" indent="0">
+              <a:buNone/>
+              <a:defRPr sz="1512">
                 <a:solidFill>
                   <a:schemeClr val="tx1">
                     <a:tint val="75000"/>
@@ -963,9 +970,9 @@
                 </a:solidFill>
               </a:defRPr>
             </a:lvl8pPr>
-            <a:lvl9pPr marL="3657600" indent="0">
-              <a:buNone/>
-              <a:defRPr sz="1600">
+            <a:lvl9pPr marL="3456432" indent="0">
+              <a:buNone/>
+              <a:defRPr sz="1512">
                 <a:solidFill>
                   <a:schemeClr val="tx1">
                     <a:tint val="75000"/>
@@ -978,14 +985,14 @@
             <a:pPr lvl="0"/>
             <a:r>
               <a:rPr lang="fr-FR"/>
-              <a:t>Modifier les styles du texte du masque</a:t>
-            </a:r>
-          </a:p>
-        </p:txBody>
-      </p:sp>
-      <p:sp>
-        <p:nvSpPr>
-          <p:cNvPr id="4" name="Espace réservé de la date 3"/>
+              <a:t>Cliquez pour modifier les styles du texte du masque</a:t>
+            </a:r>
+          </a:p>
+        </p:txBody>
+      </p:sp>
+      <p:sp>
+        <p:nvSpPr>
+          <p:cNvPr id="4" name="Date Placeholder 3"/>
           <p:cNvSpPr>
             <a:spLocks noGrp="1"/>
           </p:cNvSpPr>
@@ -1000,7 +1007,7 @@
           <a:p>
             <a:fld id="{AE838A5E-F36F-4AC1-9778-6D8D7F5D5B8B}" type="datetimeFigureOut">
               <a:rPr lang="fr-FR" smtClean="0"/>
-              <a:t>31/08/2021</a:t>
+              <a:t>20/07/2022</a:t>
             </a:fld>
             <a:endParaRPr lang="fr-FR"/>
           </a:p>
@@ -1008,7 +1015,7 @@
       </p:sp>
       <p:sp>
         <p:nvSpPr>
-          <p:cNvPr id="5" name="Espace réservé du pied de page 4"/>
+          <p:cNvPr id="5" name="Footer Placeholder 4"/>
           <p:cNvSpPr>
             <a:spLocks noGrp="1"/>
           </p:cNvSpPr>
@@ -1027,7 +1034,7 @@
       </p:sp>
       <p:sp>
         <p:nvSpPr>
-          <p:cNvPr id="6" name="Espace réservé du numéro de diapositive 5"/>
+          <p:cNvPr id="6" name="Slide Number Placeholder 5"/>
           <p:cNvSpPr>
             <a:spLocks noGrp="1"/>
           </p:cNvSpPr>
@@ -1051,7 +1058,7 @@
     </p:spTree>
     <p:extLst>
       <p:ext uri="{BB962C8B-B14F-4D97-AF65-F5344CB8AC3E}">
-        <p14:creationId xmlns:p14="http://schemas.microsoft.com/office/powerpoint/2010/main" val="3903748683"/>
+        <p14:creationId xmlns:p14="http://schemas.microsoft.com/office/powerpoint/2010/main" val="3926874544"/>
       </p:ext>
     </p:extLst>
   </p:cSld>
@@ -1080,7 +1087,7 @@
       </p:grpSpPr>
       <p:sp>
         <p:nvSpPr>
-          <p:cNvPr id="2" name="Titre 1"/>
+          <p:cNvPr id="2" name="Title 1"/>
           <p:cNvSpPr>
             <a:spLocks noGrp="1"/>
           </p:cNvSpPr>
@@ -1097,12 +1104,13 @@
               <a:rPr lang="fr-FR"/>
               <a:t>Modifiez le style du titre</a:t>
             </a:r>
-          </a:p>
-        </p:txBody>
-      </p:sp>
-      <p:sp>
-        <p:nvSpPr>
-          <p:cNvPr id="3" name="Espace réservé du contenu 2"/>
+            <a:endParaRPr lang="en-US" dirty="0"/>
+          </a:p>
+        </p:txBody>
+      </p:sp>
+      <p:sp>
+        <p:nvSpPr>
+          <p:cNvPr id="3" name="Content Placeholder 2"/>
           <p:cNvSpPr>
             <a:spLocks noGrp="1"/>
           </p:cNvSpPr>
@@ -1112,8 +1120,8 @@
         </p:nvSpPr>
         <p:spPr>
           <a:xfrm>
-            <a:off x="838200" y="1825625"/>
-            <a:ext cx="5181600" cy="4351338"/>
+            <a:off x="594053" y="1825625"/>
+            <a:ext cx="3672324" cy="4351338"/>
           </a:xfrm>
         </p:spPr>
         <p:txBody>
@@ -1123,7 +1131,7 @@
             <a:pPr lvl="0"/>
             <a:r>
               <a:rPr lang="fr-FR"/>
-              <a:t>Modifier les styles du texte du masque</a:t>
+              <a:t>Cliquez pour modifier les styles du texte du masque</a:t>
             </a:r>
           </a:p>
           <a:p>
@@ -1153,12 +1161,13 @@
               <a:rPr lang="fr-FR"/>
               <a:t>Cinquième niveau</a:t>
             </a:r>
-          </a:p>
-        </p:txBody>
-      </p:sp>
-      <p:sp>
-        <p:nvSpPr>
-          <p:cNvPr id="4" name="Espace réservé du contenu 3"/>
+            <a:endParaRPr lang="en-US" dirty="0"/>
+          </a:p>
+        </p:txBody>
+      </p:sp>
+      <p:sp>
+        <p:nvSpPr>
+          <p:cNvPr id="4" name="Content Placeholder 3"/>
           <p:cNvSpPr>
             <a:spLocks noGrp="1"/>
           </p:cNvSpPr>
@@ -1168,8 +1177,8 @@
         </p:nvSpPr>
         <p:spPr>
           <a:xfrm>
-            <a:off x="6172200" y="1825625"/>
-            <a:ext cx="5181600" cy="4351338"/>
+            <a:off x="4374386" y="1825625"/>
+            <a:ext cx="3672324" cy="4351338"/>
           </a:xfrm>
         </p:spPr>
         <p:txBody>
@@ -1179,7 +1188,7 @@
             <a:pPr lvl="0"/>
             <a:r>
               <a:rPr lang="fr-FR"/>
-              <a:t>Modifier les styles du texte du masque</a:t>
+              <a:t>Cliquez pour modifier les styles du texte du masque</a:t>
             </a:r>
           </a:p>
           <a:p>
@@ -1209,12 +1218,13 @@
               <a:rPr lang="fr-FR"/>
               <a:t>Cinquième niveau</a:t>
             </a:r>
-          </a:p>
-        </p:txBody>
-      </p:sp>
-      <p:sp>
-        <p:nvSpPr>
-          <p:cNvPr id="5" name="Espace réservé de la date 4"/>
+            <a:endParaRPr lang="en-US" dirty="0"/>
+          </a:p>
+        </p:txBody>
+      </p:sp>
+      <p:sp>
+        <p:nvSpPr>
+          <p:cNvPr id="5" name="Date Placeholder 4"/>
           <p:cNvSpPr>
             <a:spLocks noGrp="1"/>
           </p:cNvSpPr>
@@ -1229,7 +1239,7 @@
           <a:p>
             <a:fld id="{AE838A5E-F36F-4AC1-9778-6D8D7F5D5B8B}" type="datetimeFigureOut">
               <a:rPr lang="fr-FR" smtClean="0"/>
-              <a:t>31/08/2021</a:t>
+              <a:t>20/07/2022</a:t>
             </a:fld>
             <a:endParaRPr lang="fr-FR"/>
           </a:p>
@@ -1237,7 +1247,7 @@
       </p:sp>
       <p:sp>
         <p:nvSpPr>
-          <p:cNvPr id="6" name="Espace réservé du pied de page 5"/>
+          <p:cNvPr id="6" name="Footer Placeholder 5"/>
           <p:cNvSpPr>
             <a:spLocks noGrp="1"/>
           </p:cNvSpPr>
@@ -1256,7 +1266,7 @@
       </p:sp>
       <p:sp>
         <p:nvSpPr>
-          <p:cNvPr id="7" name="Espace réservé du numéro de diapositive 6"/>
+          <p:cNvPr id="7" name="Slide Number Placeholder 6"/>
           <p:cNvSpPr>
             <a:spLocks noGrp="1"/>
           </p:cNvSpPr>
@@ -1280,7 +1290,7 @@
     </p:spTree>
     <p:extLst>
       <p:ext uri="{BB962C8B-B14F-4D97-AF65-F5344CB8AC3E}">
-        <p14:creationId xmlns:p14="http://schemas.microsoft.com/office/powerpoint/2010/main" val="989238296"/>
+        <p14:creationId xmlns:p14="http://schemas.microsoft.com/office/powerpoint/2010/main" val="4168119146"/>
       </p:ext>
     </p:extLst>
   </p:cSld>
@@ -1309,7 +1319,7 @@
       </p:grpSpPr>
       <p:sp>
         <p:nvSpPr>
-          <p:cNvPr id="2" name="Titre 1"/>
+          <p:cNvPr id="2" name="Title 1"/>
           <p:cNvSpPr>
             <a:spLocks noGrp="1"/>
           </p:cNvSpPr>
@@ -1319,8 +1329,8 @@
         </p:nvSpPr>
         <p:spPr>
           <a:xfrm>
-            <a:off x="839788" y="365125"/>
-            <a:ext cx="10515600" cy="1325563"/>
+            <a:off x="595178" y="365127"/>
+            <a:ext cx="7452658" cy="1325563"/>
           </a:xfrm>
         </p:spPr>
         <p:txBody>
@@ -1331,12 +1341,13 @@
               <a:rPr lang="fr-FR"/>
               <a:t>Modifiez le style du titre</a:t>
             </a:r>
-          </a:p>
-        </p:txBody>
-      </p:sp>
-      <p:sp>
-        <p:nvSpPr>
-          <p:cNvPr id="3" name="Espace réservé du texte 2"/>
+            <a:endParaRPr lang="en-US" dirty="0"/>
+          </a:p>
+        </p:txBody>
+      </p:sp>
+      <p:sp>
+        <p:nvSpPr>
+          <p:cNvPr id="3" name="Text Placeholder 2"/>
           <p:cNvSpPr>
             <a:spLocks noGrp="1"/>
           </p:cNvSpPr>
@@ -1346,8 +1357,8 @@
         </p:nvSpPr>
         <p:spPr>
           <a:xfrm>
-            <a:off x="839788" y="1681163"/>
-            <a:ext cx="5157787" cy="823912"/>
+            <a:off x="595179" y="1681163"/>
+            <a:ext cx="3655447" cy="823912"/>
           </a:xfrm>
         </p:spPr>
         <p:txBody>
@@ -1355,53 +1366,53 @@
           <a:lstStyle>
             <a:lvl1pPr marL="0" indent="0">
               <a:buNone/>
-              <a:defRPr sz="2400" b="1"/>
+              <a:defRPr sz="2268" b="1"/>
             </a:lvl1pPr>
-            <a:lvl2pPr marL="457200" indent="0">
-              <a:buNone/>
-              <a:defRPr sz="2000" b="1"/>
+            <a:lvl2pPr marL="432054" indent="0">
+              <a:buNone/>
+              <a:defRPr sz="1890" b="1"/>
             </a:lvl2pPr>
-            <a:lvl3pPr marL="914400" indent="0">
-              <a:buNone/>
-              <a:defRPr sz="1800" b="1"/>
+            <a:lvl3pPr marL="864108" indent="0">
+              <a:buNone/>
+              <a:defRPr sz="1701" b="1"/>
             </a:lvl3pPr>
-            <a:lvl4pPr marL="1371600" indent="0">
-              <a:buNone/>
-              <a:defRPr sz="1600" b="1"/>
+            <a:lvl4pPr marL="1296162" indent="0">
+              <a:buNone/>
+              <a:defRPr sz="1512" b="1"/>
             </a:lvl4pPr>
-            <a:lvl5pPr marL="1828800" indent="0">
-              <a:buNone/>
-              <a:defRPr sz="1600" b="1"/>
+            <a:lvl5pPr marL="1728216" indent="0">
+              <a:buNone/>
+              <a:defRPr sz="1512" b="1"/>
             </a:lvl5pPr>
-            <a:lvl6pPr marL="2286000" indent="0">
-              <a:buNone/>
-              <a:defRPr sz="1600" b="1"/>
+            <a:lvl6pPr marL="2160270" indent="0">
+              <a:buNone/>
+              <a:defRPr sz="1512" b="1"/>
             </a:lvl6pPr>
-            <a:lvl7pPr marL="2743200" indent="0">
-              <a:buNone/>
-              <a:defRPr sz="1600" b="1"/>
+            <a:lvl7pPr marL="2592324" indent="0">
+              <a:buNone/>
+              <a:defRPr sz="1512" b="1"/>
             </a:lvl7pPr>
-            <a:lvl8pPr marL="3200400" indent="0">
-              <a:buNone/>
-              <a:defRPr sz="1600" b="1"/>
+            <a:lvl8pPr marL="3024378" indent="0">
+              <a:buNone/>
+              <a:defRPr sz="1512" b="1"/>
             </a:lvl8pPr>
-            <a:lvl9pPr marL="3657600" indent="0">
-              <a:buNone/>
-              <a:defRPr sz="1600" b="1"/>
+            <a:lvl9pPr marL="3456432" indent="0">
+              <a:buNone/>
+              <a:defRPr sz="1512" b="1"/>
             </a:lvl9pPr>
           </a:lstStyle>
           <a:p>
             <a:pPr lvl="0"/>
             <a:r>
               <a:rPr lang="fr-FR"/>
-              <a:t>Modifier les styles du texte du masque</a:t>
-            </a:r>
-          </a:p>
-        </p:txBody>
-      </p:sp>
-      <p:sp>
-        <p:nvSpPr>
-          <p:cNvPr id="4" name="Espace réservé du contenu 3"/>
+              <a:t>Cliquez pour modifier les styles du texte du masque</a:t>
+            </a:r>
+          </a:p>
+        </p:txBody>
+      </p:sp>
+      <p:sp>
+        <p:nvSpPr>
+          <p:cNvPr id="4" name="Content Placeholder 3"/>
           <p:cNvSpPr>
             <a:spLocks noGrp="1"/>
           </p:cNvSpPr>
@@ -1411,8 +1422,8 @@
         </p:nvSpPr>
         <p:spPr>
           <a:xfrm>
-            <a:off x="839788" y="2505075"/>
-            <a:ext cx="5157787" cy="3684588"/>
+            <a:off x="595179" y="2505075"/>
+            <a:ext cx="3655447" cy="3684588"/>
           </a:xfrm>
         </p:spPr>
         <p:txBody>
@@ -1422,7 +1433,7 @@
             <a:pPr lvl="0"/>
             <a:r>
               <a:rPr lang="fr-FR"/>
-              <a:t>Modifier les styles du texte du masque</a:t>
+              <a:t>Cliquez pour modifier les styles du texte du masque</a:t>
             </a:r>
           </a:p>
           <a:p>
@@ -1452,12 +1463,13 @@
               <a:rPr lang="fr-FR"/>
               <a:t>Cinquième niveau</a:t>
             </a:r>
-          </a:p>
-        </p:txBody>
-      </p:sp>
-      <p:sp>
-        <p:nvSpPr>
-          <p:cNvPr id="5" name="Espace réservé du texte 4"/>
+            <a:endParaRPr lang="en-US" dirty="0"/>
+          </a:p>
+        </p:txBody>
+      </p:sp>
+      <p:sp>
+        <p:nvSpPr>
+          <p:cNvPr id="5" name="Text Placeholder 4"/>
           <p:cNvSpPr>
             <a:spLocks noGrp="1"/>
           </p:cNvSpPr>
@@ -1467,8 +1479,8 @@
         </p:nvSpPr>
         <p:spPr>
           <a:xfrm>
-            <a:off x="6172200" y="1681163"/>
-            <a:ext cx="5183188" cy="823912"/>
+            <a:off x="4374387" y="1681163"/>
+            <a:ext cx="3673450" cy="823912"/>
           </a:xfrm>
         </p:spPr>
         <p:txBody>
@@ -1476,53 +1488,53 @@
           <a:lstStyle>
             <a:lvl1pPr marL="0" indent="0">
               <a:buNone/>
-              <a:defRPr sz="2400" b="1"/>
+              <a:defRPr sz="2268" b="1"/>
             </a:lvl1pPr>
-            <a:lvl2pPr marL="457200" indent="0">
-              <a:buNone/>
-              <a:defRPr sz="2000" b="1"/>
+            <a:lvl2pPr marL="432054" indent="0">
+              <a:buNone/>
+              <a:defRPr sz="1890" b="1"/>
             </a:lvl2pPr>
-            <a:lvl3pPr marL="914400" indent="0">
-              <a:buNone/>
-              <a:defRPr sz="1800" b="1"/>
+            <a:lvl3pPr marL="864108" indent="0">
+              <a:buNone/>
+              <a:defRPr sz="1701" b="1"/>
             </a:lvl3pPr>
-            <a:lvl4pPr marL="1371600" indent="0">
-              <a:buNone/>
-              <a:defRPr sz="1600" b="1"/>
+            <a:lvl4pPr marL="1296162" indent="0">
+              <a:buNone/>
+              <a:defRPr sz="1512" b="1"/>
             </a:lvl4pPr>
-            <a:lvl5pPr marL="1828800" indent="0">
-              <a:buNone/>
-              <a:defRPr sz="1600" b="1"/>
+            <a:lvl5pPr marL="1728216" indent="0">
+              <a:buNone/>
+              <a:defRPr sz="1512" b="1"/>
             </a:lvl5pPr>
-            <a:lvl6pPr marL="2286000" indent="0">
-              <a:buNone/>
-              <a:defRPr sz="1600" b="1"/>
+            <a:lvl6pPr marL="2160270" indent="0">
+              <a:buNone/>
+              <a:defRPr sz="1512" b="1"/>
             </a:lvl6pPr>
-            <a:lvl7pPr marL="2743200" indent="0">
-              <a:buNone/>
-              <a:defRPr sz="1600" b="1"/>
+            <a:lvl7pPr marL="2592324" indent="0">
+              <a:buNone/>
+              <a:defRPr sz="1512" b="1"/>
             </a:lvl7pPr>
-            <a:lvl8pPr marL="3200400" indent="0">
-              <a:buNone/>
-              <a:defRPr sz="1600" b="1"/>
+            <a:lvl8pPr marL="3024378" indent="0">
+              <a:buNone/>
+              <a:defRPr sz="1512" b="1"/>
             </a:lvl8pPr>
-            <a:lvl9pPr marL="3657600" indent="0">
-              <a:buNone/>
-              <a:defRPr sz="1600" b="1"/>
+            <a:lvl9pPr marL="3456432" indent="0">
+              <a:buNone/>
+              <a:defRPr sz="1512" b="1"/>
             </a:lvl9pPr>
           </a:lstStyle>
           <a:p>
             <a:pPr lvl="0"/>
             <a:r>
               <a:rPr lang="fr-FR"/>
-              <a:t>Modifier les styles du texte du masque</a:t>
-            </a:r>
-          </a:p>
-        </p:txBody>
-      </p:sp>
-      <p:sp>
-        <p:nvSpPr>
-          <p:cNvPr id="6" name="Espace réservé du contenu 5"/>
+              <a:t>Cliquez pour modifier les styles du texte du masque</a:t>
+            </a:r>
+          </a:p>
+        </p:txBody>
+      </p:sp>
+      <p:sp>
+        <p:nvSpPr>
+          <p:cNvPr id="6" name="Content Placeholder 5"/>
           <p:cNvSpPr>
             <a:spLocks noGrp="1"/>
           </p:cNvSpPr>
@@ -1532,8 +1544,8 @@
         </p:nvSpPr>
         <p:spPr>
           <a:xfrm>
-            <a:off x="6172200" y="2505075"/>
-            <a:ext cx="5183188" cy="3684588"/>
+            <a:off x="4374387" y="2505075"/>
+            <a:ext cx="3673450" cy="3684588"/>
           </a:xfrm>
         </p:spPr>
         <p:txBody>
@@ -1543,7 +1555,7 @@
             <a:pPr lvl="0"/>
             <a:r>
               <a:rPr lang="fr-FR"/>
-              <a:t>Modifier les styles du texte du masque</a:t>
+              <a:t>Cliquez pour modifier les styles du texte du masque</a:t>
             </a:r>
           </a:p>
           <a:p>
@@ -1573,12 +1585,13 @@
               <a:rPr lang="fr-FR"/>
               <a:t>Cinquième niveau</a:t>
             </a:r>
-          </a:p>
-        </p:txBody>
-      </p:sp>
-      <p:sp>
-        <p:nvSpPr>
-          <p:cNvPr id="7" name="Espace réservé de la date 6"/>
+            <a:endParaRPr lang="en-US" dirty="0"/>
+          </a:p>
+        </p:txBody>
+      </p:sp>
+      <p:sp>
+        <p:nvSpPr>
+          <p:cNvPr id="7" name="Date Placeholder 6"/>
           <p:cNvSpPr>
             <a:spLocks noGrp="1"/>
           </p:cNvSpPr>
@@ -1593,7 +1606,7 @@
           <a:p>
             <a:fld id="{AE838A5E-F36F-4AC1-9778-6D8D7F5D5B8B}" type="datetimeFigureOut">
               <a:rPr lang="fr-FR" smtClean="0"/>
-              <a:t>31/08/2021</a:t>
+              <a:t>20/07/2022</a:t>
             </a:fld>
             <a:endParaRPr lang="fr-FR"/>
           </a:p>
@@ -1601,7 +1614,7 @@
       </p:sp>
       <p:sp>
         <p:nvSpPr>
-          <p:cNvPr id="8" name="Espace réservé du pied de page 7"/>
+          <p:cNvPr id="8" name="Footer Placeholder 7"/>
           <p:cNvSpPr>
             <a:spLocks noGrp="1"/>
           </p:cNvSpPr>
@@ -1620,7 +1633,7 @@
       </p:sp>
       <p:sp>
         <p:nvSpPr>
-          <p:cNvPr id="9" name="Espace réservé du numéro de diapositive 8"/>
+          <p:cNvPr id="9" name="Slide Number Placeholder 8"/>
           <p:cNvSpPr>
             <a:spLocks noGrp="1"/>
           </p:cNvSpPr>
@@ -1644,7 +1657,7 @@
     </p:spTree>
     <p:extLst>
       <p:ext uri="{BB962C8B-B14F-4D97-AF65-F5344CB8AC3E}">
-        <p14:creationId xmlns:p14="http://schemas.microsoft.com/office/powerpoint/2010/main" val="3642027879"/>
+        <p14:creationId xmlns:p14="http://schemas.microsoft.com/office/powerpoint/2010/main" val="2512681961"/>
       </p:ext>
     </p:extLst>
   </p:cSld>
@@ -1673,7 +1686,7 @@
       </p:grpSpPr>
       <p:sp>
         <p:nvSpPr>
-          <p:cNvPr id="2" name="Titre 1"/>
+          <p:cNvPr id="2" name="Title 1"/>
           <p:cNvSpPr>
             <a:spLocks noGrp="1"/>
           </p:cNvSpPr>
@@ -1690,12 +1703,13 @@
               <a:rPr lang="fr-FR"/>
               <a:t>Modifiez le style du titre</a:t>
             </a:r>
-          </a:p>
-        </p:txBody>
-      </p:sp>
-      <p:sp>
-        <p:nvSpPr>
-          <p:cNvPr id="3" name="Espace réservé de la date 2"/>
+            <a:endParaRPr lang="en-US" dirty="0"/>
+          </a:p>
+        </p:txBody>
+      </p:sp>
+      <p:sp>
+        <p:nvSpPr>
+          <p:cNvPr id="3" name="Date Placeholder 2"/>
           <p:cNvSpPr>
             <a:spLocks noGrp="1"/>
           </p:cNvSpPr>
@@ -1710,7 +1724,7 @@
           <a:p>
             <a:fld id="{AE838A5E-F36F-4AC1-9778-6D8D7F5D5B8B}" type="datetimeFigureOut">
               <a:rPr lang="fr-FR" smtClean="0"/>
-              <a:t>31/08/2021</a:t>
+              <a:t>20/07/2022</a:t>
             </a:fld>
             <a:endParaRPr lang="fr-FR"/>
           </a:p>
@@ -1718,7 +1732,7 @@
       </p:sp>
       <p:sp>
         <p:nvSpPr>
-          <p:cNvPr id="4" name="Espace réservé du pied de page 3"/>
+          <p:cNvPr id="4" name="Footer Placeholder 3"/>
           <p:cNvSpPr>
             <a:spLocks noGrp="1"/>
           </p:cNvSpPr>
@@ -1737,7 +1751,7 @@
       </p:sp>
       <p:sp>
         <p:nvSpPr>
-          <p:cNvPr id="5" name="Espace réservé du numéro de diapositive 4"/>
+          <p:cNvPr id="5" name="Slide Number Placeholder 4"/>
           <p:cNvSpPr>
             <a:spLocks noGrp="1"/>
           </p:cNvSpPr>
@@ -1761,7 +1775,7 @@
     </p:spTree>
     <p:extLst>
       <p:ext uri="{BB962C8B-B14F-4D97-AF65-F5344CB8AC3E}">
-        <p14:creationId xmlns:p14="http://schemas.microsoft.com/office/powerpoint/2010/main" val="3052783023"/>
+        <p14:creationId xmlns:p14="http://schemas.microsoft.com/office/powerpoint/2010/main" val="2078453122"/>
       </p:ext>
     </p:extLst>
   </p:cSld>
@@ -1790,7 +1804,7 @@
       </p:grpSpPr>
       <p:sp>
         <p:nvSpPr>
-          <p:cNvPr id="2" name="Espace réservé de la date 1"/>
+          <p:cNvPr id="2" name="Date Placeholder 1"/>
           <p:cNvSpPr>
             <a:spLocks noGrp="1"/>
           </p:cNvSpPr>
@@ -1805,7 +1819,7 @@
           <a:p>
             <a:fld id="{AE838A5E-F36F-4AC1-9778-6D8D7F5D5B8B}" type="datetimeFigureOut">
               <a:rPr lang="fr-FR" smtClean="0"/>
-              <a:t>31/08/2021</a:t>
+              <a:t>20/07/2022</a:t>
             </a:fld>
             <a:endParaRPr lang="fr-FR"/>
           </a:p>
@@ -1813,7 +1827,7 @@
       </p:sp>
       <p:sp>
         <p:nvSpPr>
-          <p:cNvPr id="3" name="Espace réservé du pied de page 2"/>
+          <p:cNvPr id="3" name="Footer Placeholder 2"/>
           <p:cNvSpPr>
             <a:spLocks noGrp="1"/>
           </p:cNvSpPr>
@@ -1832,7 +1846,7 @@
       </p:sp>
       <p:sp>
         <p:nvSpPr>
-          <p:cNvPr id="4" name="Espace réservé du numéro de diapositive 3"/>
+          <p:cNvPr id="4" name="Slide Number Placeholder 3"/>
           <p:cNvSpPr>
             <a:spLocks noGrp="1"/>
           </p:cNvSpPr>
@@ -1856,7 +1870,7 @@
     </p:spTree>
     <p:extLst>
       <p:ext uri="{BB962C8B-B14F-4D97-AF65-F5344CB8AC3E}">
-        <p14:creationId xmlns:p14="http://schemas.microsoft.com/office/powerpoint/2010/main" val="3137155536"/>
+        <p14:creationId xmlns:p14="http://schemas.microsoft.com/office/powerpoint/2010/main" val="2850668598"/>
       </p:ext>
     </p:extLst>
   </p:cSld>
@@ -1885,7 +1899,7 @@
       </p:grpSpPr>
       <p:sp>
         <p:nvSpPr>
-          <p:cNvPr id="2" name="Titre 1"/>
+          <p:cNvPr id="2" name="Title 1"/>
           <p:cNvSpPr>
             <a:spLocks noGrp="1"/>
           </p:cNvSpPr>
@@ -1895,15 +1909,15 @@
         </p:nvSpPr>
         <p:spPr>
           <a:xfrm>
-            <a:off x="839788" y="457200"/>
-            <a:ext cx="3932237" cy="1600200"/>
+            <a:off x="595178" y="457200"/>
+            <a:ext cx="2786871" cy="1600200"/>
           </a:xfrm>
         </p:spPr>
         <p:txBody>
           <a:bodyPr anchor="b"/>
           <a:lstStyle>
             <a:lvl1pPr>
-              <a:defRPr sz="3200"/>
+              <a:defRPr sz="3024"/>
             </a:lvl1pPr>
           </a:lstStyle>
           <a:p>
@@ -1911,12 +1925,13 @@
               <a:rPr lang="fr-FR"/>
               <a:t>Modifiez le style du titre</a:t>
             </a:r>
-          </a:p>
-        </p:txBody>
-      </p:sp>
-      <p:sp>
-        <p:nvSpPr>
-          <p:cNvPr id="3" name="Espace réservé du contenu 2"/>
+            <a:endParaRPr lang="en-US" dirty="0"/>
+          </a:p>
+        </p:txBody>
+      </p:sp>
+      <p:sp>
+        <p:nvSpPr>
+          <p:cNvPr id="3" name="Content Placeholder 2"/>
           <p:cNvSpPr>
             <a:spLocks noGrp="1"/>
           </p:cNvSpPr>
@@ -1926,46 +1941,46 @@
         </p:nvSpPr>
         <p:spPr>
           <a:xfrm>
-            <a:off x="5183188" y="987425"/>
-            <a:ext cx="6172200" cy="4873625"/>
+            <a:off x="3673450" y="987427"/>
+            <a:ext cx="4374386" cy="4873625"/>
           </a:xfrm>
         </p:spPr>
         <p:txBody>
           <a:bodyPr/>
           <a:lstStyle>
             <a:lvl1pPr>
-              <a:defRPr sz="3200"/>
+              <a:defRPr sz="3024"/>
             </a:lvl1pPr>
             <a:lvl2pPr>
-              <a:defRPr sz="2800"/>
+              <a:defRPr sz="2646"/>
             </a:lvl2pPr>
             <a:lvl3pPr>
-              <a:defRPr sz="2400"/>
+              <a:defRPr sz="2268"/>
             </a:lvl3pPr>
             <a:lvl4pPr>
-              <a:defRPr sz="2000"/>
+              <a:defRPr sz="1890"/>
             </a:lvl4pPr>
             <a:lvl5pPr>
-              <a:defRPr sz="2000"/>
+              <a:defRPr sz="1890"/>
             </a:lvl5pPr>
             <a:lvl6pPr>
-              <a:defRPr sz="2000"/>
+              <a:defRPr sz="1890"/>
             </a:lvl6pPr>
             <a:lvl7pPr>
-              <a:defRPr sz="2000"/>
+              <a:defRPr sz="1890"/>
             </a:lvl7pPr>
             <a:lvl8pPr>
-              <a:defRPr sz="2000"/>
+              <a:defRPr sz="1890"/>
             </a:lvl8pPr>
             <a:lvl9pPr>
-              <a:defRPr sz="2000"/>
+              <a:defRPr sz="1890"/>
             </a:lvl9pPr>
           </a:lstStyle>
           <a:p>
             <a:pPr lvl="0"/>
             <a:r>
               <a:rPr lang="fr-FR"/>
-              <a:t>Modifier les styles du texte du masque</a:t>
+              <a:t>Cliquez pour modifier les styles du texte du masque</a:t>
             </a:r>
           </a:p>
           <a:p>
@@ -1995,12 +2010,13 @@
               <a:rPr lang="fr-FR"/>
               <a:t>Cinquième niveau</a:t>
             </a:r>
-          </a:p>
-        </p:txBody>
-      </p:sp>
-      <p:sp>
-        <p:nvSpPr>
-          <p:cNvPr id="4" name="Espace réservé du texte 3"/>
+            <a:endParaRPr lang="en-US" dirty="0"/>
+          </a:p>
+        </p:txBody>
+      </p:sp>
+      <p:sp>
+        <p:nvSpPr>
+          <p:cNvPr id="4" name="Text Placeholder 3"/>
           <p:cNvSpPr>
             <a:spLocks noGrp="1"/>
           </p:cNvSpPr>
@@ -2010,8 +2026,8 @@
         </p:nvSpPr>
         <p:spPr>
           <a:xfrm>
-            <a:off x="839788" y="2057400"/>
-            <a:ext cx="3932237" cy="3811588"/>
+            <a:off x="595178" y="2057400"/>
+            <a:ext cx="2786871" cy="3811588"/>
           </a:xfrm>
         </p:spPr>
         <p:txBody>
@@ -2019,53 +2035,53 @@
           <a:lstStyle>
             <a:lvl1pPr marL="0" indent="0">
               <a:buNone/>
-              <a:defRPr sz="1600"/>
+              <a:defRPr sz="1512"/>
             </a:lvl1pPr>
-            <a:lvl2pPr marL="457200" indent="0">
-              <a:buNone/>
-              <a:defRPr sz="1400"/>
+            <a:lvl2pPr marL="432054" indent="0">
+              <a:buNone/>
+              <a:defRPr sz="1323"/>
             </a:lvl2pPr>
-            <a:lvl3pPr marL="914400" indent="0">
-              <a:buNone/>
-              <a:defRPr sz="1200"/>
+            <a:lvl3pPr marL="864108" indent="0">
+              <a:buNone/>
+              <a:defRPr sz="1134"/>
             </a:lvl3pPr>
-            <a:lvl4pPr marL="1371600" indent="0">
-              <a:buNone/>
-              <a:defRPr sz="1000"/>
+            <a:lvl4pPr marL="1296162" indent="0">
+              <a:buNone/>
+              <a:defRPr sz="945"/>
             </a:lvl4pPr>
-            <a:lvl5pPr marL="1828800" indent="0">
-              <a:buNone/>
-              <a:defRPr sz="1000"/>
+            <a:lvl5pPr marL="1728216" indent="0">
+              <a:buNone/>
+              <a:defRPr sz="945"/>
             </a:lvl5pPr>
-            <a:lvl6pPr marL="2286000" indent="0">
-              <a:buNone/>
-              <a:defRPr sz="1000"/>
+            <a:lvl6pPr marL="2160270" indent="0">
+              <a:buNone/>
+              <a:defRPr sz="945"/>
             </a:lvl6pPr>
-            <a:lvl7pPr marL="2743200" indent="0">
-              <a:buNone/>
-              <a:defRPr sz="1000"/>
+            <a:lvl7pPr marL="2592324" indent="0">
+              <a:buNone/>
+              <a:defRPr sz="945"/>
             </a:lvl7pPr>
-            <a:lvl8pPr marL="3200400" indent="0">
-              <a:buNone/>
-              <a:defRPr sz="1000"/>
+            <a:lvl8pPr marL="3024378" indent="0">
+              <a:buNone/>
+              <a:defRPr sz="945"/>
             </a:lvl8pPr>
-            <a:lvl9pPr marL="3657600" indent="0">
-              <a:buNone/>
-              <a:defRPr sz="1000"/>
+            <a:lvl9pPr marL="3456432" indent="0">
+              <a:buNone/>
+              <a:defRPr sz="945"/>
             </a:lvl9pPr>
           </a:lstStyle>
           <a:p>
             <a:pPr lvl="0"/>
             <a:r>
               <a:rPr lang="fr-FR"/>
-              <a:t>Modifier les styles du texte du masque</a:t>
-            </a:r>
-          </a:p>
-        </p:txBody>
-      </p:sp>
-      <p:sp>
-        <p:nvSpPr>
-          <p:cNvPr id="5" name="Espace réservé de la date 4"/>
+              <a:t>Cliquez pour modifier les styles du texte du masque</a:t>
+            </a:r>
+          </a:p>
+        </p:txBody>
+      </p:sp>
+      <p:sp>
+        <p:nvSpPr>
+          <p:cNvPr id="5" name="Date Placeholder 4"/>
           <p:cNvSpPr>
             <a:spLocks noGrp="1"/>
           </p:cNvSpPr>
@@ -2080,7 +2096,7 @@
           <a:p>
             <a:fld id="{AE838A5E-F36F-4AC1-9778-6D8D7F5D5B8B}" type="datetimeFigureOut">
               <a:rPr lang="fr-FR" smtClean="0"/>
-              <a:t>31/08/2021</a:t>
+              <a:t>20/07/2022</a:t>
             </a:fld>
             <a:endParaRPr lang="fr-FR"/>
           </a:p>
@@ -2088,7 +2104,7 @@
       </p:sp>
       <p:sp>
         <p:nvSpPr>
-          <p:cNvPr id="6" name="Espace réservé du pied de page 5"/>
+          <p:cNvPr id="6" name="Footer Placeholder 5"/>
           <p:cNvSpPr>
             <a:spLocks noGrp="1"/>
           </p:cNvSpPr>
@@ -2107,7 +2123,7 @@
       </p:sp>
       <p:sp>
         <p:nvSpPr>
-          <p:cNvPr id="7" name="Espace réservé du numéro de diapositive 6"/>
+          <p:cNvPr id="7" name="Slide Number Placeholder 6"/>
           <p:cNvSpPr>
             <a:spLocks noGrp="1"/>
           </p:cNvSpPr>
@@ -2131,7 +2147,7 @@
     </p:spTree>
     <p:extLst>
       <p:ext uri="{BB962C8B-B14F-4D97-AF65-F5344CB8AC3E}">
-        <p14:creationId xmlns:p14="http://schemas.microsoft.com/office/powerpoint/2010/main" val="280173982"/>
+        <p14:creationId xmlns:p14="http://schemas.microsoft.com/office/powerpoint/2010/main" val="4033483730"/>
       </p:ext>
     </p:extLst>
   </p:cSld>
@@ -2160,7 +2176,7 @@
       </p:grpSpPr>
       <p:sp>
         <p:nvSpPr>
-          <p:cNvPr id="2" name="Titre 1"/>
+          <p:cNvPr id="2" name="Title 1"/>
           <p:cNvSpPr>
             <a:spLocks noGrp="1"/>
           </p:cNvSpPr>
@@ -2170,15 +2186,15 @@
         </p:nvSpPr>
         <p:spPr>
           <a:xfrm>
-            <a:off x="839788" y="457200"/>
-            <a:ext cx="3932237" cy="1600200"/>
+            <a:off x="595178" y="457200"/>
+            <a:ext cx="2786871" cy="1600200"/>
           </a:xfrm>
         </p:spPr>
         <p:txBody>
           <a:bodyPr anchor="b"/>
           <a:lstStyle>
             <a:lvl1pPr>
-              <a:defRPr sz="3200"/>
+              <a:defRPr sz="3024"/>
             </a:lvl1pPr>
           </a:lstStyle>
           <a:p>
@@ -2186,14 +2202,15 @@
               <a:rPr lang="fr-FR"/>
               <a:t>Modifiez le style du titre</a:t>
             </a:r>
-          </a:p>
-        </p:txBody>
-      </p:sp>
-      <p:sp>
-        <p:nvSpPr>
-          <p:cNvPr id="3" name="Espace réservé pour une image  2"/>
-          <p:cNvSpPr>
-            <a:spLocks noGrp="1"/>
+            <a:endParaRPr lang="en-US" dirty="0"/>
+          </a:p>
+        </p:txBody>
+      </p:sp>
+      <p:sp>
+        <p:nvSpPr>
+          <p:cNvPr id="3" name="Picture Placeholder 2"/>
+          <p:cNvSpPr>
+            <a:spLocks noGrp="1" noChangeAspect="1"/>
           </p:cNvSpPr>
           <p:nvPr>
             <p:ph type="pic" idx="1"/>
@@ -2201,8 +2218,73 @@
         </p:nvSpPr>
         <p:spPr>
           <a:xfrm>
-            <a:off x="5183188" y="987425"/>
-            <a:ext cx="6172200" cy="4873625"/>
+            <a:off x="3673450" y="987427"/>
+            <a:ext cx="4374386" cy="4873625"/>
+          </a:xfrm>
+        </p:spPr>
+        <p:txBody>
+          <a:bodyPr anchor="t"/>
+          <a:lstStyle>
+            <a:lvl1pPr marL="0" indent="0">
+              <a:buNone/>
+              <a:defRPr sz="3024"/>
+            </a:lvl1pPr>
+            <a:lvl2pPr marL="432054" indent="0">
+              <a:buNone/>
+              <a:defRPr sz="2646"/>
+            </a:lvl2pPr>
+            <a:lvl3pPr marL="864108" indent="0">
+              <a:buNone/>
+              <a:defRPr sz="2268"/>
+            </a:lvl3pPr>
+            <a:lvl4pPr marL="1296162" indent="0">
+              <a:buNone/>
+              <a:defRPr sz="1890"/>
+            </a:lvl4pPr>
+            <a:lvl5pPr marL="1728216" indent="0">
+              <a:buNone/>
+              <a:defRPr sz="1890"/>
+            </a:lvl5pPr>
+            <a:lvl6pPr marL="2160270" indent="0">
+              <a:buNone/>
+              <a:defRPr sz="1890"/>
+            </a:lvl6pPr>
+            <a:lvl7pPr marL="2592324" indent="0">
+              <a:buNone/>
+              <a:defRPr sz="1890"/>
+            </a:lvl7pPr>
+            <a:lvl8pPr marL="3024378" indent="0">
+              <a:buNone/>
+              <a:defRPr sz="1890"/>
+            </a:lvl8pPr>
+            <a:lvl9pPr marL="3456432" indent="0">
+              <a:buNone/>
+              <a:defRPr sz="1890"/>
+            </a:lvl9pPr>
+          </a:lstStyle>
+          <a:p>
+            <a:r>
+              <a:rPr lang="fr-FR"/>
+              <a:t>Cliquez sur l'icône pour ajouter une image</a:t>
+            </a:r>
+            <a:endParaRPr lang="en-US" dirty="0"/>
+          </a:p>
+        </p:txBody>
+      </p:sp>
+      <p:sp>
+        <p:nvSpPr>
+          <p:cNvPr id="4" name="Text Placeholder 3"/>
+          <p:cNvSpPr>
+            <a:spLocks noGrp="1"/>
+          </p:cNvSpPr>
+          <p:nvPr>
+            <p:ph type="body" sz="half" idx="2"/>
+          </p:nvPr>
+        </p:nvSpPr>
+        <p:spPr>
+          <a:xfrm>
+            <a:off x="595178" y="2057400"/>
+            <a:ext cx="2786871" cy="3811588"/>
           </a:xfrm>
         </p:spPr>
         <p:txBody>
@@ -2210,114 +2292,53 @@
           <a:lstStyle>
             <a:lvl1pPr marL="0" indent="0">
               <a:buNone/>
-              <a:defRPr sz="3200"/>
+              <a:defRPr sz="1512"/>
             </a:lvl1pPr>
-            <a:lvl2pPr marL="457200" indent="0">
-              <a:buNone/>
-              <a:defRPr sz="2800"/>
+            <a:lvl2pPr marL="432054" indent="0">
+              <a:buNone/>
+              <a:defRPr sz="1323"/>
             </a:lvl2pPr>
-            <a:lvl3pPr marL="914400" indent="0">
-              <a:buNone/>
-              <a:defRPr sz="2400"/>
+            <a:lvl3pPr marL="864108" indent="0">
+              <a:buNone/>
+              <a:defRPr sz="1134"/>
             </a:lvl3pPr>
-            <a:lvl4pPr marL="1371600" indent="0">
-              <a:buNone/>
-              <a:defRPr sz="2000"/>
+            <a:lvl4pPr marL="1296162" indent="0">
+              <a:buNone/>
+              <a:defRPr sz="945"/>
             </a:lvl4pPr>
-            <a:lvl5pPr marL="1828800" indent="0">
-              <a:buNone/>
-              <a:defRPr sz="2000"/>
+            <a:lvl5pPr marL="1728216" indent="0">
+              <a:buNone/>
+              <a:defRPr sz="945"/>
             </a:lvl5pPr>
-            <a:lvl6pPr marL="2286000" indent="0">
-              <a:buNone/>
-              <a:defRPr sz="2000"/>
+            <a:lvl6pPr marL="2160270" indent="0">
+              <a:buNone/>
+              <a:defRPr sz="945"/>
             </a:lvl6pPr>
-            <a:lvl7pPr marL="2743200" indent="0">
-              <a:buNone/>
-              <a:defRPr sz="2000"/>
+            <a:lvl7pPr marL="2592324" indent="0">
+              <a:buNone/>
+              <a:defRPr sz="945"/>
             </a:lvl7pPr>
-            <a:lvl8pPr marL="3200400" indent="0">
-              <a:buNone/>
-              <a:defRPr sz="2000"/>
+            <a:lvl8pPr marL="3024378" indent="0">
+              <a:buNone/>
+              <a:defRPr sz="945"/>
             </a:lvl8pPr>
-            <a:lvl9pPr marL="3657600" indent="0">
-              <a:buNone/>
-              <a:defRPr sz="2000"/>
+            <a:lvl9pPr marL="3456432" indent="0">
+              <a:buNone/>
+              <a:defRPr sz="945"/>
             </a:lvl9pPr>
           </a:lstStyle>
           <a:p>
-            <a:endParaRPr lang="fr-FR"/>
-          </a:p>
-        </p:txBody>
-      </p:sp>
-      <p:sp>
-        <p:nvSpPr>
-          <p:cNvPr id="4" name="Espace réservé du texte 3"/>
-          <p:cNvSpPr>
-            <a:spLocks noGrp="1"/>
-          </p:cNvSpPr>
-          <p:nvPr>
-            <p:ph type="body" sz="half" idx="2"/>
-          </p:nvPr>
-        </p:nvSpPr>
-        <p:spPr>
-          <a:xfrm>
-            <a:off x="839788" y="2057400"/>
-            <a:ext cx="3932237" cy="3811588"/>
-          </a:xfrm>
-        </p:spPr>
-        <p:txBody>
-          <a:bodyPr/>
-          <a:lstStyle>
-            <a:lvl1pPr marL="0" indent="0">
-              <a:buNone/>
-              <a:defRPr sz="1600"/>
-            </a:lvl1pPr>
-            <a:lvl2pPr marL="457200" indent="0">
-              <a:buNone/>
-              <a:defRPr sz="1400"/>
-            </a:lvl2pPr>
-            <a:lvl3pPr marL="914400" indent="0">
-              <a:buNone/>
-              <a:defRPr sz="1200"/>
-            </a:lvl3pPr>
-            <a:lvl4pPr marL="1371600" indent="0">
-              <a:buNone/>
-              <a:defRPr sz="1000"/>
-            </a:lvl4pPr>
-            <a:lvl5pPr marL="1828800" indent="0">
-              <a:buNone/>
-              <a:defRPr sz="1000"/>
-            </a:lvl5pPr>
-            <a:lvl6pPr marL="2286000" indent="0">
-              <a:buNone/>
-              <a:defRPr sz="1000"/>
-            </a:lvl6pPr>
-            <a:lvl7pPr marL="2743200" indent="0">
-              <a:buNone/>
-              <a:defRPr sz="1000"/>
-            </a:lvl7pPr>
-            <a:lvl8pPr marL="3200400" indent="0">
-              <a:buNone/>
-              <a:defRPr sz="1000"/>
-            </a:lvl8pPr>
-            <a:lvl9pPr marL="3657600" indent="0">
-              <a:buNone/>
-              <a:defRPr sz="1000"/>
-            </a:lvl9pPr>
-          </a:lstStyle>
-          <a:p>
             <a:pPr lvl="0"/>
             <a:r>
               <a:rPr lang="fr-FR"/>
-              <a:t>Modifier les styles du texte du masque</a:t>
-            </a:r>
-          </a:p>
-        </p:txBody>
-      </p:sp>
-      <p:sp>
-        <p:nvSpPr>
-          <p:cNvPr id="5" name="Espace réservé de la date 4"/>
+              <a:t>Cliquez pour modifier les styles du texte du masque</a:t>
+            </a:r>
+          </a:p>
+        </p:txBody>
+      </p:sp>
+      <p:sp>
+        <p:nvSpPr>
+          <p:cNvPr id="5" name="Date Placeholder 4"/>
           <p:cNvSpPr>
             <a:spLocks noGrp="1"/>
           </p:cNvSpPr>
@@ -2332,7 +2353,7 @@
           <a:p>
             <a:fld id="{AE838A5E-F36F-4AC1-9778-6D8D7F5D5B8B}" type="datetimeFigureOut">
               <a:rPr lang="fr-FR" smtClean="0"/>
-              <a:t>31/08/2021</a:t>
+              <a:t>20/07/2022</a:t>
             </a:fld>
             <a:endParaRPr lang="fr-FR"/>
           </a:p>
@@ -2340,7 +2361,7 @@
       </p:sp>
       <p:sp>
         <p:nvSpPr>
-          <p:cNvPr id="6" name="Espace réservé du pied de page 5"/>
+          <p:cNvPr id="6" name="Footer Placeholder 5"/>
           <p:cNvSpPr>
             <a:spLocks noGrp="1"/>
           </p:cNvSpPr>
@@ -2359,7 +2380,7 @@
       </p:sp>
       <p:sp>
         <p:nvSpPr>
-          <p:cNvPr id="7" name="Espace réservé du numéro de diapositive 6"/>
+          <p:cNvPr id="7" name="Slide Number Placeholder 6"/>
           <p:cNvSpPr>
             <a:spLocks noGrp="1"/>
           </p:cNvSpPr>
@@ -2383,7 +2404,7 @@
     </p:spTree>
     <p:extLst>
       <p:ext uri="{BB962C8B-B14F-4D97-AF65-F5344CB8AC3E}">
-        <p14:creationId xmlns:p14="http://schemas.microsoft.com/office/powerpoint/2010/main" val="1993880626"/>
+        <p14:creationId xmlns:p14="http://schemas.microsoft.com/office/powerpoint/2010/main" val="2543014059"/>
       </p:ext>
     </p:extLst>
   </p:cSld>
@@ -2417,7 +2438,7 @@
       </p:grpSpPr>
       <p:sp>
         <p:nvSpPr>
-          <p:cNvPr id="2" name="Espace réservé du titre 1"/>
+          <p:cNvPr id="2" name="Title Placeholder 1"/>
           <p:cNvSpPr>
             <a:spLocks noGrp="1"/>
           </p:cNvSpPr>
@@ -2427,8 +2448,8 @@
         </p:nvSpPr>
         <p:spPr>
           <a:xfrm>
-            <a:off x="838200" y="365125"/>
-            <a:ext cx="10515600" cy="1325563"/>
+            <a:off x="594053" y="365127"/>
+            <a:ext cx="7452658" cy="1325563"/>
           </a:xfrm>
           <a:prstGeom prst="rect">
             <a:avLst/>
@@ -2444,12 +2465,13 @@
               <a:rPr lang="fr-FR"/>
               <a:t>Modifiez le style du titre</a:t>
             </a:r>
-          </a:p>
-        </p:txBody>
-      </p:sp>
-      <p:sp>
-        <p:nvSpPr>
-          <p:cNvPr id="3" name="Espace réservé du texte 2"/>
+            <a:endParaRPr lang="en-US" dirty="0"/>
+          </a:p>
+        </p:txBody>
+      </p:sp>
+      <p:sp>
+        <p:nvSpPr>
+          <p:cNvPr id="3" name="Text Placeholder 2"/>
           <p:cNvSpPr>
             <a:spLocks noGrp="1"/>
           </p:cNvSpPr>
@@ -2459,8 +2481,8 @@
         </p:nvSpPr>
         <p:spPr>
           <a:xfrm>
-            <a:off x="838200" y="1825625"/>
-            <a:ext cx="10515600" cy="4351338"/>
+            <a:off x="594053" y="1825625"/>
+            <a:ext cx="7452658" cy="4351338"/>
           </a:xfrm>
           <a:prstGeom prst="rect">
             <a:avLst/>
@@ -2475,7 +2497,7 @@
             <a:pPr lvl="0"/>
             <a:r>
               <a:rPr lang="fr-FR"/>
-              <a:t>Modifier les styles du texte du masque</a:t>
+              <a:t>Cliquez pour modifier les styles du texte du masque</a:t>
             </a:r>
           </a:p>
           <a:p>
@@ -2505,12 +2527,13 @@
               <a:rPr lang="fr-FR"/>
               <a:t>Cinquième niveau</a:t>
             </a:r>
-          </a:p>
-        </p:txBody>
-      </p:sp>
-      <p:sp>
-        <p:nvSpPr>
-          <p:cNvPr id="4" name="Espace réservé de la date 3"/>
+            <a:endParaRPr lang="en-US" dirty="0"/>
+          </a:p>
+        </p:txBody>
+      </p:sp>
+      <p:sp>
+        <p:nvSpPr>
+          <p:cNvPr id="4" name="Date Placeholder 3"/>
           <p:cNvSpPr>
             <a:spLocks noGrp="1"/>
           </p:cNvSpPr>
@@ -2520,8 +2543,8 @@
         </p:nvSpPr>
         <p:spPr>
           <a:xfrm>
-            <a:off x="838200" y="6356350"/>
-            <a:ext cx="2743200" cy="365125"/>
+            <a:off x="594052" y="6356352"/>
+            <a:ext cx="1944172" cy="365125"/>
           </a:xfrm>
           <a:prstGeom prst="rect">
             <a:avLst/>
@@ -2531,7 +2554,7 @@
           <a:bodyPr vert="horz" lIns="91440" tIns="45720" rIns="91440" bIns="45720" rtlCol="0" anchor="ctr"/>
           <a:lstStyle>
             <a:lvl1pPr algn="l">
-              <a:defRPr sz="1200">
+              <a:defRPr sz="1134">
                 <a:solidFill>
                   <a:schemeClr val="tx1">
                     <a:tint val="75000"/>
@@ -2543,7 +2566,7 @@
           <a:p>
             <a:fld id="{AE838A5E-F36F-4AC1-9778-6D8D7F5D5B8B}" type="datetimeFigureOut">
               <a:rPr lang="fr-FR" smtClean="0"/>
-              <a:t>31/08/2021</a:t>
+              <a:t>20/07/2022</a:t>
             </a:fld>
             <a:endParaRPr lang="fr-FR"/>
           </a:p>
@@ -2551,7 +2574,7 @@
       </p:sp>
       <p:sp>
         <p:nvSpPr>
-          <p:cNvPr id="5" name="Espace réservé du pied de page 4"/>
+          <p:cNvPr id="5" name="Footer Placeholder 4"/>
           <p:cNvSpPr>
             <a:spLocks noGrp="1"/>
           </p:cNvSpPr>
@@ -2561,8 +2584,8 @@
         </p:nvSpPr>
         <p:spPr>
           <a:xfrm>
-            <a:off x="4038600" y="6356350"/>
-            <a:ext cx="4114800" cy="365125"/>
+            <a:off x="2862253" y="6356352"/>
+            <a:ext cx="2916258" cy="365125"/>
           </a:xfrm>
           <a:prstGeom prst="rect">
             <a:avLst/>
@@ -2572,7 +2595,7 @@
           <a:bodyPr vert="horz" lIns="91440" tIns="45720" rIns="91440" bIns="45720" rtlCol="0" anchor="ctr"/>
           <a:lstStyle>
             <a:lvl1pPr algn="ctr">
-              <a:defRPr sz="1200">
+              <a:defRPr sz="1134">
                 <a:solidFill>
                   <a:schemeClr val="tx1">
                     <a:tint val="75000"/>
@@ -2588,7 +2611,7 @@
       </p:sp>
       <p:sp>
         <p:nvSpPr>
-          <p:cNvPr id="6" name="Espace réservé du numéro de diapositive 5"/>
+          <p:cNvPr id="6" name="Slide Number Placeholder 5"/>
           <p:cNvSpPr>
             <a:spLocks noGrp="1"/>
           </p:cNvSpPr>
@@ -2598,8 +2621,8 @@
         </p:nvSpPr>
         <p:spPr>
           <a:xfrm>
-            <a:off x="8610600" y="6356350"/>
-            <a:ext cx="2743200" cy="365125"/>
+            <a:off x="6102539" y="6356352"/>
+            <a:ext cx="1944172" cy="365125"/>
           </a:xfrm>
           <a:prstGeom prst="rect">
             <a:avLst/>
@@ -2609,7 +2632,7 @@
           <a:bodyPr vert="horz" lIns="91440" tIns="45720" rIns="91440" bIns="45720" rtlCol="0" anchor="ctr"/>
           <a:lstStyle>
             <a:lvl1pPr algn="r">
-              <a:defRPr sz="1200">
+              <a:defRPr sz="1134">
                 <a:solidFill>
                   <a:schemeClr val="tx1">
                     <a:tint val="75000"/>
@@ -2630,27 +2653,27 @@
     </p:spTree>
     <p:extLst>
       <p:ext uri="{BB962C8B-B14F-4D97-AF65-F5344CB8AC3E}">
-        <p14:creationId xmlns:p14="http://schemas.microsoft.com/office/powerpoint/2010/main" val="4261560263"/>
+        <p14:creationId xmlns:p14="http://schemas.microsoft.com/office/powerpoint/2010/main" val="501437299"/>
       </p:ext>
     </p:extLst>
   </p:cSld>
   <p:clrMap bg1="lt1" tx1="dk1" bg2="lt2" tx2="dk2" accent1="accent1" accent2="accent2" accent3="accent3" accent4="accent4" accent5="accent5" accent6="accent6" hlink="hlink" folHlink="folHlink"/>
   <p:sldLayoutIdLst>
-    <p:sldLayoutId id="2147483649" r:id="rId1"/>
-    <p:sldLayoutId id="2147483650" r:id="rId2"/>
-    <p:sldLayoutId id="2147483651" r:id="rId3"/>
-    <p:sldLayoutId id="2147483652" r:id="rId4"/>
-    <p:sldLayoutId id="2147483653" r:id="rId5"/>
-    <p:sldLayoutId id="2147483654" r:id="rId6"/>
-    <p:sldLayoutId id="2147483655" r:id="rId7"/>
-    <p:sldLayoutId id="2147483656" r:id="rId8"/>
-    <p:sldLayoutId id="2147483657" r:id="rId9"/>
-    <p:sldLayoutId id="2147483658" r:id="rId10"/>
-    <p:sldLayoutId id="2147483659" r:id="rId11"/>
+    <p:sldLayoutId id="2147483673" r:id="rId1"/>
+    <p:sldLayoutId id="2147483674" r:id="rId2"/>
+    <p:sldLayoutId id="2147483675" r:id="rId3"/>
+    <p:sldLayoutId id="2147483676" r:id="rId4"/>
+    <p:sldLayoutId id="2147483677" r:id="rId5"/>
+    <p:sldLayoutId id="2147483678" r:id="rId6"/>
+    <p:sldLayoutId id="2147483679" r:id="rId7"/>
+    <p:sldLayoutId id="2147483680" r:id="rId8"/>
+    <p:sldLayoutId id="2147483681" r:id="rId9"/>
+    <p:sldLayoutId id="2147483682" r:id="rId10"/>
+    <p:sldLayoutId id="2147483683" r:id="rId11"/>
   </p:sldLayoutIdLst>
   <p:txStyles>
     <p:titleStyle>
-      <a:lvl1pPr algn="l" defTabSz="914400" rtl="0" eaLnBrk="1" latinLnBrk="0" hangingPunct="1">
+      <a:lvl1pPr algn="l" defTabSz="864108" rtl="0" eaLnBrk="1" latinLnBrk="0" hangingPunct="1">
         <a:lnSpc>
           <a:spcPct val="90000"/>
         </a:lnSpc>
@@ -2658,7 +2681,7 @@
           <a:spcPct val="0"/>
         </a:spcBef>
         <a:buNone/>
-        <a:defRPr sz="4400" kern="1200">
+        <a:defRPr sz="4158" kern="1200">
           <a:solidFill>
             <a:schemeClr val="tx1"/>
           </a:solidFill>
@@ -2669,16 +2692,16 @@
       </a:lvl1pPr>
     </p:titleStyle>
     <p:bodyStyle>
-      <a:lvl1pPr marL="228600" indent="-228600" algn="l" defTabSz="914400" rtl="0" eaLnBrk="1" latinLnBrk="0" hangingPunct="1">
+      <a:lvl1pPr marL="216027" indent="-216027" algn="l" defTabSz="864108" rtl="0" eaLnBrk="1" latinLnBrk="0" hangingPunct="1">
         <a:lnSpc>
           <a:spcPct val="90000"/>
         </a:lnSpc>
         <a:spcBef>
-          <a:spcPts val="1000"/>
+          <a:spcPts val="945"/>
         </a:spcBef>
         <a:buFont typeface="Arial" panose="020B0604020202020204" pitchFamily="34" charset="0"/>
         <a:buChar char="•"/>
-        <a:defRPr sz="2800" kern="1200">
+        <a:defRPr sz="2646" kern="1200">
           <a:solidFill>
             <a:schemeClr val="tx1"/>
           </a:solidFill>
@@ -2687,16 +2710,16 @@
           <a:cs typeface="+mn-cs"/>
         </a:defRPr>
       </a:lvl1pPr>
-      <a:lvl2pPr marL="685800" indent="-228600" algn="l" defTabSz="914400" rtl="0" eaLnBrk="1" latinLnBrk="0" hangingPunct="1">
+      <a:lvl2pPr marL="648081" indent="-216027" algn="l" defTabSz="864108" rtl="0" eaLnBrk="1" latinLnBrk="0" hangingPunct="1">
         <a:lnSpc>
           <a:spcPct val="90000"/>
         </a:lnSpc>
         <a:spcBef>
-          <a:spcPts val="500"/>
+          <a:spcPts val="472"/>
         </a:spcBef>
         <a:buFont typeface="Arial" panose="020B0604020202020204" pitchFamily="34" charset="0"/>
         <a:buChar char="•"/>
-        <a:defRPr sz="2400" kern="1200">
+        <a:defRPr sz="2268" kern="1200">
           <a:solidFill>
             <a:schemeClr val="tx1"/>
           </a:solidFill>
@@ -2705,16 +2728,16 @@
           <a:cs typeface="+mn-cs"/>
         </a:defRPr>
       </a:lvl2pPr>
-      <a:lvl3pPr marL="1143000" indent="-228600" algn="l" defTabSz="914400" rtl="0" eaLnBrk="1" latinLnBrk="0" hangingPunct="1">
+      <a:lvl3pPr marL="1080135" indent="-216027" algn="l" defTabSz="864108" rtl="0" eaLnBrk="1" latinLnBrk="0" hangingPunct="1">
         <a:lnSpc>
           <a:spcPct val="90000"/>
         </a:lnSpc>
         <a:spcBef>
-          <a:spcPts val="500"/>
+          <a:spcPts val="472"/>
         </a:spcBef>
         <a:buFont typeface="Arial" panose="020B0604020202020204" pitchFamily="34" charset="0"/>
         <a:buChar char="•"/>
-        <a:defRPr sz="2000" kern="1200">
+        <a:defRPr sz="1890" kern="1200">
           <a:solidFill>
             <a:schemeClr val="tx1"/>
           </a:solidFill>
@@ -2723,16 +2746,16 @@
           <a:cs typeface="+mn-cs"/>
         </a:defRPr>
       </a:lvl3pPr>
-      <a:lvl4pPr marL="1600200" indent="-228600" algn="l" defTabSz="914400" rtl="0" eaLnBrk="1" latinLnBrk="0" hangingPunct="1">
+      <a:lvl4pPr marL="1512189" indent="-216027" algn="l" defTabSz="864108" rtl="0" eaLnBrk="1" latinLnBrk="0" hangingPunct="1">
         <a:lnSpc>
           <a:spcPct val="90000"/>
         </a:lnSpc>
         <a:spcBef>
-          <a:spcPts val="500"/>
+          <a:spcPts val="472"/>
         </a:spcBef>
         <a:buFont typeface="Arial" panose="020B0604020202020204" pitchFamily="34" charset="0"/>
         <a:buChar char="•"/>
-        <a:defRPr sz="1800" kern="1200">
+        <a:defRPr sz="1701" kern="1200">
           <a:solidFill>
             <a:schemeClr val="tx1"/>
           </a:solidFill>
@@ -2741,16 +2764,16 @@
           <a:cs typeface="+mn-cs"/>
         </a:defRPr>
       </a:lvl4pPr>
-      <a:lvl5pPr marL="2057400" indent="-228600" algn="l" defTabSz="914400" rtl="0" eaLnBrk="1" latinLnBrk="0" hangingPunct="1">
+      <a:lvl5pPr marL="1944243" indent="-216027" algn="l" defTabSz="864108" rtl="0" eaLnBrk="1" latinLnBrk="0" hangingPunct="1">
         <a:lnSpc>
           <a:spcPct val="90000"/>
         </a:lnSpc>
         <a:spcBef>
-          <a:spcPts val="500"/>
+          <a:spcPts val="472"/>
         </a:spcBef>
         <a:buFont typeface="Arial" panose="020B0604020202020204" pitchFamily="34" charset="0"/>
         <a:buChar char="•"/>
-        <a:defRPr sz="1800" kern="1200">
+        <a:defRPr sz="1701" kern="1200">
           <a:solidFill>
             <a:schemeClr val="tx1"/>
           </a:solidFill>
@@ -2759,16 +2782,16 @@
           <a:cs typeface="+mn-cs"/>
         </a:defRPr>
       </a:lvl5pPr>
-      <a:lvl6pPr marL="2514600" indent="-228600" algn="l" defTabSz="914400" rtl="0" eaLnBrk="1" latinLnBrk="0" hangingPunct="1">
+      <a:lvl6pPr marL="2376297" indent="-216027" algn="l" defTabSz="864108" rtl="0" eaLnBrk="1" latinLnBrk="0" hangingPunct="1">
         <a:lnSpc>
           <a:spcPct val="90000"/>
         </a:lnSpc>
         <a:spcBef>
-          <a:spcPts val="500"/>
+          <a:spcPts val="472"/>
         </a:spcBef>
         <a:buFont typeface="Arial" panose="020B0604020202020204" pitchFamily="34" charset="0"/>
         <a:buChar char="•"/>
-        <a:defRPr sz="1800" kern="1200">
+        <a:defRPr sz="1701" kern="1200">
           <a:solidFill>
             <a:schemeClr val="tx1"/>
           </a:solidFill>
@@ -2777,16 +2800,16 @@
           <a:cs typeface="+mn-cs"/>
         </a:defRPr>
       </a:lvl6pPr>
-      <a:lvl7pPr marL="2971800" indent="-228600" algn="l" defTabSz="914400" rtl="0" eaLnBrk="1" latinLnBrk="0" hangingPunct="1">
+      <a:lvl7pPr marL="2808351" indent="-216027" algn="l" defTabSz="864108" rtl="0" eaLnBrk="1" latinLnBrk="0" hangingPunct="1">
         <a:lnSpc>
           <a:spcPct val="90000"/>
         </a:lnSpc>
         <a:spcBef>
-          <a:spcPts val="500"/>
+          <a:spcPts val="472"/>
         </a:spcBef>
         <a:buFont typeface="Arial" panose="020B0604020202020204" pitchFamily="34" charset="0"/>
         <a:buChar char="•"/>
-        <a:defRPr sz="1800" kern="1200">
+        <a:defRPr sz="1701" kern="1200">
           <a:solidFill>
             <a:schemeClr val="tx1"/>
           </a:solidFill>
@@ -2795,16 +2818,16 @@
           <a:cs typeface="+mn-cs"/>
         </a:defRPr>
       </a:lvl7pPr>
-      <a:lvl8pPr marL="3429000" indent="-228600" algn="l" defTabSz="914400" rtl="0" eaLnBrk="1" latinLnBrk="0" hangingPunct="1">
+      <a:lvl8pPr marL="3240405" indent="-216027" algn="l" defTabSz="864108" rtl="0" eaLnBrk="1" latinLnBrk="0" hangingPunct="1">
         <a:lnSpc>
           <a:spcPct val="90000"/>
         </a:lnSpc>
         <a:spcBef>
-          <a:spcPts val="500"/>
+          <a:spcPts val="472"/>
         </a:spcBef>
         <a:buFont typeface="Arial" panose="020B0604020202020204" pitchFamily="34" charset="0"/>
         <a:buChar char="•"/>
-        <a:defRPr sz="1800" kern="1200">
+        <a:defRPr sz="1701" kern="1200">
           <a:solidFill>
             <a:schemeClr val="tx1"/>
           </a:solidFill>
@@ -2813,16 +2836,16 @@
           <a:cs typeface="+mn-cs"/>
         </a:defRPr>
       </a:lvl8pPr>
-      <a:lvl9pPr marL="3886200" indent="-228600" algn="l" defTabSz="914400" rtl="0" eaLnBrk="1" latinLnBrk="0" hangingPunct="1">
+      <a:lvl9pPr marL="3672459" indent="-216027" algn="l" defTabSz="864108" rtl="0" eaLnBrk="1" latinLnBrk="0" hangingPunct="1">
         <a:lnSpc>
           <a:spcPct val="90000"/>
         </a:lnSpc>
         <a:spcBef>
-          <a:spcPts val="500"/>
+          <a:spcPts val="472"/>
         </a:spcBef>
         <a:buFont typeface="Arial" panose="020B0604020202020204" pitchFamily="34" charset="0"/>
         <a:buChar char="•"/>
-        <a:defRPr sz="1800" kern="1200">
+        <a:defRPr sz="1701" kern="1200">
           <a:solidFill>
             <a:schemeClr val="tx1"/>
           </a:solidFill>
@@ -2834,10 +2857,10 @@
     </p:bodyStyle>
     <p:otherStyle>
       <a:defPPr>
-        <a:defRPr lang="fr-FR"/>
+        <a:defRPr lang="en-US"/>
       </a:defPPr>
-      <a:lvl1pPr marL="0" algn="l" defTabSz="914400" rtl="0" eaLnBrk="1" latinLnBrk="0" hangingPunct="1">
-        <a:defRPr sz="1800" kern="1200">
+      <a:lvl1pPr marL="0" algn="l" defTabSz="864108" rtl="0" eaLnBrk="1" latinLnBrk="0" hangingPunct="1">
+        <a:defRPr sz="1701" kern="1200">
           <a:solidFill>
             <a:schemeClr val="tx1"/>
           </a:solidFill>
@@ -2846,8 +2869,8 @@
           <a:cs typeface="+mn-cs"/>
         </a:defRPr>
       </a:lvl1pPr>
-      <a:lvl2pPr marL="457200" algn="l" defTabSz="914400" rtl="0" eaLnBrk="1" latinLnBrk="0" hangingPunct="1">
-        <a:defRPr sz="1800" kern="1200">
+      <a:lvl2pPr marL="432054" algn="l" defTabSz="864108" rtl="0" eaLnBrk="1" latinLnBrk="0" hangingPunct="1">
+        <a:defRPr sz="1701" kern="1200">
           <a:solidFill>
             <a:schemeClr val="tx1"/>
           </a:solidFill>
@@ -2856,8 +2879,8 @@
           <a:cs typeface="+mn-cs"/>
         </a:defRPr>
       </a:lvl2pPr>
-      <a:lvl3pPr marL="914400" algn="l" defTabSz="914400" rtl="0" eaLnBrk="1" latinLnBrk="0" hangingPunct="1">
-        <a:defRPr sz="1800" kern="1200">
+      <a:lvl3pPr marL="864108" algn="l" defTabSz="864108" rtl="0" eaLnBrk="1" latinLnBrk="0" hangingPunct="1">
+        <a:defRPr sz="1701" kern="1200">
           <a:solidFill>
             <a:schemeClr val="tx1"/>
           </a:solidFill>
@@ -2866,8 +2889,8 @@
           <a:cs typeface="+mn-cs"/>
         </a:defRPr>
       </a:lvl3pPr>
-      <a:lvl4pPr marL="1371600" algn="l" defTabSz="914400" rtl="0" eaLnBrk="1" latinLnBrk="0" hangingPunct="1">
-        <a:defRPr sz="1800" kern="1200">
+      <a:lvl4pPr marL="1296162" algn="l" defTabSz="864108" rtl="0" eaLnBrk="1" latinLnBrk="0" hangingPunct="1">
+        <a:defRPr sz="1701" kern="1200">
           <a:solidFill>
             <a:schemeClr val="tx1"/>
           </a:solidFill>
@@ -2876,8 +2899,8 @@
           <a:cs typeface="+mn-cs"/>
         </a:defRPr>
       </a:lvl4pPr>
-      <a:lvl5pPr marL="1828800" algn="l" defTabSz="914400" rtl="0" eaLnBrk="1" latinLnBrk="0" hangingPunct="1">
-        <a:defRPr sz="1800" kern="1200">
+      <a:lvl5pPr marL="1728216" algn="l" defTabSz="864108" rtl="0" eaLnBrk="1" latinLnBrk="0" hangingPunct="1">
+        <a:defRPr sz="1701" kern="1200">
           <a:solidFill>
             <a:schemeClr val="tx1"/>
           </a:solidFill>
@@ -2886,8 +2909,8 @@
           <a:cs typeface="+mn-cs"/>
         </a:defRPr>
       </a:lvl5pPr>
-      <a:lvl6pPr marL="2286000" algn="l" defTabSz="914400" rtl="0" eaLnBrk="1" latinLnBrk="0" hangingPunct="1">
-        <a:defRPr sz="1800" kern="1200">
+      <a:lvl6pPr marL="2160270" algn="l" defTabSz="864108" rtl="0" eaLnBrk="1" latinLnBrk="0" hangingPunct="1">
+        <a:defRPr sz="1701" kern="1200">
           <a:solidFill>
             <a:schemeClr val="tx1"/>
           </a:solidFill>
@@ -2896,8 +2919,8 @@
           <a:cs typeface="+mn-cs"/>
         </a:defRPr>
       </a:lvl6pPr>
-      <a:lvl7pPr marL="2743200" algn="l" defTabSz="914400" rtl="0" eaLnBrk="1" latinLnBrk="0" hangingPunct="1">
-        <a:defRPr sz="1800" kern="1200">
+      <a:lvl7pPr marL="2592324" algn="l" defTabSz="864108" rtl="0" eaLnBrk="1" latinLnBrk="0" hangingPunct="1">
+        <a:defRPr sz="1701" kern="1200">
           <a:solidFill>
             <a:schemeClr val="tx1"/>
           </a:solidFill>
@@ -2906,8 +2929,8 @@
           <a:cs typeface="+mn-cs"/>
         </a:defRPr>
       </a:lvl7pPr>
-      <a:lvl8pPr marL="3200400" algn="l" defTabSz="914400" rtl="0" eaLnBrk="1" latinLnBrk="0" hangingPunct="1">
-        <a:defRPr sz="1800" kern="1200">
+      <a:lvl8pPr marL="3024378" algn="l" defTabSz="864108" rtl="0" eaLnBrk="1" latinLnBrk="0" hangingPunct="1">
+        <a:defRPr sz="1701" kern="1200">
           <a:solidFill>
             <a:schemeClr val="tx1"/>
           </a:solidFill>
@@ -2916,8 +2939,8 @@
           <a:cs typeface="+mn-cs"/>
         </a:defRPr>
       </a:lvl8pPr>
-      <a:lvl9pPr marL="3657600" algn="l" defTabSz="914400" rtl="0" eaLnBrk="1" latinLnBrk="0" hangingPunct="1">
-        <a:defRPr sz="1800" kern="1200">
+      <a:lvl9pPr marL="3456432" algn="l" defTabSz="864108" rtl="0" eaLnBrk="1" latinLnBrk="0" hangingPunct="1">
+        <a:defRPr sz="1701" kern="1200">
           <a:solidFill>
             <a:schemeClr val="tx1"/>
           </a:solidFill>
@@ -2956,7 +2979,7 @@
         </p:nvSpPr>
         <p:spPr>
           <a:xfrm>
-            <a:off x="937368" y="640941"/>
+            <a:off x="84618" y="1055811"/>
             <a:ext cx="363894" cy="989045"/>
           </a:xfrm>
           <a:prstGeom prst="rect">
@@ -3010,7 +3033,7 @@
         </p:nvSpPr>
         <p:spPr>
           <a:xfrm>
-            <a:off x="937368" y="1698411"/>
+            <a:off x="84618" y="2113281"/>
             <a:ext cx="363894" cy="989045"/>
           </a:xfrm>
           <a:prstGeom prst="rect">
@@ -3064,7 +3087,7 @@
         </p:nvSpPr>
         <p:spPr>
           <a:xfrm>
-            <a:off x="937368" y="2755881"/>
+            <a:off x="84618" y="3170751"/>
             <a:ext cx="363894" cy="989045"/>
           </a:xfrm>
           <a:prstGeom prst="rect">
@@ -3119,7 +3142,7 @@
         </p:nvSpPr>
         <p:spPr>
           <a:xfrm>
-            <a:off x="937368" y="3813351"/>
+            <a:off x="84618" y="4228221"/>
             <a:ext cx="363894" cy="989045"/>
           </a:xfrm>
           <a:prstGeom prst="rect">
@@ -3174,7 +3197,7 @@
         </p:nvSpPr>
         <p:spPr>
           <a:xfrm>
-            <a:off x="937368" y="4870821"/>
+            <a:off x="84618" y="5285691"/>
             <a:ext cx="363894" cy="989045"/>
           </a:xfrm>
           <a:prstGeom prst="rect">
@@ -3237,7 +3260,7 @@
         </p:nvCxnSpPr>
         <p:spPr>
           <a:xfrm>
-            <a:off x="1386672" y="1145512"/>
+            <a:off x="533922" y="1560380"/>
             <a:ext cx="7355394" cy="0"/>
           </a:xfrm>
           <a:prstGeom prst="line">
@@ -3278,7 +3301,7 @@
         </p:nvCxnSpPr>
         <p:spPr>
           <a:xfrm>
-            <a:off x="1386672" y="2162070"/>
+            <a:off x="533924" y="2576938"/>
             <a:ext cx="7395587" cy="0"/>
           </a:xfrm>
           <a:prstGeom prst="line">
@@ -3319,7 +3342,7 @@
         </p:nvCxnSpPr>
         <p:spPr>
           <a:xfrm>
-            <a:off x="1386672" y="3238919"/>
+            <a:off x="533922" y="3653787"/>
             <a:ext cx="7405636" cy="0"/>
           </a:xfrm>
           <a:prstGeom prst="line">
@@ -3360,7 +3383,7 @@
         </p:nvCxnSpPr>
         <p:spPr>
           <a:xfrm>
-            <a:off x="1386672" y="4325815"/>
+            <a:off x="533922" y="4740683"/>
             <a:ext cx="7405636" cy="0"/>
           </a:xfrm>
           <a:prstGeom prst="line">
@@ -3401,7 +3424,7 @@
         </p:nvCxnSpPr>
         <p:spPr>
           <a:xfrm>
-            <a:off x="1386672" y="5352421"/>
+            <a:off x="533924" y="5767289"/>
             <a:ext cx="7385539" cy="0"/>
           </a:xfrm>
           <a:prstGeom prst="line">
@@ -3440,7 +3463,7 @@
         </p:nvSpPr>
         <p:spPr>
           <a:xfrm>
-            <a:off x="1380421" y="602720"/>
+            <a:off x="527671" y="1017590"/>
             <a:ext cx="7391790" cy="276999"/>
           </a:xfrm>
           <a:prstGeom prst="rect">
@@ -3448,9 +3471,7 @@
           </a:prstGeom>
           <a:noFill/>
           <a:ln>
-            <a:solidFill>
-              <a:schemeClr val="tx1"/>
-            </a:solidFill>
+            <a:noFill/>
           </a:ln>
         </p:spPr>
         <p:txBody>
@@ -3461,7 +3482,7 @@
           <a:p>
             <a:pPr algn="ctr"/>
             <a:r>
-              <a:rPr lang="en-US" sz="1200" dirty="0">
+              <a:rPr lang="en-US" sz="1200" b="1" dirty="0">
                 <a:latin typeface="Arial" panose="020B0604020202020204" pitchFamily="34" charset="0"/>
                 <a:cs typeface="Arial" panose="020B0604020202020204" pitchFamily="34" charset="0"/>
               </a:rPr>
@@ -3484,7 +3505,7 @@
         </p:nvSpPr>
         <p:spPr>
           <a:xfrm>
-            <a:off x="1386672" y="864091"/>
+            <a:off x="492161" y="2561367"/>
             <a:ext cx="1010213" cy="276999"/>
           </a:xfrm>
           <a:prstGeom prst="rect">
@@ -3522,7 +3543,7 @@
         </p:nvSpPr>
         <p:spPr>
           <a:xfrm>
-            <a:off x="1386672" y="1179364"/>
+            <a:off x="492161" y="2798158"/>
             <a:ext cx="1088311" cy="276999"/>
           </a:xfrm>
           <a:prstGeom prst="rect">
@@ -3560,7 +3581,7 @@
         </p:nvSpPr>
         <p:spPr>
           <a:xfrm>
-            <a:off x="1386672" y="1657498"/>
+            <a:off x="492161" y="3173449"/>
             <a:ext cx="917239" cy="276999"/>
           </a:xfrm>
           <a:prstGeom prst="rect">
@@ -3598,7 +3619,7 @@
         </p:nvSpPr>
         <p:spPr>
           <a:xfrm>
-            <a:off x="1386672" y="2104173"/>
+            <a:off x="492161" y="3645272"/>
             <a:ext cx="733599" cy="276999"/>
           </a:xfrm>
           <a:prstGeom prst="rect">
@@ -3636,8 +3657,8 @@
         </p:nvSpPr>
         <p:spPr>
           <a:xfrm>
-            <a:off x="1967472" y="2501"/>
-            <a:ext cx="583814" cy="307777"/>
+            <a:off x="720762" y="417371"/>
+            <a:ext cx="593432" cy="307777"/>
           </a:xfrm>
           <a:prstGeom prst="rect">
             <a:avLst/>
@@ -3651,13 +3672,13 @@
           <a:lstStyle/>
           <a:p>
             <a:r>
-              <a:rPr lang="en-US" sz="1400" dirty="0" err="1">
+              <a:rPr lang="en-US" sz="1400" b="1" dirty="0" err="1">
                 <a:latin typeface="Arial" panose="020B0604020202020204" pitchFamily="34" charset="0"/>
                 <a:cs typeface="Arial" panose="020B0604020202020204" pitchFamily="34" charset="0"/>
               </a:rPr>
               <a:t>ChIP</a:t>
             </a:r>
-            <a:endParaRPr lang="en-US" sz="1400" dirty="0">
+            <a:endParaRPr lang="en-US" sz="1400" b="1" dirty="0">
               <a:latin typeface="Arial" panose="020B0604020202020204" pitchFamily="34" charset="0"/>
               <a:cs typeface="Arial" panose="020B0604020202020204" pitchFamily="34" charset="0"/>
             </a:endParaRPr>
@@ -3678,8 +3699,8 @@
         </p:nvSpPr>
         <p:spPr>
           <a:xfrm>
-            <a:off x="3479613" y="0"/>
-            <a:ext cx="1109599" cy="523220"/>
+            <a:off x="2592997" y="414868"/>
+            <a:ext cx="1180131" cy="523220"/>
           </a:xfrm>
           <a:prstGeom prst="rect">
             <a:avLst/>
@@ -3693,7 +3714,7 @@
           <a:lstStyle/>
           <a:p>
             <a:r>
-              <a:rPr lang="en-US" sz="1400" dirty="0">
+              <a:rPr lang="en-US" sz="1400" b="1" dirty="0">
                 <a:latin typeface="Arial" panose="020B0604020202020204" pitchFamily="34" charset="0"/>
                 <a:cs typeface="Arial" panose="020B0604020202020204" pitchFamily="34" charset="0"/>
               </a:rPr>
@@ -3702,7 +3723,7 @@
           </a:p>
           <a:p>
             <a:r>
-              <a:rPr lang="en-US" sz="1400" dirty="0">
+              <a:rPr lang="en-US" sz="1400" b="1" dirty="0">
                 <a:latin typeface="Arial" panose="020B0604020202020204" pitchFamily="34" charset="0"/>
                 <a:cs typeface="Arial" panose="020B0604020202020204" pitchFamily="34" charset="0"/>
               </a:rPr>
@@ -3725,8 +3746,8 @@
         </p:nvSpPr>
         <p:spPr>
           <a:xfrm>
-            <a:off x="5361965" y="8165"/>
-            <a:ext cx="663964" cy="307777"/>
+            <a:off x="4509215" y="423035"/>
+            <a:ext cx="673582" cy="307777"/>
           </a:xfrm>
           <a:prstGeom prst="rect">
             <a:avLst/>
@@ -3740,7 +3761,7 @@
           <a:lstStyle/>
           <a:p>
             <a:r>
-              <a:rPr lang="en-US" sz="1400" dirty="0">
+              <a:rPr lang="en-US" sz="1400" b="1" dirty="0">
                 <a:latin typeface="Arial" panose="020B0604020202020204" pitchFamily="34" charset="0"/>
                 <a:cs typeface="Arial" panose="020B0604020202020204" pitchFamily="34" charset="0"/>
               </a:rPr>
@@ -3763,7 +3784,7 @@
         </p:nvSpPr>
         <p:spPr>
           <a:xfrm>
-            <a:off x="1386672" y="2244328"/>
+            <a:off x="492161" y="3785427"/>
             <a:ext cx="652743" cy="276999"/>
           </a:xfrm>
           <a:prstGeom prst="rect">
@@ -3801,7 +3822,7 @@
         </p:nvSpPr>
         <p:spPr>
           <a:xfrm>
-            <a:off x="1386671" y="2384577"/>
+            <a:off x="492159" y="3925676"/>
             <a:ext cx="1454244" cy="276999"/>
           </a:xfrm>
           <a:prstGeom prst="rect">
@@ -3839,7 +3860,7 @@
         </p:nvSpPr>
         <p:spPr>
           <a:xfrm>
-            <a:off x="1373017" y="2734346"/>
+            <a:off x="492159" y="4156851"/>
             <a:ext cx="670376" cy="276999"/>
           </a:xfrm>
           <a:prstGeom prst="rect">
@@ -3877,7 +3898,7 @@
         </p:nvSpPr>
         <p:spPr>
           <a:xfrm>
-            <a:off x="1369039" y="2990346"/>
+            <a:off x="492161" y="4352491"/>
             <a:ext cx="798617" cy="276999"/>
           </a:xfrm>
           <a:prstGeom prst="rect">
@@ -3915,7 +3936,7 @@
         </p:nvSpPr>
         <p:spPr>
           <a:xfrm>
-            <a:off x="3232407" y="1753033"/>
+            <a:off x="2379657" y="2159436"/>
             <a:ext cx="1283878" cy="276999"/>
           </a:xfrm>
           <a:prstGeom prst="rect">
@@ -3953,7 +3974,7 @@
         </p:nvSpPr>
         <p:spPr>
           <a:xfrm>
-            <a:off x="1341736" y="3799310"/>
+            <a:off x="492159" y="4756868"/>
             <a:ext cx="1325556" cy="276999"/>
           </a:xfrm>
           <a:prstGeom prst="rect">
@@ -4002,7 +4023,7 @@
         </p:nvSpPr>
         <p:spPr>
           <a:xfrm>
-            <a:off x="1341721" y="4092664"/>
+            <a:off x="492159" y="4931428"/>
             <a:ext cx="1445780" cy="276999"/>
           </a:xfrm>
           <a:prstGeom prst="rect">
@@ -4040,7 +4061,7 @@
         </p:nvSpPr>
         <p:spPr>
           <a:xfrm>
-            <a:off x="5103080" y="4369663"/>
+            <a:off x="4250330" y="4784533"/>
             <a:ext cx="1181734" cy="276999"/>
           </a:xfrm>
           <a:prstGeom prst="rect">
@@ -4078,7 +4099,7 @@
         </p:nvSpPr>
         <p:spPr>
           <a:xfrm>
-            <a:off x="5099072" y="5031575"/>
+            <a:off x="4246324" y="5446445"/>
             <a:ext cx="1189749" cy="276999"/>
           </a:xfrm>
           <a:prstGeom prst="rect">
@@ -4116,7 +4137,7 @@
         </p:nvSpPr>
         <p:spPr>
           <a:xfrm>
-            <a:off x="7102324" y="5365343"/>
+            <a:off x="6249576" y="5780213"/>
             <a:ext cx="899605" cy="276999"/>
           </a:xfrm>
           <a:prstGeom prst="rect">
@@ -4154,8 +4175,8 @@
         </p:nvSpPr>
         <p:spPr>
           <a:xfrm>
-            <a:off x="6699169" y="8165"/>
-            <a:ext cx="1705916" cy="307777"/>
+            <a:off x="5846419" y="423035"/>
+            <a:ext cx="1837362" cy="307777"/>
           </a:xfrm>
           <a:prstGeom prst="rect">
             <a:avLst/>
@@ -4169,7 +4190,7 @@
           <a:lstStyle/>
           <a:p>
             <a:r>
-              <a:rPr lang="en-US" sz="1400" dirty="0">
+              <a:rPr lang="en-US" sz="1400" b="1" dirty="0">
                 <a:latin typeface="Arial" panose="020B0604020202020204" pitchFamily="34" charset="0"/>
                 <a:cs typeface="Arial" panose="020B0604020202020204" pitchFamily="34" charset="0"/>
               </a:rPr>
@@ -4192,7 +4213,7 @@
         </p:nvSpPr>
         <p:spPr>
           <a:xfrm>
-            <a:off x="7183275" y="5588084"/>
+            <a:off x="6330525" y="5965947"/>
             <a:ext cx="737702" cy="276999"/>
           </a:xfrm>
           <a:prstGeom prst="rect">
@@ -4230,7 +4251,7 @@
         </p:nvSpPr>
         <p:spPr>
           <a:xfrm>
-            <a:off x="7183275" y="5829947"/>
+            <a:off x="6330527" y="6151681"/>
             <a:ext cx="720069" cy="276999"/>
           </a:xfrm>
           <a:prstGeom prst="rect">
@@ -4268,7 +4289,7 @@
         </p:nvSpPr>
         <p:spPr>
           <a:xfrm>
-            <a:off x="2983479" y="1141090"/>
+            <a:off x="2107735" y="1261026"/>
             <a:ext cx="2080121" cy="276999"/>
           </a:xfrm>
           <a:prstGeom prst="rect">
@@ -4306,7 +4327,7 @@
         </p:nvSpPr>
         <p:spPr>
           <a:xfrm>
-            <a:off x="3147224" y="1333116"/>
+            <a:off x="2294474" y="1613879"/>
             <a:ext cx="1454244" cy="276999"/>
           </a:xfrm>
           <a:prstGeom prst="rect">
@@ -4344,7 +4365,7 @@
         </p:nvSpPr>
         <p:spPr>
           <a:xfrm>
-            <a:off x="3121576" y="2205918"/>
+            <a:off x="2268826" y="2344080"/>
             <a:ext cx="1505540" cy="276999"/>
           </a:xfrm>
           <a:prstGeom prst="rect">
@@ -4382,7 +4403,7 @@
         </p:nvSpPr>
         <p:spPr>
           <a:xfrm>
-            <a:off x="1341721" y="3342082"/>
+            <a:off x="492161" y="4518297"/>
             <a:ext cx="1129989" cy="276999"/>
           </a:xfrm>
           <a:prstGeom prst="rect">
@@ -4420,7 +4441,7 @@
         </p:nvSpPr>
         <p:spPr>
           <a:xfrm>
-            <a:off x="5109404" y="2867778"/>
+            <a:off x="4256656" y="3282648"/>
             <a:ext cx="1111651" cy="276999"/>
           </a:xfrm>
           <a:prstGeom prst="rect">
@@ -4441,6 +4462,366 @@
               </a:rPr>
               <a:t>qPCR Theory</a:t>
             </a:r>
+          </a:p>
+        </p:txBody>
+      </p:sp>
+      <p:sp>
+        <p:nvSpPr>
+          <p:cNvPr id="2" name="ZoneTexte 1">
+            <a:extLst>
+              <a:ext uri="{FF2B5EF4-FFF2-40B4-BE49-F238E27FC236}">
+                <a16:creationId xmlns:a16="http://schemas.microsoft.com/office/drawing/2014/main" id="{86CDE877-8B86-6F0C-E6F7-912F8BA663B8}"/>
+              </a:ext>
+            </a:extLst>
+          </p:cNvPr>
+          <p:cNvSpPr txBox="1"/>
+          <p:nvPr/>
+        </p:nvSpPr>
+        <p:spPr>
+          <a:xfrm>
+            <a:off x="7885309" y="1127919"/>
+            <a:ext cx="458780" cy="307777"/>
+          </a:xfrm>
+          <a:prstGeom prst="rect">
+            <a:avLst/>
+          </a:prstGeom>
+          <a:noFill/>
+        </p:spPr>
+        <p:txBody>
+          <a:bodyPr wrap="none" rtlCol="0">
+            <a:spAutoFit/>
+          </a:bodyPr>
+          <a:lstStyle/>
+          <a:p>
+            <a:r>
+              <a:rPr lang="fr-FR" sz="1400" dirty="0" err="1"/>
+              <a:t>a.m</a:t>
+            </a:r>
+            <a:endParaRPr lang="fr-FR" sz="1400" dirty="0"/>
+          </a:p>
+        </p:txBody>
+      </p:sp>
+      <p:sp>
+        <p:nvSpPr>
+          <p:cNvPr id="40" name="ZoneTexte 39">
+            <a:extLst>
+              <a:ext uri="{FF2B5EF4-FFF2-40B4-BE49-F238E27FC236}">
+                <a16:creationId xmlns:a16="http://schemas.microsoft.com/office/drawing/2014/main" id="{B4EDEA97-2900-E2FB-23FE-6BFB138C8BCB}"/>
+              </a:ext>
+            </a:extLst>
+          </p:cNvPr>
+          <p:cNvSpPr txBox="1"/>
+          <p:nvPr/>
+        </p:nvSpPr>
+        <p:spPr>
+          <a:xfrm>
+            <a:off x="7885309" y="1599838"/>
+            <a:ext cx="466794" cy="307777"/>
+          </a:xfrm>
+          <a:prstGeom prst="rect">
+            <a:avLst/>
+          </a:prstGeom>
+          <a:noFill/>
+        </p:spPr>
+        <p:txBody>
+          <a:bodyPr wrap="none" rtlCol="0">
+            <a:spAutoFit/>
+          </a:bodyPr>
+          <a:lstStyle/>
+          <a:p>
+            <a:r>
+              <a:rPr lang="fr-FR" sz="1400" dirty="0" err="1"/>
+              <a:t>p.m</a:t>
+            </a:r>
+            <a:endParaRPr lang="fr-FR" sz="1400" dirty="0"/>
+          </a:p>
+        </p:txBody>
+      </p:sp>
+      <p:sp>
+        <p:nvSpPr>
+          <p:cNvPr id="41" name="ZoneTexte 40">
+            <a:extLst>
+              <a:ext uri="{FF2B5EF4-FFF2-40B4-BE49-F238E27FC236}">
+                <a16:creationId xmlns:a16="http://schemas.microsoft.com/office/drawing/2014/main" id="{42BC6480-95A0-DD0B-F2AB-05B7FF675454}"/>
+              </a:ext>
+            </a:extLst>
+          </p:cNvPr>
+          <p:cNvSpPr txBox="1"/>
+          <p:nvPr/>
+        </p:nvSpPr>
+        <p:spPr>
+          <a:xfrm>
+            <a:off x="7885309" y="2154524"/>
+            <a:ext cx="458780" cy="307777"/>
+          </a:xfrm>
+          <a:prstGeom prst="rect">
+            <a:avLst/>
+          </a:prstGeom>
+          <a:noFill/>
+        </p:spPr>
+        <p:txBody>
+          <a:bodyPr wrap="none" rtlCol="0">
+            <a:spAutoFit/>
+          </a:bodyPr>
+          <a:lstStyle/>
+          <a:p>
+            <a:r>
+              <a:rPr lang="fr-FR" sz="1400" dirty="0" err="1"/>
+              <a:t>a.m</a:t>
+            </a:r>
+            <a:endParaRPr lang="fr-FR" sz="1400" dirty="0"/>
+          </a:p>
+        </p:txBody>
+      </p:sp>
+      <p:sp>
+        <p:nvSpPr>
+          <p:cNvPr id="42" name="ZoneTexte 41">
+            <a:extLst>
+              <a:ext uri="{FF2B5EF4-FFF2-40B4-BE49-F238E27FC236}">
+                <a16:creationId xmlns:a16="http://schemas.microsoft.com/office/drawing/2014/main" id="{31AEB40D-9C37-2F05-3303-6E626D991747}"/>
+              </a:ext>
+            </a:extLst>
+          </p:cNvPr>
+          <p:cNvSpPr txBox="1"/>
+          <p:nvPr/>
+        </p:nvSpPr>
+        <p:spPr>
+          <a:xfrm>
+            <a:off x="7885309" y="2626443"/>
+            <a:ext cx="466794" cy="307777"/>
+          </a:xfrm>
+          <a:prstGeom prst="rect">
+            <a:avLst/>
+          </a:prstGeom>
+          <a:noFill/>
+        </p:spPr>
+        <p:txBody>
+          <a:bodyPr wrap="none" rtlCol="0">
+            <a:spAutoFit/>
+          </a:bodyPr>
+          <a:lstStyle/>
+          <a:p>
+            <a:r>
+              <a:rPr lang="fr-FR" sz="1400" dirty="0" err="1"/>
+              <a:t>p.m</a:t>
+            </a:r>
+            <a:endParaRPr lang="fr-FR" sz="1400" dirty="0"/>
+          </a:p>
+        </p:txBody>
+      </p:sp>
+      <p:sp>
+        <p:nvSpPr>
+          <p:cNvPr id="43" name="ZoneTexte 42">
+            <a:extLst>
+              <a:ext uri="{FF2B5EF4-FFF2-40B4-BE49-F238E27FC236}">
+                <a16:creationId xmlns:a16="http://schemas.microsoft.com/office/drawing/2014/main" id="{41EC5214-3147-270B-2614-FE8EAF840947}"/>
+              </a:ext>
+            </a:extLst>
+          </p:cNvPr>
+          <p:cNvSpPr txBox="1"/>
+          <p:nvPr/>
+        </p:nvSpPr>
+        <p:spPr>
+          <a:xfrm>
+            <a:off x="7885309" y="3244791"/>
+            <a:ext cx="458780" cy="307777"/>
+          </a:xfrm>
+          <a:prstGeom prst="rect">
+            <a:avLst/>
+          </a:prstGeom>
+          <a:noFill/>
+        </p:spPr>
+        <p:txBody>
+          <a:bodyPr wrap="none" rtlCol="0">
+            <a:spAutoFit/>
+          </a:bodyPr>
+          <a:lstStyle/>
+          <a:p>
+            <a:r>
+              <a:rPr lang="fr-FR" sz="1400" dirty="0" err="1"/>
+              <a:t>a.m</a:t>
+            </a:r>
+            <a:endParaRPr lang="fr-FR" sz="1400" dirty="0"/>
+          </a:p>
+        </p:txBody>
+      </p:sp>
+      <p:sp>
+        <p:nvSpPr>
+          <p:cNvPr id="44" name="ZoneTexte 43">
+            <a:extLst>
+              <a:ext uri="{FF2B5EF4-FFF2-40B4-BE49-F238E27FC236}">
+                <a16:creationId xmlns:a16="http://schemas.microsoft.com/office/drawing/2014/main" id="{E8702188-2608-F880-F7EA-F9BBD2DFEBB4}"/>
+              </a:ext>
+            </a:extLst>
+          </p:cNvPr>
+          <p:cNvSpPr txBox="1"/>
+          <p:nvPr/>
+        </p:nvSpPr>
+        <p:spPr>
+          <a:xfrm>
+            <a:off x="7885309" y="3716710"/>
+            <a:ext cx="466794" cy="307777"/>
+          </a:xfrm>
+          <a:prstGeom prst="rect">
+            <a:avLst/>
+          </a:prstGeom>
+          <a:noFill/>
+        </p:spPr>
+        <p:txBody>
+          <a:bodyPr wrap="none" rtlCol="0">
+            <a:spAutoFit/>
+          </a:bodyPr>
+          <a:lstStyle/>
+          <a:p>
+            <a:r>
+              <a:rPr lang="fr-FR" sz="1400" dirty="0" err="1"/>
+              <a:t>p.m</a:t>
+            </a:r>
+            <a:endParaRPr lang="fr-FR" sz="1400" dirty="0"/>
+          </a:p>
+        </p:txBody>
+      </p:sp>
+      <p:sp>
+        <p:nvSpPr>
+          <p:cNvPr id="45" name="ZoneTexte 44">
+            <a:extLst>
+              <a:ext uri="{FF2B5EF4-FFF2-40B4-BE49-F238E27FC236}">
+                <a16:creationId xmlns:a16="http://schemas.microsoft.com/office/drawing/2014/main" id="{CF645EC3-7DFF-BE5D-9ECD-F5A8BF1DFA82}"/>
+              </a:ext>
+            </a:extLst>
+          </p:cNvPr>
+          <p:cNvSpPr txBox="1"/>
+          <p:nvPr/>
+        </p:nvSpPr>
+        <p:spPr>
+          <a:xfrm>
+            <a:off x="7885309" y="4339993"/>
+            <a:ext cx="458780" cy="307777"/>
+          </a:xfrm>
+          <a:prstGeom prst="rect">
+            <a:avLst/>
+          </a:prstGeom>
+          <a:noFill/>
+        </p:spPr>
+        <p:txBody>
+          <a:bodyPr wrap="none" rtlCol="0">
+            <a:spAutoFit/>
+          </a:bodyPr>
+          <a:lstStyle/>
+          <a:p>
+            <a:r>
+              <a:rPr lang="fr-FR" sz="1400" dirty="0" err="1"/>
+              <a:t>a.m</a:t>
+            </a:r>
+            <a:endParaRPr lang="fr-FR" sz="1400" dirty="0"/>
+          </a:p>
+        </p:txBody>
+      </p:sp>
+      <p:sp>
+        <p:nvSpPr>
+          <p:cNvPr id="46" name="ZoneTexte 45">
+            <a:extLst>
+              <a:ext uri="{FF2B5EF4-FFF2-40B4-BE49-F238E27FC236}">
+                <a16:creationId xmlns:a16="http://schemas.microsoft.com/office/drawing/2014/main" id="{B701CE99-AC12-8EAF-10E9-CF0835BFFDDE}"/>
+              </a:ext>
+            </a:extLst>
+          </p:cNvPr>
+          <p:cNvSpPr txBox="1"/>
+          <p:nvPr/>
+        </p:nvSpPr>
+        <p:spPr>
+          <a:xfrm>
+            <a:off x="7885309" y="4811912"/>
+            <a:ext cx="466794" cy="307777"/>
+          </a:xfrm>
+          <a:prstGeom prst="rect">
+            <a:avLst/>
+          </a:prstGeom>
+          <a:noFill/>
+        </p:spPr>
+        <p:txBody>
+          <a:bodyPr wrap="none" rtlCol="0">
+            <a:spAutoFit/>
+          </a:bodyPr>
+          <a:lstStyle/>
+          <a:p>
+            <a:r>
+              <a:rPr lang="fr-FR" sz="1400" dirty="0" err="1"/>
+              <a:t>p.m</a:t>
+            </a:r>
+            <a:endParaRPr lang="fr-FR" sz="1400" dirty="0"/>
+          </a:p>
+        </p:txBody>
+      </p:sp>
+      <p:sp>
+        <p:nvSpPr>
+          <p:cNvPr id="47" name="ZoneTexte 46">
+            <a:extLst>
+              <a:ext uri="{FF2B5EF4-FFF2-40B4-BE49-F238E27FC236}">
+                <a16:creationId xmlns:a16="http://schemas.microsoft.com/office/drawing/2014/main" id="{23295449-FFD5-995C-A1D5-E1D1C76BABE8}"/>
+              </a:ext>
+            </a:extLst>
+          </p:cNvPr>
+          <p:cNvSpPr txBox="1"/>
+          <p:nvPr/>
+        </p:nvSpPr>
+        <p:spPr>
+          <a:xfrm>
+            <a:off x="7885309" y="5355662"/>
+            <a:ext cx="458780" cy="307777"/>
+          </a:xfrm>
+          <a:prstGeom prst="rect">
+            <a:avLst/>
+          </a:prstGeom>
+          <a:noFill/>
+        </p:spPr>
+        <p:txBody>
+          <a:bodyPr wrap="none" rtlCol="0">
+            <a:spAutoFit/>
+          </a:bodyPr>
+          <a:lstStyle/>
+          <a:p>
+            <a:r>
+              <a:rPr lang="fr-FR" sz="1400" dirty="0" err="1"/>
+              <a:t>a.m</a:t>
+            </a:r>
+            <a:endParaRPr lang="fr-FR" sz="1400" dirty="0"/>
+          </a:p>
+        </p:txBody>
+      </p:sp>
+      <p:sp>
+        <p:nvSpPr>
+          <p:cNvPr id="48" name="ZoneTexte 47">
+            <a:extLst>
+              <a:ext uri="{FF2B5EF4-FFF2-40B4-BE49-F238E27FC236}">
+                <a16:creationId xmlns:a16="http://schemas.microsoft.com/office/drawing/2014/main" id="{23E60005-09C9-26C7-8FAF-F44F74BF1463}"/>
+              </a:ext>
+            </a:extLst>
+          </p:cNvPr>
+          <p:cNvSpPr txBox="1"/>
+          <p:nvPr/>
+        </p:nvSpPr>
+        <p:spPr>
+          <a:xfrm>
+            <a:off x="7885309" y="5827581"/>
+            <a:ext cx="466794" cy="307777"/>
+          </a:xfrm>
+          <a:prstGeom prst="rect">
+            <a:avLst/>
+          </a:prstGeom>
+          <a:noFill/>
+        </p:spPr>
+        <p:txBody>
+          <a:bodyPr wrap="none" rtlCol="0">
+            <a:spAutoFit/>
+          </a:bodyPr>
+          <a:lstStyle/>
+          <a:p>
+            <a:r>
+              <a:rPr lang="fr-FR" sz="1400" dirty="0" err="1"/>
+              <a:t>p.m</a:t>
+            </a:r>
+            <a:endParaRPr lang="fr-FR" sz="1400" dirty="0"/>
           </a:p>
         </p:txBody>
       </p:sp>
@@ -4460,7 +4841,7 @@
 <file path=ppt/theme/theme1.xml><?xml version="1.0" encoding="utf-8"?>
 <a:theme xmlns:a="http://schemas.openxmlformats.org/drawingml/2006/main" name="Thème Office">
   <a:themeElements>
-    <a:clrScheme name="Office">
+    <a:clrScheme name="Thème Office">
       <a:dk1>
         <a:sysClr val="windowText" lastClr="000000"/>
       </a:dk1>
@@ -4474,7 +4855,7 @@
         <a:srgbClr val="E7E6E6"/>
       </a:lt2>
       <a:accent1>
-        <a:srgbClr val="5B9BD5"/>
+        <a:srgbClr val="4472C4"/>
       </a:accent1>
       <a:accent2>
         <a:srgbClr val="ED7D31"/>
@@ -4486,7 +4867,7 @@
         <a:srgbClr val="FFC000"/>
       </a:accent4>
       <a:accent5>
-        <a:srgbClr val="4472C4"/>
+        <a:srgbClr val="5B9BD5"/>
       </a:accent5>
       <a:accent6>
         <a:srgbClr val="70AD47"/>
@@ -4498,7 +4879,7 @@
         <a:srgbClr val="954F72"/>
       </a:folHlink>
     </a:clrScheme>
-    <a:fontScheme name="Office">
+    <a:fontScheme name="Thème Office">
       <a:majorFont>
         <a:latin typeface="Calibri Light" panose="020F0302020204030204"/>
         <a:ea typeface=""/>
@@ -4570,7 +4951,7 @@
         <a:font script="Geor" typeface="Sylfaen"/>
       </a:minorFont>
     </a:fontScheme>
-    <a:fmtScheme name="Office">
+    <a:fmtScheme name="Thème Office">
       <a:fillStyleLst>
         <a:solidFill>
           <a:schemeClr val="phClr"/>
